--- a/docs/ppt/xiong.pptx
+++ b/docs/ppt/xiong.pptx
@@ -5,19 +5,21 @@
     <p:sldMasterId id="2147483664" r:id="rId1"/>
   </p:sldMasterIdLst>
   <p:notesMasterIdLst>
-    <p:notesMasterId r:id="rId9"/>
+    <p:notesMasterId r:id="rId11"/>
   </p:notesMasterIdLst>
   <p:handoutMasterIdLst>
-    <p:handoutMasterId r:id="rId10"/>
+    <p:handoutMasterId r:id="rId12"/>
   </p:handoutMasterIdLst>
   <p:sldIdLst>
     <p:sldId id="264" r:id="rId2"/>
     <p:sldId id="273" r:id="rId3"/>
     <p:sldId id="270" r:id="rId4"/>
     <p:sldId id="276" r:id="rId5"/>
-    <p:sldId id="277" r:id="rId6"/>
-    <p:sldId id="278" r:id="rId7"/>
-    <p:sldId id="260" r:id="rId8"/>
+    <p:sldId id="280" r:id="rId6"/>
+    <p:sldId id="277" r:id="rId7"/>
+    <p:sldId id="279" r:id="rId8"/>
+    <p:sldId id="278" r:id="rId9"/>
+    <p:sldId id="260" r:id="rId10"/>
   </p:sldIdLst>
   <p:sldSz cx="9906000" cy="6858000" type="A4"/>
   <p:notesSz cx="6807200" cy="9939338"/>
@@ -135,6 +137,46 @@
 </p:presentation>
 </file>
 
+<file path=ppt/commentAuthors.xml><?xml version="1.0" encoding="utf-8"?>
+<p:cmAuthorLst xmlns:a="http://schemas.openxmlformats.org/drawingml/2006/main" xmlns:r="http://schemas.openxmlformats.org/officeDocument/2006/relationships" xmlns:p="http://schemas.openxmlformats.org/presentationml/2006/main">
+  <p:cmAuthor id="1" name="User" initials="U" lastIdx="1" clrIdx="0">
+    <p:extLst>
+      <p:ext uri="{19B8F6BF-5375-455C-9EA6-DF929625EA0E}">
+        <p15:presenceInfo xmlns:p15="http://schemas.microsoft.com/office/powerpoint/2012/main" userId="User" providerId="None"/>
+      </p:ext>
+    </p:extLst>
+  </p:cmAuthor>
+</p:cmAuthorLst>
+</file>
+
+<file path=ppt/comments/comment1.xml><?xml version="1.0" encoding="utf-8"?>
+<p:cmLst xmlns:a="http://schemas.openxmlformats.org/drawingml/2006/main" xmlns:r="http://schemas.openxmlformats.org/officeDocument/2006/relationships" xmlns:p="http://schemas.openxmlformats.org/presentationml/2006/main">
+  <p:cm authorId="1" dt="2025-03-28T11:58:36.109" idx="1">
+    <p:pos x="10" y="10"/>
+    <p:text/>
+    <p:extLst>
+      <p:ext uri="{C676402C-5697-4E1C-873F-D02D1690AC5C}">
+        <p15:threadingInfo xmlns:p15="http://schemas.microsoft.com/office/powerpoint/2012/main" timeZoneBias="-480"/>
+      </p:ext>
+    </p:extLst>
+  </p:cm>
+</p:cmLst>
+</file>
+
+<file path=ppt/comments/comment2.xml><?xml version="1.0" encoding="utf-8"?>
+<p:cmLst xmlns:a="http://schemas.openxmlformats.org/drawingml/2006/main" xmlns:r="http://schemas.openxmlformats.org/officeDocument/2006/relationships" xmlns:p="http://schemas.openxmlformats.org/presentationml/2006/main">
+  <p:cm authorId="1" dt="2025-03-28T11:58:36.109" idx="1">
+    <p:pos x="10" y="10"/>
+    <p:text/>
+    <p:extLst>
+      <p:ext uri="{C676402C-5697-4E1C-873F-D02D1690AC5C}">
+        <p15:threadingInfo xmlns:p15="http://schemas.microsoft.com/office/powerpoint/2012/main" timeZoneBias="-480"/>
+      </p:ext>
+    </p:extLst>
+  </p:cm>
+</p:cmLst>
+</file>
+
 <file path=ppt/handoutMasters/handoutMaster1.xml><?xml version="1.0" encoding="utf-8"?>
 <p:handoutMaster xmlns:a="http://schemas.openxmlformats.org/drawingml/2006/main" xmlns:r="http://schemas.openxmlformats.org/officeDocument/2006/relationships" xmlns:p="http://schemas.openxmlformats.org/presentationml/2006/main">
   <p:cSld>
@@ -218,7 +260,7 @@
             <a:fld id="{05BF5AB9-3463-4E65-AFD3-5431B79ADFDC}" type="datetimeFigureOut">
               <a:rPr lang="zh-TW" altLang="en-US" smtClean="0"/>
               <a:pPr/>
-              <a:t>2025/3/18</a:t>
+              <a:t>2025/3/28</a:t>
             </a:fld>
             <a:endParaRPr lang="zh-TW" altLang="en-US"/>
           </a:p>
@@ -385,7 +427,7 @@
             <a:fld id="{838FF680-7B6B-4655-B6A1-33A8AD0AE8B4}" type="datetimeFigureOut">
               <a:rPr lang="zh-TW" altLang="en-US" smtClean="0"/>
               <a:pPr/>
-              <a:t>2025/3/18</a:t>
+              <a:t>2025/3/28</a:t>
             </a:fld>
             <a:endParaRPr lang="zh-TW" altLang="en-US"/>
           </a:p>
@@ -3924,7 +3966,7 @@
                   <a:schemeClr val="bg1"/>
                 </a:solidFill>
               </a:rPr>
-              <a:t>設定個人帳號的資料</a:t>
+              <a:t>設定個人帳號的資料、第三方綁定。</a:t>
             </a:r>
             <a:endParaRPr lang="en-US" altLang="zh-TW" dirty="0">
               <a:solidFill>
@@ -3972,7 +4014,7 @@
                   <a:schemeClr val="bg1"/>
                 </a:solidFill>
               </a:rPr>
-              <a:t>個人日誌、收藏文章、訂閱看板、追蹤、加好友、留</a:t>
+              <a:t>個人日誌、收藏文章、訂閱看板、追蹤、加好友</a:t>
             </a:r>
             <a:endParaRPr lang="en-US" altLang="zh-TW" dirty="0">
               <a:solidFill>
@@ -3997,7 +4039,7 @@
                   <a:schemeClr val="bg1"/>
                 </a:solidFill>
               </a:rPr>
-              <a:t>言。</a:t>
+              <a:t>。</a:t>
             </a:r>
             <a:endParaRPr lang="en-US" altLang="zh-TW" dirty="0">
               <a:solidFill>
@@ -4078,116 +4120,12 @@
           </a:p>
         </p:txBody>
       </p:sp>
-      <p:sp>
-        <p:nvSpPr>
-          <p:cNvPr id="6" name="內容版面配置區 5">
+      <p:pic>
+        <p:nvPicPr>
+          <p:cNvPr id="30" name="圖片 29">
             <a:extLst>
               <a:ext uri="{FF2B5EF4-FFF2-40B4-BE49-F238E27FC236}">
-                <a16:creationId xmlns:a16="http://schemas.microsoft.com/office/drawing/2014/main" id="{9080CAA6-5B4D-F32A-847F-6EFB006B3FA3}"/>
-              </a:ext>
-            </a:extLst>
-          </p:cNvPr>
-          <p:cNvSpPr>
-            <a:spLocks noGrp="1"/>
-          </p:cNvSpPr>
-          <p:nvPr>
-            <p:ph idx="1"/>
-          </p:nvPr>
-        </p:nvSpPr>
-        <p:spPr>
-          <a:xfrm>
-            <a:off x="5097016" y="1011732"/>
-            <a:ext cx="4680520" cy="4577508"/>
-          </a:xfrm>
-          <a:noFill/>
-          <a:ln w="9525" cap="flat" cmpd="sng" algn="ctr">
-            <a:solidFill>
-              <a:schemeClr val="accent1"/>
-            </a:solidFill>
-            <a:prstDash val="solid"/>
-            <a:round/>
-            <a:headEnd type="none" w="med" len="med"/>
-            <a:tailEnd type="none" w="med" len="med"/>
-          </a:ln>
-        </p:spPr>
-        <p:style>
-          <a:lnRef idx="0">
-            <a:scrgbClr r="0" g="0" b="0"/>
-          </a:lnRef>
-          <a:fillRef idx="0">
-            <a:scrgbClr r="0" g="0" b="0"/>
-          </a:fillRef>
-          <a:effectRef idx="0">
-            <a:scrgbClr r="0" g="0" b="0"/>
-          </a:effectRef>
-          <a:fontRef idx="minor">
-            <a:schemeClr val="accent1"/>
-          </a:fontRef>
-        </p:style>
-        <p:txBody>
-          <a:bodyPr>
-            <a:normAutofit/>
-          </a:bodyPr>
-          <a:lstStyle/>
-          <a:p>
-            <a:r>
-              <a:rPr lang="zh-TW" altLang="en-US" sz="1800" dirty="0"/>
-              <a:t>輸入帳號，密碼即可登入</a:t>
-            </a:r>
-            <a:endParaRPr lang="en-US" altLang="zh-TW" sz="1800" dirty="0"/>
-          </a:p>
-          <a:p>
-            <a:r>
-              <a:rPr lang="zh-TW" altLang="en-US" sz="1800" dirty="0"/>
-              <a:t>保持登入狀態，既使關掉也不會登出</a:t>
-            </a:r>
-            <a:endParaRPr lang="en-US" altLang="zh-TW" sz="1800" dirty="0"/>
-          </a:p>
-          <a:p>
-            <a:r>
-              <a:rPr lang="zh-TW" altLang="en-US" sz="1800" dirty="0"/>
-              <a:t>忘記密碼，若忘記密碼點選輸入手機號碼</a:t>
-            </a:r>
-            <a:endParaRPr lang="en-US" altLang="zh-TW" sz="1800" dirty="0"/>
-          </a:p>
-          <a:p>
-            <a:pPr marL="0" indent="0">
-              <a:buNone/>
-            </a:pPr>
-            <a:r>
-              <a:rPr lang="zh-TW" altLang="en-US" sz="1800" dirty="0"/>
-              <a:t>即跑出密碼。</a:t>
-            </a:r>
-            <a:endParaRPr lang="en-US" altLang="zh-TW" sz="1800" dirty="0"/>
-          </a:p>
-          <a:p>
-            <a:pPr marL="0" indent="0">
-              <a:buNone/>
-            </a:pPr>
-            <a:r>
-              <a:rPr lang="zh-TW" altLang="en-US" sz="1800" dirty="0"/>
-              <a:t>以及下面三個微軟、谷歌、臉書的第三方登入。</a:t>
-            </a:r>
-            <a:endParaRPr lang="en-US" altLang="zh-TW" sz="1800" dirty="0"/>
-          </a:p>
-          <a:p>
-            <a:pPr marL="0" indent="0">
-              <a:buNone/>
-            </a:pPr>
-            <a:r>
-              <a:rPr lang="zh-TW" altLang="en-US" sz="1800" dirty="0"/>
-              <a:t>若要註冊點選我要註冊即可註冊。</a:t>
-            </a:r>
-            <a:endParaRPr lang="en-US" altLang="zh-TW" sz="1800" dirty="0"/>
-          </a:p>
-        </p:txBody>
-      </p:sp>
-      <p:pic>
-        <p:nvPicPr>
-          <p:cNvPr id="4" name="圖片 3">
-            <a:extLst>
-              <a:ext uri="{FF2B5EF4-FFF2-40B4-BE49-F238E27FC236}">
-                <a16:creationId xmlns:a16="http://schemas.microsoft.com/office/drawing/2014/main" id="{07D4EB4D-C54C-4057-8826-6E8128869A04}"/>
+                <a16:creationId xmlns:a16="http://schemas.microsoft.com/office/drawing/2014/main" id="{0CD4E9AB-3489-472F-A6FC-2159F7B78C90}"/>
               </a:ext>
             </a:extLst>
           </p:cNvPr>
@@ -4204,20 +4142,114 @@
         </p:blipFill>
         <p:spPr>
           <a:xfrm>
-            <a:off x="104553" y="838241"/>
-            <a:ext cx="4848447" cy="3454856"/>
+            <a:off x="2624120" y="838240"/>
+            <a:ext cx="3312368" cy="2446744"/>
           </a:xfrm>
           <a:prstGeom prst="rect">
             <a:avLst/>
           </a:prstGeom>
         </p:spPr>
       </p:pic>
+      <p:sp>
+        <p:nvSpPr>
+          <p:cNvPr id="31" name="文字方塊 30">
+            <a:extLst>
+              <a:ext uri="{FF2B5EF4-FFF2-40B4-BE49-F238E27FC236}">
+                <a16:creationId xmlns:a16="http://schemas.microsoft.com/office/drawing/2014/main" id="{AD4203E1-6E17-48F7-B96D-E869F8B620E7}"/>
+              </a:ext>
+            </a:extLst>
+          </p:cNvPr>
+          <p:cNvSpPr txBox="1"/>
+          <p:nvPr/>
+        </p:nvSpPr>
+        <p:spPr>
+          <a:xfrm>
+            <a:off x="6117371" y="1011148"/>
+            <a:ext cx="3382609" cy="646331"/>
+          </a:xfrm>
+          <a:prstGeom prst="rect">
+            <a:avLst/>
+          </a:prstGeom>
+          <a:noFill/>
+        </p:spPr>
+        <p:txBody>
+          <a:bodyPr wrap="square" rtlCol="0">
+            <a:spAutoFit/>
+          </a:bodyPr>
+          <a:lstStyle/>
+          <a:p>
+            <a:r>
+              <a:rPr lang="zh-TW" altLang="en-US" dirty="0">
+                <a:solidFill>
+                  <a:schemeClr val="bg1"/>
+                </a:solidFill>
+              </a:rPr>
+              <a:t>登入</a:t>
+            </a:r>
+            <a:r>
+              <a:rPr lang="en-US" altLang="zh-TW" dirty="0">
+                <a:solidFill>
+                  <a:schemeClr val="bg1"/>
+                </a:solidFill>
+              </a:rPr>
+              <a:t>/</a:t>
+            </a:r>
+            <a:r>
+              <a:rPr lang="zh-TW" altLang="en-US" dirty="0">
+                <a:solidFill>
+                  <a:schemeClr val="bg1"/>
+                </a:solidFill>
+              </a:rPr>
+              <a:t>註冊功能，輸入註冊過的帳號及密碼即可登入</a:t>
+            </a:r>
+          </a:p>
+        </p:txBody>
+      </p:sp>
+      <p:sp>
+        <p:nvSpPr>
+          <p:cNvPr id="32" name="文字方塊 31">
+            <a:extLst>
+              <a:ext uri="{FF2B5EF4-FFF2-40B4-BE49-F238E27FC236}">
+                <a16:creationId xmlns:a16="http://schemas.microsoft.com/office/drawing/2014/main" id="{319F6249-7257-4225-8DCD-C47206474CE7}"/>
+              </a:ext>
+            </a:extLst>
+          </p:cNvPr>
+          <p:cNvSpPr txBox="1"/>
+          <p:nvPr/>
+        </p:nvSpPr>
+        <p:spPr>
+          <a:xfrm>
+            <a:off x="6100685" y="1750362"/>
+            <a:ext cx="3672408" cy="646331"/>
+          </a:xfrm>
+          <a:prstGeom prst="rect">
+            <a:avLst/>
+          </a:prstGeom>
+          <a:noFill/>
+        </p:spPr>
+        <p:txBody>
+          <a:bodyPr wrap="square" rtlCol="0">
+            <a:spAutoFit/>
+          </a:bodyPr>
+          <a:lstStyle/>
+          <a:p>
+            <a:r>
+              <a:rPr lang="zh-TW" altLang="en-US" dirty="0">
+                <a:solidFill>
+                  <a:schemeClr val="bg1"/>
+                </a:solidFill>
+              </a:rPr>
+              <a:t>若點選保持登入狀態，既使瀏覽器關閉也會保持登入的狀態</a:t>
+            </a:r>
+          </a:p>
+        </p:txBody>
+      </p:sp>
       <p:pic>
         <p:nvPicPr>
-          <p:cNvPr id="10" name="圖片 9">
+          <p:cNvPr id="33" name="圖片 32">
             <a:extLst>
               <a:ext uri="{FF2B5EF4-FFF2-40B4-BE49-F238E27FC236}">
-                <a16:creationId xmlns:a16="http://schemas.microsoft.com/office/drawing/2014/main" id="{AD08DCF4-1075-43A4-A472-5E97AA47AE36}"/>
+                <a16:creationId xmlns:a16="http://schemas.microsoft.com/office/drawing/2014/main" id="{E8E0B935-095D-4C99-96FF-2A45814CF03C}"/>
               </a:ext>
             </a:extLst>
           </p:cNvPr>
@@ -4234,8 +4266,77 @@
         </p:blipFill>
         <p:spPr>
           <a:xfrm>
-            <a:off x="90613" y="4328129"/>
-            <a:ext cx="4862387" cy="2209180"/>
+            <a:off x="3730568" y="5089038"/>
+            <a:ext cx="2664296" cy="1495634"/>
+          </a:xfrm>
+          <a:prstGeom prst="rect">
+            <a:avLst/>
+          </a:prstGeom>
+        </p:spPr>
+      </p:pic>
+      <p:sp>
+        <p:nvSpPr>
+          <p:cNvPr id="34" name="文字方塊 33">
+            <a:extLst>
+              <a:ext uri="{FF2B5EF4-FFF2-40B4-BE49-F238E27FC236}">
+                <a16:creationId xmlns:a16="http://schemas.microsoft.com/office/drawing/2014/main" id="{BC45A222-00A1-4791-B3FB-937B2C1FFCC5}"/>
+              </a:ext>
+            </a:extLst>
+          </p:cNvPr>
+          <p:cNvSpPr txBox="1"/>
+          <p:nvPr/>
+        </p:nvSpPr>
+        <p:spPr>
+          <a:xfrm>
+            <a:off x="177456" y="5317452"/>
+            <a:ext cx="3816424" cy="646331"/>
+          </a:xfrm>
+          <a:prstGeom prst="rect">
+            <a:avLst/>
+          </a:prstGeom>
+          <a:noFill/>
+        </p:spPr>
+        <p:txBody>
+          <a:bodyPr wrap="square" rtlCol="0">
+            <a:spAutoFit/>
+          </a:bodyPr>
+          <a:lstStyle/>
+          <a:p>
+            <a:r>
+              <a:rPr lang="zh-TW" altLang="en-US" dirty="0">
+                <a:solidFill>
+                  <a:schemeClr val="bg1"/>
+                </a:solidFill>
+              </a:rPr>
+              <a:t>若忘記密碼也可以點選忘記密碼，輸入自己的信箱，則會得到密碼</a:t>
+            </a:r>
+          </a:p>
+        </p:txBody>
+      </p:sp>
+      <p:pic>
+        <p:nvPicPr>
+          <p:cNvPr id="41" name="圖片 40">
+            <a:extLst>
+              <a:ext uri="{FF2B5EF4-FFF2-40B4-BE49-F238E27FC236}">
+                <a16:creationId xmlns:a16="http://schemas.microsoft.com/office/drawing/2014/main" id="{0291FD88-DE6B-4F37-A530-17E9AE335DEF}"/>
+              </a:ext>
+            </a:extLst>
+          </p:cNvPr>
+          <p:cNvPicPr>
+            <a:picLocks noChangeAspect="1"/>
+          </p:cNvPicPr>
+          <p:nvPr/>
+        </p:nvPicPr>
+        <p:blipFill>
+          <a:blip r:embed="rId4"/>
+          <a:stretch>
+            <a:fillRect/>
+          </a:stretch>
+        </p:blipFill>
+        <p:spPr>
+          <a:xfrm>
+            <a:off x="270753" y="838240"/>
+            <a:ext cx="2374478" cy="3500479"/>
           </a:xfrm>
           <a:prstGeom prst="rect">
             <a:avLst/>
@@ -4295,92 +4396,30 @@
           <a:p>
             <a:r>
               <a:rPr lang="zh-TW" altLang="en-US" dirty="0"/>
-              <a:t>設定頁面  </a:t>
+              <a:t>登入</a:t>
             </a:r>
             <a:r>
               <a:rPr lang="en-US" altLang="zh-TW" dirty="0"/>
-              <a:t>(Setting)</a:t>
+              <a:t>/</a:t>
+            </a:r>
+            <a:r>
+              <a:rPr lang="zh-TW" altLang="en-US" dirty="0"/>
+              <a:t>註冊頁面  </a:t>
+            </a:r>
+            <a:r>
+              <a:rPr lang="en-US" altLang="zh-TW" dirty="0"/>
+              <a:t>(Login)</a:t>
             </a:r>
             <a:endParaRPr lang="zh-TW" altLang="en-US" dirty="0"/>
-          </a:p>
-        </p:txBody>
-      </p:sp>
-      <p:sp>
-        <p:nvSpPr>
-          <p:cNvPr id="6" name="內容版面配置區 5">
-            <a:extLst>
-              <a:ext uri="{FF2B5EF4-FFF2-40B4-BE49-F238E27FC236}">
-                <a16:creationId xmlns:a16="http://schemas.microsoft.com/office/drawing/2014/main" id="{9080CAA6-5B4D-F32A-847F-6EFB006B3FA3}"/>
-              </a:ext>
-            </a:extLst>
-          </p:cNvPr>
-          <p:cNvSpPr>
-            <a:spLocks noGrp="1"/>
-          </p:cNvSpPr>
-          <p:nvPr>
-            <p:ph idx="1"/>
-          </p:nvPr>
-        </p:nvSpPr>
-        <p:spPr>
-          <a:xfrm>
-            <a:off x="6969224" y="1011732"/>
-            <a:ext cx="2808312" cy="4577508"/>
-          </a:xfrm>
-          <a:noFill/>
-          <a:ln w="9525" cap="flat" cmpd="sng" algn="ctr">
-            <a:solidFill>
-              <a:schemeClr val="accent1"/>
-            </a:solidFill>
-            <a:prstDash val="solid"/>
-            <a:round/>
-            <a:headEnd type="none" w="med" len="med"/>
-            <a:tailEnd type="none" w="med" len="med"/>
-          </a:ln>
-        </p:spPr>
-        <p:style>
-          <a:lnRef idx="0">
-            <a:scrgbClr r="0" g="0" b="0"/>
-          </a:lnRef>
-          <a:fillRef idx="0">
-            <a:scrgbClr r="0" g="0" b="0"/>
-          </a:fillRef>
-          <a:effectRef idx="0">
-            <a:scrgbClr r="0" g="0" b="0"/>
-          </a:effectRef>
-          <a:fontRef idx="minor">
-            <a:schemeClr val="accent1"/>
-          </a:fontRef>
-        </p:style>
-        <p:txBody>
-          <a:bodyPr>
-            <a:normAutofit/>
-          </a:bodyPr>
-          <a:lstStyle/>
-          <a:p>
-            <a:r>
-              <a:rPr lang="zh-TW" altLang="en-US" sz="1800" dirty="0"/>
-              <a:t>帳號若想要修改個人資料以及修改密碼</a:t>
-            </a:r>
-            <a:endParaRPr lang="en-US" altLang="zh-TW" sz="1800" dirty="0"/>
-          </a:p>
-          <a:p>
-            <a:pPr marL="0" indent="0">
-              <a:buNone/>
-            </a:pPr>
-            <a:r>
-              <a:rPr lang="zh-TW" altLang="en-US" sz="1800" dirty="0"/>
-              <a:t>即可以前往設定頁面，權限則會管理我們的第三方綁定</a:t>
-            </a:r>
-            <a:endParaRPr lang="en-US" altLang="zh-TW" sz="1800" dirty="0"/>
           </a:p>
         </p:txBody>
       </p:sp>
       <p:pic>
         <p:nvPicPr>
-          <p:cNvPr id="4" name="圖片 3">
+          <p:cNvPr id="35" name="圖片 34">
             <a:extLst>
               <a:ext uri="{FF2B5EF4-FFF2-40B4-BE49-F238E27FC236}">
-                <a16:creationId xmlns:a16="http://schemas.microsoft.com/office/drawing/2014/main" id="{954B1FFA-E8BE-49B4-94BC-AECD6DA61246}"/>
+                <a16:creationId xmlns:a16="http://schemas.microsoft.com/office/drawing/2014/main" id="{9A3B7FB3-F3AD-475D-BAB7-38541087B643}"/>
               </a:ext>
             </a:extLst>
           </p:cNvPr>
@@ -4397,8 +4436,382 @@
         </p:blipFill>
         <p:spPr>
           <a:xfrm>
-            <a:off x="34404" y="812840"/>
-            <a:ext cx="6825208" cy="5671309"/>
+            <a:off x="200472" y="4563142"/>
+            <a:ext cx="2160240" cy="1820428"/>
+          </a:xfrm>
+          <a:prstGeom prst="rect">
+            <a:avLst/>
+          </a:prstGeom>
+        </p:spPr>
+      </p:pic>
+      <p:pic>
+        <p:nvPicPr>
+          <p:cNvPr id="37" name="圖片 36">
+            <a:extLst>
+              <a:ext uri="{FF2B5EF4-FFF2-40B4-BE49-F238E27FC236}">
+                <a16:creationId xmlns:a16="http://schemas.microsoft.com/office/drawing/2014/main" id="{2190E1AB-ADA5-4CD9-95A4-EC478E2A9CB5}"/>
+              </a:ext>
+            </a:extLst>
+          </p:cNvPr>
+          <p:cNvPicPr>
+            <a:picLocks noChangeAspect="1"/>
+          </p:cNvPicPr>
+          <p:nvPr/>
+        </p:nvPicPr>
+        <p:blipFill>
+          <a:blip r:embed="rId3"/>
+          <a:stretch>
+            <a:fillRect/>
+          </a:stretch>
+        </p:blipFill>
+        <p:spPr>
+          <a:xfrm>
+            <a:off x="2444230" y="4518691"/>
+            <a:ext cx="4669010" cy="1909065"/>
+          </a:xfrm>
+          <a:prstGeom prst="rect">
+            <a:avLst/>
+          </a:prstGeom>
+        </p:spPr>
+      </p:pic>
+      <p:pic>
+        <p:nvPicPr>
+          <p:cNvPr id="38" name="圖片 37">
+            <a:extLst>
+              <a:ext uri="{FF2B5EF4-FFF2-40B4-BE49-F238E27FC236}">
+                <a16:creationId xmlns:a16="http://schemas.microsoft.com/office/drawing/2014/main" id="{8FEB1708-990E-4F69-879F-CBD8CAB73EEB}"/>
+              </a:ext>
+            </a:extLst>
+          </p:cNvPr>
+          <p:cNvPicPr>
+            <a:picLocks noChangeAspect="1"/>
+          </p:cNvPicPr>
+          <p:nvPr/>
+        </p:nvPicPr>
+        <p:blipFill>
+          <a:blip r:embed="rId4"/>
+          <a:stretch>
+            <a:fillRect/>
+          </a:stretch>
+        </p:blipFill>
+        <p:spPr>
+          <a:xfrm>
+            <a:off x="7099361" y="4511071"/>
+            <a:ext cx="2843930" cy="2029835"/>
+          </a:xfrm>
+          <a:prstGeom prst="rect">
+            <a:avLst/>
+          </a:prstGeom>
+        </p:spPr>
+      </p:pic>
+      <p:sp>
+        <p:nvSpPr>
+          <p:cNvPr id="39" name="文字方塊 38">
+            <a:extLst>
+              <a:ext uri="{FF2B5EF4-FFF2-40B4-BE49-F238E27FC236}">
+                <a16:creationId xmlns:a16="http://schemas.microsoft.com/office/drawing/2014/main" id="{97CDFC6C-218B-45E5-99C3-06D6D3554BB3}"/>
+              </a:ext>
+            </a:extLst>
+          </p:cNvPr>
+          <p:cNvSpPr txBox="1"/>
+          <p:nvPr/>
+        </p:nvSpPr>
+        <p:spPr>
+          <a:xfrm>
+            <a:off x="171410" y="2411596"/>
+            <a:ext cx="9563180" cy="369332"/>
+          </a:xfrm>
+          <a:prstGeom prst="rect">
+            <a:avLst/>
+          </a:prstGeom>
+          <a:noFill/>
+        </p:spPr>
+        <p:txBody>
+          <a:bodyPr wrap="square" rtlCol="0">
+            <a:spAutoFit/>
+          </a:bodyPr>
+          <a:lstStyle/>
+          <a:p>
+            <a:r>
+              <a:rPr lang="zh-TW" altLang="en-US" dirty="0">
+                <a:solidFill>
+                  <a:schemeClr val="bg1"/>
+                </a:solidFill>
+              </a:rPr>
+              <a:t>而登入頁面下方則是我們點選三個外部登入系統所導向的頁面，會讓我們快速登入不用在註冊</a:t>
+            </a:r>
+          </a:p>
+        </p:txBody>
+      </p:sp>
+      <p:sp>
+        <p:nvSpPr>
+          <p:cNvPr id="13" name="文字方塊 12">
+            <a:extLst>
+              <a:ext uri="{FF2B5EF4-FFF2-40B4-BE49-F238E27FC236}">
+                <a16:creationId xmlns:a16="http://schemas.microsoft.com/office/drawing/2014/main" id="{3A1CB196-896E-4C9E-B06F-2F3DC338F21A}"/>
+              </a:ext>
+            </a:extLst>
+          </p:cNvPr>
+          <p:cNvSpPr txBox="1"/>
+          <p:nvPr/>
+        </p:nvSpPr>
+        <p:spPr>
+          <a:xfrm>
+            <a:off x="1064568" y="941350"/>
+            <a:ext cx="5270613" cy="646331"/>
+          </a:xfrm>
+          <a:prstGeom prst="rect">
+            <a:avLst/>
+          </a:prstGeom>
+          <a:noFill/>
+        </p:spPr>
+        <p:txBody>
+          <a:bodyPr wrap="square" rtlCol="0">
+            <a:spAutoFit/>
+          </a:bodyPr>
+          <a:lstStyle/>
+          <a:p>
+            <a:r>
+              <a:rPr lang="zh-TW" altLang="en-US" dirty="0">
+                <a:solidFill>
+                  <a:schemeClr val="bg1"/>
+                </a:solidFill>
+              </a:rPr>
+              <a:t>登入過後，</a:t>
+            </a:r>
+            <a:endParaRPr lang="en-US" altLang="zh-TW" dirty="0">
+              <a:solidFill>
+                <a:schemeClr val="bg1"/>
+              </a:solidFill>
+            </a:endParaRPr>
+          </a:p>
+          <a:p>
+            <a:r>
+              <a:rPr lang="zh-TW" altLang="en-US" dirty="0">
+                <a:solidFill>
+                  <a:schemeClr val="bg1"/>
+                </a:solidFill>
+              </a:rPr>
+              <a:t>就可以在右上方看到我們登入的帳號暱稱</a:t>
+            </a:r>
+          </a:p>
+        </p:txBody>
+      </p:sp>
+      <p:pic>
+        <p:nvPicPr>
+          <p:cNvPr id="4" name="圖片 3">
+            <a:extLst>
+              <a:ext uri="{FF2B5EF4-FFF2-40B4-BE49-F238E27FC236}">
+                <a16:creationId xmlns:a16="http://schemas.microsoft.com/office/drawing/2014/main" id="{A7D68BC3-7471-41B6-BF08-12DEB25AB5F6}"/>
+              </a:ext>
+            </a:extLst>
+          </p:cNvPr>
+          <p:cNvPicPr>
+            <a:picLocks noChangeAspect="1"/>
+          </p:cNvPicPr>
+          <p:nvPr/>
+        </p:nvPicPr>
+        <p:blipFill>
+          <a:blip r:embed="rId5"/>
+          <a:stretch>
+            <a:fillRect/>
+          </a:stretch>
+        </p:blipFill>
+        <p:spPr>
+          <a:xfrm>
+            <a:off x="3002074" y="2909970"/>
+            <a:ext cx="3553321" cy="876422"/>
+          </a:xfrm>
+          <a:prstGeom prst="rect">
+            <a:avLst/>
+          </a:prstGeom>
+        </p:spPr>
+      </p:pic>
+      <p:cxnSp>
+        <p:nvCxnSpPr>
+          <p:cNvPr id="6" name="直線接點 5">
+            <a:extLst>
+              <a:ext uri="{FF2B5EF4-FFF2-40B4-BE49-F238E27FC236}">
+                <a16:creationId xmlns:a16="http://schemas.microsoft.com/office/drawing/2014/main" id="{8EBCF7BF-22BF-4F7A-8A0D-28219000E137}"/>
+              </a:ext>
+            </a:extLst>
+          </p:cNvPr>
+          <p:cNvCxnSpPr>
+            <a:cxnSpLocks/>
+          </p:cNvCxnSpPr>
+          <p:nvPr/>
+        </p:nvCxnSpPr>
+        <p:spPr>
+          <a:xfrm flipV="1">
+            <a:off x="26785" y="2102589"/>
+            <a:ext cx="9906000" cy="12827"/>
+          </a:xfrm>
+          <a:prstGeom prst="line">
+            <a:avLst/>
+          </a:prstGeom>
+        </p:spPr>
+        <p:style>
+          <a:lnRef idx="1">
+            <a:schemeClr val="accent1"/>
+          </a:lnRef>
+          <a:fillRef idx="0">
+            <a:schemeClr val="accent1"/>
+          </a:fillRef>
+          <a:effectRef idx="0">
+            <a:schemeClr val="accent1"/>
+          </a:effectRef>
+          <a:fontRef idx="minor">
+            <a:schemeClr val="tx1"/>
+          </a:fontRef>
+        </p:style>
+      </p:cxnSp>
+      <p:cxnSp>
+        <p:nvCxnSpPr>
+          <p:cNvPr id="9" name="直線單箭頭接點 8">
+            <a:extLst>
+              <a:ext uri="{FF2B5EF4-FFF2-40B4-BE49-F238E27FC236}">
+                <a16:creationId xmlns:a16="http://schemas.microsoft.com/office/drawing/2014/main" id="{D96A3BBA-D05E-4C1A-8F2E-208BB45CBE0E}"/>
+              </a:ext>
+            </a:extLst>
+          </p:cNvPr>
+          <p:cNvCxnSpPr>
+            <a:cxnSpLocks/>
+          </p:cNvCxnSpPr>
+          <p:nvPr/>
+        </p:nvCxnSpPr>
+        <p:spPr>
+          <a:xfrm flipH="1">
+            <a:off x="1712640" y="3513227"/>
+            <a:ext cx="1584177" cy="997844"/>
+          </a:xfrm>
+          <a:prstGeom prst="straightConnector1">
+            <a:avLst/>
+          </a:prstGeom>
+          <a:ln>
+            <a:tailEnd type="triangle"/>
+          </a:ln>
+        </p:spPr>
+        <p:style>
+          <a:lnRef idx="1">
+            <a:schemeClr val="accent3"/>
+          </a:lnRef>
+          <a:fillRef idx="0">
+            <a:schemeClr val="accent3"/>
+          </a:fillRef>
+          <a:effectRef idx="0">
+            <a:schemeClr val="accent3"/>
+          </a:effectRef>
+          <a:fontRef idx="minor">
+            <a:schemeClr val="tx1"/>
+          </a:fontRef>
+        </p:style>
+      </p:cxnSp>
+      <p:cxnSp>
+        <p:nvCxnSpPr>
+          <p:cNvPr id="11" name="直線單箭頭接點 10">
+            <a:extLst>
+              <a:ext uri="{FF2B5EF4-FFF2-40B4-BE49-F238E27FC236}">
+                <a16:creationId xmlns:a16="http://schemas.microsoft.com/office/drawing/2014/main" id="{7AB918A8-C997-4ADF-970F-AAF6BEF7F6C4}"/>
+              </a:ext>
+            </a:extLst>
+          </p:cNvPr>
+          <p:cNvCxnSpPr>
+            <a:cxnSpLocks/>
+          </p:cNvCxnSpPr>
+          <p:nvPr/>
+        </p:nvCxnSpPr>
+        <p:spPr>
+          <a:xfrm>
+            <a:off x="4664968" y="3573016"/>
+            <a:ext cx="0" cy="945675"/>
+          </a:xfrm>
+          <a:prstGeom prst="straightConnector1">
+            <a:avLst/>
+          </a:prstGeom>
+          <a:ln>
+            <a:tailEnd type="triangle"/>
+          </a:ln>
+        </p:spPr>
+        <p:style>
+          <a:lnRef idx="1">
+            <a:schemeClr val="accent3"/>
+          </a:lnRef>
+          <a:fillRef idx="0">
+            <a:schemeClr val="accent3"/>
+          </a:fillRef>
+          <a:effectRef idx="0">
+            <a:schemeClr val="accent3"/>
+          </a:effectRef>
+          <a:fontRef idx="minor">
+            <a:schemeClr val="tx1"/>
+          </a:fontRef>
+        </p:style>
+      </p:cxnSp>
+      <p:cxnSp>
+        <p:nvCxnSpPr>
+          <p:cNvPr id="14" name="直線單箭頭接點 13">
+            <a:extLst>
+              <a:ext uri="{FF2B5EF4-FFF2-40B4-BE49-F238E27FC236}">
+                <a16:creationId xmlns:a16="http://schemas.microsoft.com/office/drawing/2014/main" id="{9AE966BC-2263-44C2-B914-FBEB3ED2C0DA}"/>
+              </a:ext>
+            </a:extLst>
+          </p:cNvPr>
+          <p:cNvCxnSpPr>
+            <a:cxnSpLocks/>
+          </p:cNvCxnSpPr>
+          <p:nvPr/>
+        </p:nvCxnSpPr>
+        <p:spPr>
+          <a:xfrm>
+            <a:off x="6033120" y="3513227"/>
+            <a:ext cx="1656184" cy="997844"/>
+          </a:xfrm>
+          <a:prstGeom prst="straightConnector1">
+            <a:avLst/>
+          </a:prstGeom>
+          <a:ln>
+            <a:tailEnd type="triangle"/>
+          </a:ln>
+        </p:spPr>
+        <p:style>
+          <a:lnRef idx="1">
+            <a:schemeClr val="accent3"/>
+          </a:lnRef>
+          <a:fillRef idx="0">
+            <a:schemeClr val="accent3"/>
+          </a:fillRef>
+          <a:effectRef idx="0">
+            <a:schemeClr val="accent3"/>
+          </a:effectRef>
+          <a:fontRef idx="minor">
+            <a:schemeClr val="tx1"/>
+          </a:fontRef>
+        </p:style>
+      </p:cxnSp>
+      <p:pic>
+        <p:nvPicPr>
+          <p:cNvPr id="15" name="圖片 14">
+            <a:extLst>
+              <a:ext uri="{FF2B5EF4-FFF2-40B4-BE49-F238E27FC236}">
+                <a16:creationId xmlns:a16="http://schemas.microsoft.com/office/drawing/2014/main" id="{B48422D2-872E-4EA8-95B1-E9E1475BE249}"/>
+              </a:ext>
+            </a:extLst>
+          </p:cNvPr>
+          <p:cNvPicPr>
+            <a:picLocks noChangeAspect="1"/>
+          </p:cNvPicPr>
+          <p:nvPr/>
+        </p:nvPicPr>
+        <p:blipFill>
+          <a:blip r:embed="rId6"/>
+          <a:stretch>
+            <a:fillRect/>
+          </a:stretch>
+        </p:blipFill>
+        <p:spPr>
+          <a:xfrm>
+            <a:off x="6638818" y="838240"/>
+            <a:ext cx="2715004" cy="905001"/>
           </a:xfrm>
           <a:prstGeom prst="rect">
             <a:avLst/>
@@ -4408,7 +4821,7 @@
     </p:spTree>
     <p:extLst>
       <p:ext uri="{BB962C8B-B14F-4D97-AF65-F5344CB8AC3E}">
-        <p14:creationId xmlns:p14="http://schemas.microsoft.com/office/powerpoint/2010/main" val="3553644459"/>
+        <p14:creationId xmlns:p14="http://schemas.microsoft.com/office/powerpoint/2010/main" val="2165233942"/>
       </p:ext>
     </p:extLst>
   </p:cSld>
@@ -4458,139 +4871,13 @@
           <a:p>
             <a:r>
               <a:rPr lang="zh-TW" altLang="en-US" dirty="0"/>
-              <a:t>個人頁面  </a:t>
+              <a:t>設定頁面  </a:t>
             </a:r>
             <a:r>
               <a:rPr lang="en-US" altLang="zh-TW" dirty="0"/>
-              <a:t>(Personal)</a:t>
+              <a:t>(Setting)</a:t>
             </a:r>
             <a:endParaRPr lang="zh-TW" altLang="en-US" dirty="0"/>
-          </a:p>
-        </p:txBody>
-      </p:sp>
-      <p:sp>
-        <p:nvSpPr>
-          <p:cNvPr id="6" name="內容版面配置區 5">
-            <a:extLst>
-              <a:ext uri="{FF2B5EF4-FFF2-40B4-BE49-F238E27FC236}">
-                <a16:creationId xmlns:a16="http://schemas.microsoft.com/office/drawing/2014/main" id="{9080CAA6-5B4D-F32A-847F-6EFB006B3FA3}"/>
-              </a:ext>
-            </a:extLst>
-          </p:cNvPr>
-          <p:cNvSpPr>
-            <a:spLocks noGrp="1"/>
-          </p:cNvSpPr>
-          <p:nvPr>
-            <p:ph idx="1"/>
-          </p:nvPr>
-        </p:nvSpPr>
-        <p:spPr>
-          <a:xfrm>
-            <a:off x="6969224" y="1011732"/>
-            <a:ext cx="2808312" cy="5354766"/>
-          </a:xfrm>
-          <a:noFill/>
-          <a:ln w="9525" cap="flat" cmpd="sng" algn="ctr">
-            <a:solidFill>
-              <a:schemeClr val="accent1"/>
-            </a:solidFill>
-            <a:prstDash val="solid"/>
-            <a:round/>
-            <a:headEnd type="none" w="med" len="med"/>
-            <a:tailEnd type="none" w="med" len="med"/>
-          </a:ln>
-        </p:spPr>
-        <p:style>
-          <a:lnRef idx="0">
-            <a:scrgbClr r="0" g="0" b="0"/>
-          </a:lnRef>
-          <a:fillRef idx="0">
-            <a:scrgbClr r="0" g="0" b="0"/>
-          </a:fillRef>
-          <a:effectRef idx="0">
-            <a:scrgbClr r="0" g="0" b="0"/>
-          </a:effectRef>
-          <a:fontRef idx="minor">
-            <a:schemeClr val="accent1"/>
-          </a:fontRef>
-        </p:style>
-        <p:txBody>
-          <a:bodyPr>
-            <a:normAutofit/>
-          </a:bodyPr>
-          <a:lstStyle/>
-          <a:p>
-            <a:r>
-              <a:rPr lang="zh-TW" altLang="en-US" sz="1800" dirty="0"/>
-              <a:t>使用者管理自己的個人頁面</a:t>
-            </a:r>
-            <a:endParaRPr lang="en-US" altLang="zh-TW" sz="1800" dirty="0"/>
-          </a:p>
-          <a:p>
-            <a:r>
-              <a:rPr lang="zh-TW" altLang="en-US" sz="1800" dirty="0"/>
-              <a:t>個人日誌區塊</a:t>
-            </a:r>
-            <a:r>
-              <a:rPr lang="en-US" altLang="zh-TW" sz="1800" dirty="0"/>
-              <a:t>:</a:t>
-            </a:r>
-            <a:r>
-              <a:rPr lang="zh-TW" altLang="en-US" sz="1800" dirty="0"/>
-              <a:t>可看到自己最新發文的日誌</a:t>
-            </a:r>
-            <a:endParaRPr lang="en-US" altLang="zh-TW" sz="1800" dirty="0"/>
-          </a:p>
-          <a:p>
-            <a:r>
-              <a:rPr lang="zh-TW" altLang="en-US" sz="1800" dirty="0"/>
-              <a:t>訂閱看板區塊</a:t>
-            </a:r>
-            <a:r>
-              <a:rPr lang="en-US" altLang="zh-TW" sz="1800" dirty="0"/>
-              <a:t>:</a:t>
-            </a:r>
-            <a:r>
-              <a:rPr lang="zh-TW" altLang="en-US" sz="1800" dirty="0"/>
-              <a:t>可看到自己訂閱的遊戲看板</a:t>
-            </a:r>
-            <a:endParaRPr lang="en-US" altLang="zh-TW" sz="1800" dirty="0"/>
-          </a:p>
-          <a:p>
-            <a:r>
-              <a:rPr lang="zh-TW" altLang="en-US" sz="1800" dirty="0"/>
-              <a:t>最近收藏</a:t>
-            </a:r>
-            <a:r>
-              <a:rPr lang="en-US" altLang="zh-TW" sz="1800" dirty="0"/>
-              <a:t>:</a:t>
-            </a:r>
-            <a:r>
-              <a:rPr lang="zh-TW" altLang="en-US" sz="1800" dirty="0"/>
-              <a:t>可看到自己最新收藏的文章</a:t>
-            </a:r>
-            <a:endParaRPr lang="en-US" altLang="zh-TW" sz="1800" dirty="0"/>
-          </a:p>
-          <a:p>
-            <a:r>
-              <a:rPr lang="zh-TW" altLang="en-US" sz="1800" dirty="0"/>
-              <a:t>以及右上區塊會顯示自己帳號、暱稱、以及自己有幾個好友</a:t>
-            </a:r>
-            <a:endParaRPr lang="en-US" altLang="zh-TW" sz="1800" dirty="0"/>
-          </a:p>
-          <a:p>
-            <a:r>
-              <a:rPr lang="zh-TW" altLang="en-US" sz="1800" dirty="0"/>
-              <a:t>右中區塊則是與這位頁面的使用者互動</a:t>
-            </a:r>
-            <a:endParaRPr lang="en-US" altLang="zh-TW" sz="1800" dirty="0"/>
-          </a:p>
-          <a:p>
-            <a:r>
-              <a:rPr lang="zh-TW" altLang="en-US" sz="1800" dirty="0"/>
-              <a:t>右下則是今天來看過自己個人頁面的區塊。</a:t>
-            </a:r>
-            <a:endParaRPr lang="en-US" altLang="zh-TW" sz="1800" dirty="0"/>
           </a:p>
         </p:txBody>
       </p:sp>
@@ -4599,7 +4886,7 @@
           <p:cNvPr id="8" name="圖片 7">
             <a:extLst>
               <a:ext uri="{FF2B5EF4-FFF2-40B4-BE49-F238E27FC236}">
-                <a16:creationId xmlns:a16="http://schemas.microsoft.com/office/drawing/2014/main" id="{E58EBEB3-44E5-4999-846F-8E8E3EDC25EB}"/>
+                <a16:creationId xmlns:a16="http://schemas.microsoft.com/office/drawing/2014/main" id="{85C4AF78-B09C-496A-A056-EF52582E09A6}"/>
               </a:ext>
             </a:extLst>
           </p:cNvPr>
@@ -4616,14 +4903,1082 @@
         </p:blipFill>
         <p:spPr>
           <a:xfrm>
-            <a:off x="0" y="862524"/>
-            <a:ext cx="6969224" cy="5479690"/>
+            <a:off x="178711" y="1700808"/>
+            <a:ext cx="3240359" cy="2253088"/>
           </a:xfrm>
           <a:prstGeom prst="rect">
             <a:avLst/>
           </a:prstGeom>
         </p:spPr>
       </p:pic>
+      <p:pic>
+        <p:nvPicPr>
+          <p:cNvPr id="13" name="圖片 12">
+            <a:extLst>
+              <a:ext uri="{FF2B5EF4-FFF2-40B4-BE49-F238E27FC236}">
+                <a16:creationId xmlns:a16="http://schemas.microsoft.com/office/drawing/2014/main" id="{7C897DF1-4FD3-49C3-8032-CF110C7EB81B}"/>
+              </a:ext>
+            </a:extLst>
+          </p:cNvPr>
+          <p:cNvPicPr>
+            <a:picLocks noChangeAspect="1"/>
+          </p:cNvPicPr>
+          <p:nvPr/>
+        </p:nvPicPr>
+        <p:blipFill>
+          <a:blip r:embed="rId3"/>
+          <a:stretch>
+            <a:fillRect/>
+          </a:stretch>
+        </p:blipFill>
+        <p:spPr>
+          <a:xfrm>
+            <a:off x="272480" y="4841917"/>
+            <a:ext cx="4969119" cy="800212"/>
+          </a:xfrm>
+          <a:prstGeom prst="rect">
+            <a:avLst/>
+          </a:prstGeom>
+        </p:spPr>
+      </p:pic>
+      <p:sp>
+        <p:nvSpPr>
+          <p:cNvPr id="14" name="文字方塊 13">
+            <a:extLst>
+              <a:ext uri="{FF2B5EF4-FFF2-40B4-BE49-F238E27FC236}">
+                <a16:creationId xmlns:a16="http://schemas.microsoft.com/office/drawing/2014/main" id="{D3753F3B-A4D1-4D7F-B42A-2D54A42D6D9B}"/>
+              </a:ext>
+            </a:extLst>
+          </p:cNvPr>
+          <p:cNvSpPr txBox="1"/>
+          <p:nvPr/>
+        </p:nvSpPr>
+        <p:spPr>
+          <a:xfrm>
+            <a:off x="2338365" y="5759846"/>
+            <a:ext cx="4394550" cy="646331"/>
+          </a:xfrm>
+          <a:prstGeom prst="rect">
+            <a:avLst/>
+          </a:prstGeom>
+          <a:noFill/>
+        </p:spPr>
+        <p:txBody>
+          <a:bodyPr wrap="square" rtlCol="0">
+            <a:spAutoFit/>
+          </a:bodyPr>
+          <a:lstStyle/>
+          <a:p>
+            <a:r>
+              <a:rPr lang="zh-TW" altLang="en-US" dirty="0">
+                <a:solidFill>
+                  <a:schemeClr val="bg1"/>
+                </a:solidFill>
+              </a:rPr>
+              <a:t>使用者可以修改自己的大頭貼、暱稱</a:t>
+            </a:r>
+            <a:endParaRPr lang="en-US" altLang="zh-TW" dirty="0">
+              <a:solidFill>
+                <a:schemeClr val="bg1"/>
+              </a:solidFill>
+            </a:endParaRPr>
+          </a:p>
+          <a:p>
+            <a:r>
+              <a:rPr lang="zh-TW" altLang="en-US" dirty="0">
+                <a:solidFill>
+                  <a:schemeClr val="bg1"/>
+                </a:solidFill>
+              </a:rPr>
+              <a:t>可以讓其他使用者知道自己不同的風格</a:t>
+            </a:r>
+          </a:p>
+        </p:txBody>
+      </p:sp>
+      <p:pic>
+        <p:nvPicPr>
+          <p:cNvPr id="17" name="圖片 16">
+            <a:extLst>
+              <a:ext uri="{FF2B5EF4-FFF2-40B4-BE49-F238E27FC236}">
+                <a16:creationId xmlns:a16="http://schemas.microsoft.com/office/drawing/2014/main" id="{DDD8B790-28DE-48D6-AA1F-8738EDB6A7F2}"/>
+              </a:ext>
+            </a:extLst>
+          </p:cNvPr>
+          <p:cNvPicPr>
+            <a:picLocks noChangeAspect="1"/>
+          </p:cNvPicPr>
+          <p:nvPr/>
+        </p:nvPicPr>
+        <p:blipFill>
+          <a:blip r:embed="rId4"/>
+          <a:stretch>
+            <a:fillRect/>
+          </a:stretch>
+        </p:blipFill>
+        <p:spPr>
+          <a:xfrm>
+            <a:off x="6443408" y="1749815"/>
+            <a:ext cx="3024336" cy="2253088"/>
+          </a:xfrm>
+          <a:prstGeom prst="rect">
+            <a:avLst/>
+          </a:prstGeom>
+        </p:spPr>
+      </p:pic>
+      <p:sp>
+        <p:nvSpPr>
+          <p:cNvPr id="19" name="箭號: 向右 18">
+            <a:extLst>
+              <a:ext uri="{FF2B5EF4-FFF2-40B4-BE49-F238E27FC236}">
+                <a16:creationId xmlns:a16="http://schemas.microsoft.com/office/drawing/2014/main" id="{23B2159F-FFC1-4BA3-8444-86E8DF7A0B28}"/>
+              </a:ext>
+            </a:extLst>
+          </p:cNvPr>
+          <p:cNvSpPr/>
+          <p:nvPr/>
+        </p:nvSpPr>
+        <p:spPr>
+          <a:xfrm>
+            <a:off x="3707102" y="2729760"/>
+            <a:ext cx="2376264" cy="504056"/>
+          </a:xfrm>
+          <a:prstGeom prst="rightArrow">
+            <a:avLst/>
+          </a:prstGeom>
+          <a:ln/>
+        </p:spPr>
+        <p:style>
+          <a:lnRef idx="1">
+            <a:schemeClr val="accent4"/>
+          </a:lnRef>
+          <a:fillRef idx="3">
+            <a:schemeClr val="accent4"/>
+          </a:fillRef>
+          <a:effectRef idx="2">
+            <a:schemeClr val="accent4"/>
+          </a:effectRef>
+          <a:fontRef idx="minor">
+            <a:schemeClr val="lt1"/>
+          </a:fontRef>
+        </p:style>
+        <p:txBody>
+          <a:bodyPr rtlCol="0" anchor="ctr"/>
+          <a:lstStyle/>
+          <a:p>
+            <a:pPr algn="ctr"/>
+            <a:endParaRPr lang="zh-TW" altLang="en-US"/>
+          </a:p>
+        </p:txBody>
+      </p:sp>
+      <p:sp>
+        <p:nvSpPr>
+          <p:cNvPr id="20" name="文字方塊 19">
+            <a:extLst>
+              <a:ext uri="{FF2B5EF4-FFF2-40B4-BE49-F238E27FC236}">
+                <a16:creationId xmlns:a16="http://schemas.microsoft.com/office/drawing/2014/main" id="{879A7DC7-593E-4C75-A57A-9EA1B7D368D5}"/>
+              </a:ext>
+            </a:extLst>
+          </p:cNvPr>
+          <p:cNvSpPr txBox="1"/>
+          <p:nvPr/>
+        </p:nvSpPr>
+        <p:spPr>
+          <a:xfrm>
+            <a:off x="3886050" y="2406015"/>
+            <a:ext cx="1693260" cy="369332"/>
+          </a:xfrm>
+          <a:prstGeom prst="rect">
+            <a:avLst/>
+          </a:prstGeom>
+          <a:noFill/>
+        </p:spPr>
+        <p:txBody>
+          <a:bodyPr wrap="square" rtlCol="0">
+            <a:spAutoFit/>
+          </a:bodyPr>
+          <a:lstStyle/>
+          <a:p>
+            <a:r>
+              <a:rPr lang="zh-TW" altLang="en-US" dirty="0">
+                <a:solidFill>
+                  <a:schemeClr val="bg1"/>
+                </a:solidFill>
+              </a:rPr>
+              <a:t>按下編輯</a:t>
+            </a:r>
+          </a:p>
+        </p:txBody>
+      </p:sp>
+      <p:sp>
+        <p:nvSpPr>
+          <p:cNvPr id="21" name="文字方塊 20">
+            <a:extLst>
+              <a:ext uri="{FF2B5EF4-FFF2-40B4-BE49-F238E27FC236}">
+                <a16:creationId xmlns:a16="http://schemas.microsoft.com/office/drawing/2014/main" id="{BE67703A-8A69-4A1F-8667-BEA4E122A600}"/>
+              </a:ext>
+            </a:extLst>
+          </p:cNvPr>
+          <p:cNvSpPr txBox="1"/>
+          <p:nvPr/>
+        </p:nvSpPr>
+        <p:spPr>
+          <a:xfrm>
+            <a:off x="1064568" y="864952"/>
+            <a:ext cx="7704971" cy="369332"/>
+          </a:xfrm>
+          <a:prstGeom prst="rect">
+            <a:avLst/>
+          </a:prstGeom>
+          <a:noFill/>
+        </p:spPr>
+        <p:txBody>
+          <a:bodyPr wrap="square" rtlCol="0">
+            <a:spAutoFit/>
+          </a:bodyPr>
+          <a:lstStyle/>
+          <a:p>
+            <a:r>
+              <a:rPr lang="zh-TW" altLang="en-US" dirty="0">
+                <a:solidFill>
+                  <a:schemeClr val="bg1"/>
+                </a:solidFill>
+              </a:rPr>
+              <a:t>若使用者想要編輯自己的個人資料及密碼就可以前往設定頁面</a:t>
+            </a:r>
+          </a:p>
+        </p:txBody>
+      </p:sp>
+      <p:sp>
+        <p:nvSpPr>
+          <p:cNvPr id="22" name="箭號: 向下 21">
+            <a:extLst>
+              <a:ext uri="{FF2B5EF4-FFF2-40B4-BE49-F238E27FC236}">
+                <a16:creationId xmlns:a16="http://schemas.microsoft.com/office/drawing/2014/main" id="{2C561535-B956-4654-923C-B991CDC82151}"/>
+              </a:ext>
+            </a:extLst>
+          </p:cNvPr>
+          <p:cNvSpPr/>
+          <p:nvPr/>
+        </p:nvSpPr>
+        <p:spPr>
+          <a:xfrm>
+            <a:off x="2216696" y="4270823"/>
+            <a:ext cx="576064" cy="545641"/>
+          </a:xfrm>
+          <a:prstGeom prst="downArrow">
+            <a:avLst/>
+          </a:prstGeom>
+          <a:ln/>
+        </p:spPr>
+        <p:style>
+          <a:lnRef idx="1">
+            <a:schemeClr val="accent4"/>
+          </a:lnRef>
+          <a:fillRef idx="3">
+            <a:schemeClr val="accent4"/>
+          </a:fillRef>
+          <a:effectRef idx="2">
+            <a:schemeClr val="accent4"/>
+          </a:effectRef>
+          <a:fontRef idx="minor">
+            <a:schemeClr val="lt1"/>
+          </a:fontRef>
+        </p:style>
+        <p:txBody>
+          <a:bodyPr rtlCol="0" anchor="ctr"/>
+          <a:lstStyle/>
+          <a:p>
+            <a:pPr algn="ctr"/>
+            <a:endParaRPr lang="zh-TW" altLang="en-US"/>
+          </a:p>
+        </p:txBody>
+      </p:sp>
+      <p:sp>
+        <p:nvSpPr>
+          <p:cNvPr id="24" name="文字方塊 23">
+            <a:extLst>
+              <a:ext uri="{FF2B5EF4-FFF2-40B4-BE49-F238E27FC236}">
+                <a16:creationId xmlns:a16="http://schemas.microsoft.com/office/drawing/2014/main" id="{DCCFBB33-FEDD-4CD2-A1E0-1B093C0FED78}"/>
+              </a:ext>
+            </a:extLst>
+          </p:cNvPr>
+          <p:cNvSpPr txBox="1"/>
+          <p:nvPr/>
+        </p:nvSpPr>
+        <p:spPr>
+          <a:xfrm>
+            <a:off x="2842380" y="4354868"/>
+            <a:ext cx="1693260" cy="369332"/>
+          </a:xfrm>
+          <a:prstGeom prst="rect">
+            <a:avLst/>
+          </a:prstGeom>
+          <a:noFill/>
+        </p:spPr>
+        <p:txBody>
+          <a:bodyPr wrap="square" rtlCol="0">
+            <a:spAutoFit/>
+          </a:bodyPr>
+          <a:lstStyle/>
+          <a:p>
+            <a:r>
+              <a:rPr lang="zh-TW" altLang="en-US" dirty="0">
+                <a:solidFill>
+                  <a:schemeClr val="bg1"/>
+                </a:solidFill>
+              </a:rPr>
+              <a:t>按下修改</a:t>
+            </a:r>
+          </a:p>
+        </p:txBody>
+      </p:sp>
+    </p:spTree>
+    <p:extLst>
+      <p:ext uri="{BB962C8B-B14F-4D97-AF65-F5344CB8AC3E}">
+        <p14:creationId xmlns:p14="http://schemas.microsoft.com/office/powerpoint/2010/main" val="3553644459"/>
+      </p:ext>
+    </p:extLst>
+  </p:cSld>
+  <p:clrMapOvr>
+    <a:masterClrMapping/>
+  </p:clrMapOvr>
+</p:sld>
+</file>
+
+<file path=ppt/slides/slide7.xml><?xml version="1.0" encoding="utf-8"?>
+<p:sld xmlns:a="http://schemas.openxmlformats.org/drawingml/2006/main" xmlns:r="http://schemas.openxmlformats.org/officeDocument/2006/relationships" xmlns:p="http://schemas.openxmlformats.org/presentationml/2006/main">
+  <p:cSld>
+    <p:spTree>
+      <p:nvGrpSpPr>
+        <p:cNvPr id="1" name=""/>
+        <p:cNvGrpSpPr/>
+        <p:nvPr/>
+      </p:nvGrpSpPr>
+      <p:grpSpPr>
+        <a:xfrm>
+          <a:off x="0" y="0"/>
+          <a:ext cx="0" cy="0"/>
+          <a:chOff x="0" y="0"/>
+          <a:chExt cx="0" cy="0"/>
+        </a:xfrm>
+      </p:grpSpPr>
+      <p:sp>
+        <p:nvSpPr>
+          <p:cNvPr id="3" name="標題 2">
+            <a:extLst>
+              <a:ext uri="{FF2B5EF4-FFF2-40B4-BE49-F238E27FC236}">
+                <a16:creationId xmlns:a16="http://schemas.microsoft.com/office/drawing/2014/main" id="{E2F12E2F-52EE-CA77-FB53-4EFC2E0F43C3}"/>
+              </a:ext>
+            </a:extLst>
+          </p:cNvPr>
+          <p:cNvSpPr>
+            <a:spLocks noGrp="1"/>
+          </p:cNvSpPr>
+          <p:nvPr>
+            <p:ph type="title"/>
+          </p:nvPr>
+        </p:nvSpPr>
+        <p:spPr/>
+        <p:txBody>
+          <a:bodyPr/>
+          <a:lstStyle/>
+          <a:p>
+            <a:r>
+              <a:rPr lang="zh-TW" altLang="en-US" dirty="0"/>
+              <a:t>設定頁面</a:t>
+            </a:r>
+            <a:r>
+              <a:rPr lang="en-US" altLang="zh-TW" dirty="0"/>
+              <a:t>(</a:t>
+            </a:r>
+            <a:r>
+              <a:rPr lang="zh-TW" altLang="en-US" dirty="0"/>
+              <a:t>第三方綁定</a:t>
+            </a:r>
+            <a:r>
+              <a:rPr lang="en-US" altLang="zh-TW" dirty="0"/>
+              <a:t>)</a:t>
+            </a:r>
+            <a:r>
+              <a:rPr lang="zh-TW" altLang="en-US" dirty="0"/>
+              <a:t>  </a:t>
+            </a:r>
+            <a:r>
+              <a:rPr lang="en-US" altLang="zh-TW" dirty="0"/>
+              <a:t>(Setting)</a:t>
+            </a:r>
+            <a:endParaRPr lang="zh-TW" altLang="en-US" dirty="0"/>
+          </a:p>
+        </p:txBody>
+      </p:sp>
+      <p:sp>
+        <p:nvSpPr>
+          <p:cNvPr id="8" name="文字方塊 7">
+            <a:extLst>
+              <a:ext uri="{FF2B5EF4-FFF2-40B4-BE49-F238E27FC236}">
+                <a16:creationId xmlns:a16="http://schemas.microsoft.com/office/drawing/2014/main" id="{64D1215F-9670-4F4D-9D19-C9257F9A058A}"/>
+              </a:ext>
+            </a:extLst>
+          </p:cNvPr>
+          <p:cNvSpPr txBox="1"/>
+          <p:nvPr/>
+        </p:nvSpPr>
+        <p:spPr>
+          <a:xfrm>
+            <a:off x="128464" y="852302"/>
+            <a:ext cx="5638385" cy="923330"/>
+          </a:xfrm>
+          <a:prstGeom prst="rect">
+            <a:avLst/>
+          </a:prstGeom>
+          <a:noFill/>
+        </p:spPr>
+        <p:txBody>
+          <a:bodyPr wrap="square" rtlCol="0">
+            <a:spAutoFit/>
+          </a:bodyPr>
+          <a:lstStyle/>
+          <a:p>
+            <a:r>
+              <a:rPr lang="zh-TW" altLang="en-US" dirty="0">
+                <a:solidFill>
+                  <a:schemeClr val="bg1"/>
+                </a:solidFill>
+              </a:rPr>
+              <a:t>若想要更改密碼，我們會需要使用者舊密碼是否正確</a:t>
+            </a:r>
+            <a:endParaRPr lang="en-US" altLang="zh-TW" dirty="0">
+              <a:solidFill>
+                <a:schemeClr val="bg1"/>
+              </a:solidFill>
+            </a:endParaRPr>
+          </a:p>
+          <a:p>
+            <a:r>
+              <a:rPr lang="zh-TW" altLang="en-US" dirty="0">
+                <a:solidFill>
+                  <a:schemeClr val="bg1"/>
+                </a:solidFill>
+              </a:rPr>
+              <a:t>以及新密碼跟確認密碼都要一致才可以做更改，</a:t>
+            </a:r>
+            <a:endParaRPr lang="en-US" altLang="zh-TW" dirty="0">
+              <a:solidFill>
+                <a:schemeClr val="bg1"/>
+              </a:solidFill>
+            </a:endParaRPr>
+          </a:p>
+          <a:p>
+            <a:r>
+              <a:rPr lang="zh-TW" altLang="en-US" dirty="0">
+                <a:solidFill>
+                  <a:schemeClr val="bg1"/>
+                </a:solidFill>
+              </a:rPr>
+              <a:t>否則我們的修改密碼按鈕則會是失效的狀態。</a:t>
+            </a:r>
+          </a:p>
+        </p:txBody>
+      </p:sp>
+      <p:pic>
+        <p:nvPicPr>
+          <p:cNvPr id="9" name="圖片 8">
+            <a:extLst>
+              <a:ext uri="{FF2B5EF4-FFF2-40B4-BE49-F238E27FC236}">
+                <a16:creationId xmlns:a16="http://schemas.microsoft.com/office/drawing/2014/main" id="{CCB410AE-471E-462F-B8E9-69BA8F254734}"/>
+              </a:ext>
+            </a:extLst>
+          </p:cNvPr>
+          <p:cNvPicPr>
+            <a:picLocks noChangeAspect="1"/>
+          </p:cNvPicPr>
+          <p:nvPr/>
+        </p:nvPicPr>
+        <p:blipFill>
+          <a:blip r:embed="rId2"/>
+          <a:stretch>
+            <a:fillRect/>
+          </a:stretch>
+        </p:blipFill>
+        <p:spPr>
+          <a:xfrm>
+            <a:off x="5533933" y="884402"/>
+            <a:ext cx="4372067" cy="1776827"/>
+          </a:xfrm>
+          <a:prstGeom prst="rect">
+            <a:avLst/>
+          </a:prstGeom>
+        </p:spPr>
+      </p:pic>
+      <p:pic>
+        <p:nvPicPr>
+          <p:cNvPr id="10" name="圖片 9">
+            <a:extLst>
+              <a:ext uri="{FF2B5EF4-FFF2-40B4-BE49-F238E27FC236}">
+                <a16:creationId xmlns:a16="http://schemas.microsoft.com/office/drawing/2014/main" id="{9A422E04-A06E-4241-8F08-F03C4D79B5DF}"/>
+              </a:ext>
+            </a:extLst>
+          </p:cNvPr>
+          <p:cNvPicPr>
+            <a:picLocks noChangeAspect="1"/>
+          </p:cNvPicPr>
+          <p:nvPr/>
+        </p:nvPicPr>
+        <p:blipFill>
+          <a:blip r:embed="rId3"/>
+          <a:stretch>
+            <a:fillRect/>
+          </a:stretch>
+        </p:blipFill>
+        <p:spPr>
+          <a:xfrm>
+            <a:off x="128464" y="3212976"/>
+            <a:ext cx="5143345" cy="2057687"/>
+          </a:xfrm>
+          <a:prstGeom prst="rect">
+            <a:avLst/>
+          </a:prstGeom>
+        </p:spPr>
+      </p:pic>
+      <p:sp>
+        <p:nvSpPr>
+          <p:cNvPr id="11" name="文字方塊 10">
+            <a:extLst>
+              <a:ext uri="{FF2B5EF4-FFF2-40B4-BE49-F238E27FC236}">
+                <a16:creationId xmlns:a16="http://schemas.microsoft.com/office/drawing/2014/main" id="{B69A965F-C109-477A-B220-73D4D65E11EE}"/>
+              </a:ext>
+            </a:extLst>
+          </p:cNvPr>
+          <p:cNvSpPr txBox="1"/>
+          <p:nvPr/>
+        </p:nvSpPr>
+        <p:spPr>
+          <a:xfrm>
+            <a:off x="5351350" y="3212976"/>
+            <a:ext cx="4426185" cy="1200329"/>
+          </a:xfrm>
+          <a:prstGeom prst="rect">
+            <a:avLst/>
+          </a:prstGeom>
+          <a:noFill/>
+        </p:spPr>
+        <p:txBody>
+          <a:bodyPr wrap="square" rtlCol="0">
+            <a:spAutoFit/>
+          </a:bodyPr>
+          <a:lstStyle/>
+          <a:p>
+            <a:r>
+              <a:rPr lang="zh-TW" altLang="en-US" dirty="0">
+                <a:solidFill>
+                  <a:schemeClr val="bg1"/>
+                </a:solidFill>
+              </a:rPr>
+              <a:t>若使用者註冊過之後，想要跟第三方帳號綁定的話也可以在設定頁面的權限功能</a:t>
+            </a:r>
+            <a:endParaRPr lang="en-US" altLang="zh-TW" dirty="0">
+              <a:solidFill>
+                <a:schemeClr val="bg1"/>
+              </a:solidFill>
+            </a:endParaRPr>
+          </a:p>
+          <a:p>
+            <a:r>
+              <a:rPr lang="zh-TW" altLang="en-US" dirty="0">
+                <a:solidFill>
+                  <a:schemeClr val="bg1"/>
+                </a:solidFill>
+              </a:rPr>
+              <a:t>做綁定的動作，綁定完之後就可以使用</a:t>
+            </a:r>
+            <a:endParaRPr lang="en-US" altLang="zh-TW" dirty="0">
+              <a:solidFill>
+                <a:schemeClr val="bg1"/>
+              </a:solidFill>
+            </a:endParaRPr>
+          </a:p>
+          <a:p>
+            <a:r>
+              <a:rPr lang="zh-TW" altLang="en-US" dirty="0">
+                <a:solidFill>
+                  <a:schemeClr val="bg1"/>
+                </a:solidFill>
+              </a:rPr>
+              <a:t>第三方帳號快速登入了。</a:t>
+            </a:r>
+          </a:p>
+        </p:txBody>
+      </p:sp>
+    </p:spTree>
+    <p:extLst>
+      <p:ext uri="{BB962C8B-B14F-4D97-AF65-F5344CB8AC3E}">
+        <p14:creationId xmlns:p14="http://schemas.microsoft.com/office/powerpoint/2010/main" val="1794804235"/>
+      </p:ext>
+    </p:extLst>
+  </p:cSld>
+  <p:clrMapOvr>
+    <a:masterClrMapping/>
+  </p:clrMapOvr>
+</p:sld>
+</file>
+
+<file path=ppt/slides/slide8.xml><?xml version="1.0" encoding="utf-8"?>
+<p:sld xmlns:a="http://schemas.openxmlformats.org/drawingml/2006/main" xmlns:r="http://schemas.openxmlformats.org/officeDocument/2006/relationships" xmlns:p="http://schemas.openxmlformats.org/presentationml/2006/main">
+  <p:cSld>
+    <p:spTree>
+      <p:nvGrpSpPr>
+        <p:cNvPr id="1" name=""/>
+        <p:cNvGrpSpPr/>
+        <p:nvPr/>
+      </p:nvGrpSpPr>
+      <p:grpSpPr>
+        <a:xfrm>
+          <a:off x="0" y="0"/>
+          <a:ext cx="0" cy="0"/>
+          <a:chOff x="0" y="0"/>
+          <a:chExt cx="0" cy="0"/>
+        </a:xfrm>
+      </p:grpSpPr>
+      <p:sp>
+        <p:nvSpPr>
+          <p:cNvPr id="3" name="標題 2">
+            <a:extLst>
+              <a:ext uri="{FF2B5EF4-FFF2-40B4-BE49-F238E27FC236}">
+                <a16:creationId xmlns:a16="http://schemas.microsoft.com/office/drawing/2014/main" id="{E2F12E2F-52EE-CA77-FB53-4EFC2E0F43C3}"/>
+              </a:ext>
+            </a:extLst>
+          </p:cNvPr>
+          <p:cNvSpPr>
+            <a:spLocks noGrp="1"/>
+          </p:cNvSpPr>
+          <p:nvPr>
+            <p:ph type="title"/>
+          </p:nvPr>
+        </p:nvSpPr>
+        <p:spPr/>
+        <p:txBody>
+          <a:bodyPr/>
+          <a:lstStyle/>
+          <a:p>
+            <a:r>
+              <a:rPr lang="zh-TW" altLang="en-US" dirty="0"/>
+              <a:t>個人頁面</a:t>
+            </a:r>
+            <a:r>
+              <a:rPr lang="en-US" altLang="zh-TW" dirty="0"/>
+              <a:t>(</a:t>
+            </a:r>
+            <a:r>
+              <a:rPr lang="zh-TW" altLang="en-US" dirty="0"/>
+              <a:t>訪客</a:t>
+            </a:r>
+            <a:r>
+              <a:rPr lang="en-US" altLang="zh-TW" dirty="0"/>
+              <a:t>/</a:t>
+            </a:r>
+            <a:r>
+              <a:rPr lang="zh-TW" altLang="en-US" dirty="0"/>
+              <a:t>好友功能</a:t>
+            </a:r>
+            <a:r>
+              <a:rPr lang="en-US" altLang="zh-TW" dirty="0"/>
+              <a:t>)</a:t>
+            </a:r>
+            <a:r>
+              <a:rPr lang="zh-TW" altLang="en-US" dirty="0"/>
+              <a:t>  </a:t>
+            </a:r>
+            <a:r>
+              <a:rPr lang="en-US" altLang="zh-TW" dirty="0"/>
+              <a:t>(Personal)</a:t>
+            </a:r>
+            <a:endParaRPr lang="zh-TW" altLang="en-US" dirty="0"/>
+          </a:p>
+        </p:txBody>
+      </p:sp>
+      <p:pic>
+        <p:nvPicPr>
+          <p:cNvPr id="5" name="內容版面配置區 4">
+            <a:extLst>
+              <a:ext uri="{FF2B5EF4-FFF2-40B4-BE49-F238E27FC236}">
+                <a16:creationId xmlns:a16="http://schemas.microsoft.com/office/drawing/2014/main" id="{A8EAF4DC-C42B-4374-8B92-A2C61D4E81F1}"/>
+              </a:ext>
+            </a:extLst>
+          </p:cNvPr>
+          <p:cNvPicPr>
+            <a:picLocks noGrp="1" noChangeAspect="1"/>
+          </p:cNvPicPr>
+          <p:nvPr>
+            <p:ph idx="1"/>
+          </p:nvPr>
+        </p:nvPicPr>
+        <p:blipFill>
+          <a:blip r:embed="rId2"/>
+          <a:stretch>
+            <a:fillRect/>
+          </a:stretch>
+        </p:blipFill>
+        <p:spPr>
+          <a:xfrm>
+            <a:off x="417521" y="742329"/>
+            <a:ext cx="1971950" cy="2304256"/>
+          </a:xfrm>
+          <a:prstGeom prst="rect">
+            <a:avLst/>
+          </a:prstGeom>
+        </p:spPr>
+      </p:pic>
+      <p:pic>
+        <p:nvPicPr>
+          <p:cNvPr id="9" name="圖片 8">
+            <a:extLst>
+              <a:ext uri="{FF2B5EF4-FFF2-40B4-BE49-F238E27FC236}">
+                <a16:creationId xmlns:a16="http://schemas.microsoft.com/office/drawing/2014/main" id="{EC8DE6BB-381A-44A0-A157-C86974AB068D}"/>
+              </a:ext>
+            </a:extLst>
+          </p:cNvPr>
+          <p:cNvPicPr>
+            <a:picLocks noChangeAspect="1"/>
+          </p:cNvPicPr>
+          <p:nvPr/>
+        </p:nvPicPr>
+        <p:blipFill>
+          <a:blip r:embed="rId3"/>
+          <a:stretch>
+            <a:fillRect/>
+          </a:stretch>
+        </p:blipFill>
+        <p:spPr>
+          <a:xfrm>
+            <a:off x="5697942" y="1356575"/>
+            <a:ext cx="1952898" cy="2304256"/>
+          </a:xfrm>
+          <a:prstGeom prst="rect">
+            <a:avLst/>
+          </a:prstGeom>
+        </p:spPr>
+      </p:pic>
+      <p:pic>
+        <p:nvPicPr>
+          <p:cNvPr id="10" name="圖片 9">
+            <a:extLst>
+              <a:ext uri="{FF2B5EF4-FFF2-40B4-BE49-F238E27FC236}">
+                <a16:creationId xmlns:a16="http://schemas.microsoft.com/office/drawing/2014/main" id="{9BAB6D66-5301-420B-A6F2-CC5772CAF5A9}"/>
+              </a:ext>
+            </a:extLst>
+          </p:cNvPr>
+          <p:cNvPicPr>
+            <a:picLocks noChangeAspect="1"/>
+          </p:cNvPicPr>
+          <p:nvPr/>
+        </p:nvPicPr>
+        <p:blipFill>
+          <a:blip r:embed="rId4"/>
+          <a:stretch>
+            <a:fillRect/>
+          </a:stretch>
+        </p:blipFill>
+        <p:spPr>
+          <a:xfrm>
+            <a:off x="201497" y="3385772"/>
+            <a:ext cx="5112568" cy="1565173"/>
+          </a:xfrm>
+          <a:prstGeom prst="rect">
+            <a:avLst/>
+          </a:prstGeom>
+        </p:spPr>
+      </p:pic>
+      <p:pic>
+        <p:nvPicPr>
+          <p:cNvPr id="12" name="圖片 11">
+            <a:extLst>
+              <a:ext uri="{FF2B5EF4-FFF2-40B4-BE49-F238E27FC236}">
+                <a16:creationId xmlns:a16="http://schemas.microsoft.com/office/drawing/2014/main" id="{70112348-9A78-4A09-BEE9-10396B986F74}"/>
+              </a:ext>
+            </a:extLst>
+          </p:cNvPr>
+          <p:cNvPicPr>
+            <a:picLocks noChangeAspect="1"/>
+          </p:cNvPicPr>
+          <p:nvPr/>
+        </p:nvPicPr>
+        <p:blipFill>
+          <a:blip r:embed="rId5"/>
+          <a:stretch>
+            <a:fillRect/>
+          </a:stretch>
+        </p:blipFill>
+        <p:spPr>
+          <a:xfrm>
+            <a:off x="4376936" y="5208332"/>
+            <a:ext cx="4248472" cy="1359315"/>
+          </a:xfrm>
+          <a:prstGeom prst="rect">
+            <a:avLst/>
+          </a:prstGeom>
+        </p:spPr>
+      </p:pic>
+      <p:sp>
+        <p:nvSpPr>
+          <p:cNvPr id="13" name="文字方塊 12">
+            <a:extLst>
+              <a:ext uri="{FF2B5EF4-FFF2-40B4-BE49-F238E27FC236}">
+                <a16:creationId xmlns:a16="http://schemas.microsoft.com/office/drawing/2014/main" id="{88FCF241-0E23-4CD0-869C-522CC730FD47}"/>
+              </a:ext>
+            </a:extLst>
+          </p:cNvPr>
+          <p:cNvSpPr txBox="1"/>
+          <p:nvPr/>
+        </p:nvSpPr>
+        <p:spPr>
+          <a:xfrm>
+            <a:off x="1223137" y="5652771"/>
+            <a:ext cx="4248472" cy="646331"/>
+          </a:xfrm>
+          <a:prstGeom prst="rect">
+            <a:avLst/>
+          </a:prstGeom>
+          <a:noFill/>
+        </p:spPr>
+        <p:txBody>
+          <a:bodyPr wrap="square" rtlCol="0">
+            <a:spAutoFit/>
+          </a:bodyPr>
+          <a:lstStyle/>
+          <a:p>
+            <a:r>
+              <a:rPr lang="zh-TW" altLang="en-US" dirty="0">
+                <a:solidFill>
+                  <a:schemeClr val="bg1"/>
+                </a:solidFill>
+              </a:rPr>
+              <a:t>在瀏覽其他人的頁面只會看到</a:t>
+            </a:r>
+            <a:endParaRPr lang="en-US" altLang="zh-TW" dirty="0">
+              <a:solidFill>
+                <a:schemeClr val="bg1"/>
+              </a:solidFill>
+            </a:endParaRPr>
+          </a:p>
+          <a:p>
+            <a:r>
+              <a:rPr lang="zh-TW" altLang="en-US" dirty="0">
+                <a:solidFill>
+                  <a:schemeClr val="bg1"/>
+                </a:solidFill>
+              </a:rPr>
+              <a:t>好友跟追蹤者</a:t>
+            </a:r>
+          </a:p>
+        </p:txBody>
+      </p:sp>
+      <p:sp>
+        <p:nvSpPr>
+          <p:cNvPr id="14" name="箭號: 向右 13">
+            <a:extLst>
+              <a:ext uri="{FF2B5EF4-FFF2-40B4-BE49-F238E27FC236}">
+                <a16:creationId xmlns:a16="http://schemas.microsoft.com/office/drawing/2014/main" id="{0FC40606-C6EC-4ECE-9414-ED6E741EC2AA}"/>
+              </a:ext>
+            </a:extLst>
+          </p:cNvPr>
+          <p:cNvSpPr/>
+          <p:nvPr/>
+        </p:nvSpPr>
+        <p:spPr>
+          <a:xfrm>
+            <a:off x="2497546" y="2256675"/>
+            <a:ext cx="3240360" cy="504056"/>
+          </a:xfrm>
+          <a:prstGeom prst="rightArrow">
+            <a:avLst/>
+          </a:prstGeom>
+          <a:ln/>
+        </p:spPr>
+        <p:style>
+          <a:lnRef idx="1">
+            <a:schemeClr val="accent4"/>
+          </a:lnRef>
+          <a:fillRef idx="3">
+            <a:schemeClr val="accent4"/>
+          </a:fillRef>
+          <a:effectRef idx="2">
+            <a:schemeClr val="accent4"/>
+          </a:effectRef>
+          <a:fontRef idx="minor">
+            <a:schemeClr val="lt1"/>
+          </a:fontRef>
+        </p:style>
+        <p:txBody>
+          <a:bodyPr rtlCol="0" anchor="ctr"/>
+          <a:lstStyle/>
+          <a:p>
+            <a:pPr algn="ctr"/>
+            <a:endParaRPr lang="zh-TW" altLang="en-US"/>
+          </a:p>
+        </p:txBody>
+      </p:sp>
+      <p:sp>
+        <p:nvSpPr>
+          <p:cNvPr id="15" name="文字方塊 14">
+            <a:extLst>
+              <a:ext uri="{FF2B5EF4-FFF2-40B4-BE49-F238E27FC236}">
+                <a16:creationId xmlns:a16="http://schemas.microsoft.com/office/drawing/2014/main" id="{93A386BA-E8BB-4A92-9621-D1A7F985AB72}"/>
+              </a:ext>
+            </a:extLst>
+          </p:cNvPr>
+          <p:cNvSpPr txBox="1"/>
+          <p:nvPr/>
+        </p:nvSpPr>
+        <p:spPr>
+          <a:xfrm>
+            <a:off x="2564090" y="1657630"/>
+            <a:ext cx="4248472" cy="646331"/>
+          </a:xfrm>
+          <a:prstGeom prst="rect">
+            <a:avLst/>
+          </a:prstGeom>
+          <a:noFill/>
+        </p:spPr>
+        <p:txBody>
+          <a:bodyPr wrap="square" rtlCol="0">
+            <a:spAutoFit/>
+          </a:bodyPr>
+          <a:lstStyle/>
+          <a:p>
+            <a:r>
+              <a:rPr lang="en-US" altLang="zh-TW" dirty="0">
+                <a:solidFill>
+                  <a:schemeClr val="bg1"/>
+                </a:solidFill>
+              </a:rPr>
+              <a:t>zzzz</a:t>
+            </a:r>
+            <a:r>
+              <a:rPr lang="zh-TW" altLang="en-US" dirty="0">
+                <a:solidFill>
+                  <a:schemeClr val="bg1"/>
+                </a:solidFill>
+              </a:rPr>
+              <a:t>發送好友請求及追蹤大楷</a:t>
+            </a:r>
+            <a:endParaRPr lang="en-US" altLang="zh-TW" dirty="0">
+              <a:solidFill>
+                <a:schemeClr val="bg1"/>
+              </a:solidFill>
+            </a:endParaRPr>
+          </a:p>
+          <a:p>
+            <a:r>
+              <a:rPr lang="zh-TW" altLang="en-US" dirty="0">
+                <a:solidFill>
+                  <a:schemeClr val="bg1"/>
+                </a:solidFill>
+              </a:rPr>
+              <a:t>以及瀏覽大楷的頁面</a:t>
+            </a:r>
+          </a:p>
+        </p:txBody>
+      </p:sp>
+      <p:sp>
+        <p:nvSpPr>
+          <p:cNvPr id="16" name="箭號: 上彎 15">
+            <a:extLst>
+              <a:ext uri="{FF2B5EF4-FFF2-40B4-BE49-F238E27FC236}">
+                <a16:creationId xmlns:a16="http://schemas.microsoft.com/office/drawing/2014/main" id="{F3F76EFD-E12A-4F36-83E5-A4D7705AC8C8}"/>
+              </a:ext>
+            </a:extLst>
+          </p:cNvPr>
+          <p:cNvSpPr/>
+          <p:nvPr/>
+        </p:nvSpPr>
+        <p:spPr>
+          <a:xfrm rot="16200000" flipH="1">
+            <a:off x="5962554" y="3662274"/>
+            <a:ext cx="811386" cy="1360260"/>
+          </a:xfrm>
+          <a:prstGeom prst="bentUpArrow">
+            <a:avLst/>
+          </a:prstGeom>
+          <a:ln/>
+        </p:spPr>
+        <p:style>
+          <a:lnRef idx="1">
+            <a:schemeClr val="accent4"/>
+          </a:lnRef>
+          <a:fillRef idx="3">
+            <a:schemeClr val="accent4"/>
+          </a:fillRef>
+          <a:effectRef idx="2">
+            <a:schemeClr val="accent4"/>
+          </a:effectRef>
+          <a:fontRef idx="minor">
+            <a:schemeClr val="lt1"/>
+          </a:fontRef>
+        </p:style>
+        <p:txBody>
+          <a:bodyPr rtlCol="0" anchor="ctr"/>
+          <a:lstStyle/>
+          <a:p>
+            <a:pPr algn="ctr"/>
+            <a:endParaRPr lang="zh-TW" altLang="en-US"/>
+          </a:p>
+        </p:txBody>
+      </p:sp>
+      <p:sp>
+        <p:nvSpPr>
+          <p:cNvPr id="17" name="文字方塊 16">
+            <a:extLst>
+              <a:ext uri="{FF2B5EF4-FFF2-40B4-BE49-F238E27FC236}">
+                <a16:creationId xmlns:a16="http://schemas.microsoft.com/office/drawing/2014/main" id="{E6B4E856-497E-426F-89CB-3337DA9A8B8D}"/>
+              </a:ext>
+            </a:extLst>
+          </p:cNvPr>
+          <p:cNvSpPr txBox="1"/>
+          <p:nvPr/>
+        </p:nvSpPr>
+        <p:spPr>
+          <a:xfrm>
+            <a:off x="7361877" y="4168358"/>
+            <a:ext cx="2512540" cy="369332"/>
+          </a:xfrm>
+          <a:prstGeom prst="rect">
+            <a:avLst/>
+          </a:prstGeom>
+          <a:noFill/>
+        </p:spPr>
+        <p:txBody>
+          <a:bodyPr wrap="square" rtlCol="0">
+            <a:spAutoFit/>
+          </a:bodyPr>
+          <a:lstStyle/>
+          <a:p>
+            <a:r>
+              <a:rPr lang="zh-TW" altLang="en-US" dirty="0">
+                <a:solidFill>
+                  <a:schemeClr val="bg1"/>
+                </a:solidFill>
+              </a:rPr>
+              <a:t>大楷看到</a:t>
+            </a:r>
+            <a:r>
+              <a:rPr lang="en-US" altLang="zh-TW" dirty="0">
+                <a:solidFill>
+                  <a:schemeClr val="bg1"/>
+                </a:solidFill>
+              </a:rPr>
+              <a:t>zzzz</a:t>
+            </a:r>
+            <a:r>
+              <a:rPr lang="zh-TW" altLang="en-US" dirty="0">
+                <a:solidFill>
+                  <a:schemeClr val="bg1"/>
+                </a:solidFill>
+              </a:rPr>
+              <a:t>發送好友</a:t>
+            </a:r>
+          </a:p>
+        </p:txBody>
+      </p:sp>
     </p:spTree>
     <p:extLst>
       <p:ext uri="{BB962C8B-B14F-4D97-AF65-F5344CB8AC3E}">
@@ -4637,7 +5992,7 @@
 </p:sld>
 </file>
 
-<file path=ppt/slides/slide7.xml><?xml version="1.0" encoding="utf-8"?>
+<file path=ppt/slides/slide9.xml><?xml version="1.0" encoding="utf-8"?>
 <p:sld xmlns:a="http://schemas.openxmlformats.org/drawingml/2006/main" xmlns:r="http://schemas.openxmlformats.org/officeDocument/2006/relationships" xmlns:p="http://schemas.openxmlformats.org/presentationml/2006/main">
   <p:cSld>
     <p:spTree>

--- a/docs/ppt/xiong.pptx
+++ b/docs/ppt/xiong.pptx
@@ -5975,6 +5975,99 @@
                 </a:solidFill>
               </a:rPr>
               <a:t>發送好友</a:t>
+            </a:r>
+          </a:p>
+        </p:txBody>
+      </p:sp>
+      <p:cxnSp>
+        <p:nvCxnSpPr>
+          <p:cNvPr id="4" name="直線單箭頭接點 3">
+            <a:extLst>
+              <a:ext uri="{FF2B5EF4-FFF2-40B4-BE49-F238E27FC236}">
+                <a16:creationId xmlns:a16="http://schemas.microsoft.com/office/drawing/2014/main" id="{5544DF91-DB94-4FEB-BA4C-6A8AB136BB83}"/>
+              </a:ext>
+            </a:extLst>
+          </p:cNvPr>
+          <p:cNvCxnSpPr/>
+          <p:nvPr/>
+        </p:nvCxnSpPr>
+        <p:spPr>
+          <a:xfrm flipH="1">
+            <a:off x="7251007" y="2677403"/>
+            <a:ext cx="831483" cy="576064"/>
+          </a:xfrm>
+          <a:prstGeom prst="straightConnector1">
+            <a:avLst/>
+          </a:prstGeom>
+          <a:ln>
+            <a:tailEnd type="triangle"/>
+          </a:ln>
+        </p:spPr>
+        <p:style>
+          <a:lnRef idx="1">
+            <a:schemeClr val="accent3"/>
+          </a:lnRef>
+          <a:fillRef idx="0">
+            <a:schemeClr val="accent3"/>
+          </a:fillRef>
+          <a:effectRef idx="0">
+            <a:schemeClr val="accent3"/>
+          </a:effectRef>
+          <a:fontRef idx="minor">
+            <a:schemeClr val="tx1"/>
+          </a:fontRef>
+        </p:style>
+      </p:cxnSp>
+      <p:sp>
+        <p:nvSpPr>
+          <p:cNvPr id="6" name="文字方塊 5">
+            <a:extLst>
+              <a:ext uri="{FF2B5EF4-FFF2-40B4-BE49-F238E27FC236}">
+                <a16:creationId xmlns:a16="http://schemas.microsoft.com/office/drawing/2014/main" id="{4A69C9CE-DC31-4BD1-90C5-A7087563AFCF}"/>
+              </a:ext>
+            </a:extLst>
+          </p:cNvPr>
+          <p:cNvSpPr txBox="1"/>
+          <p:nvPr/>
+        </p:nvSpPr>
+        <p:spPr>
+          <a:xfrm>
+            <a:off x="7650840" y="1739410"/>
+            <a:ext cx="2262158" cy="646331"/>
+          </a:xfrm>
+          <a:prstGeom prst="rect">
+            <a:avLst/>
+          </a:prstGeom>
+          <a:noFill/>
+        </p:spPr>
+        <p:txBody>
+          <a:bodyPr wrap="none" rtlCol="0">
+            <a:spAutoFit/>
+          </a:bodyPr>
+          <a:lstStyle/>
+          <a:p>
+            <a:r>
+              <a:rPr lang="zh-TW" altLang="en-US" dirty="0">
+                <a:solidFill>
+                  <a:schemeClr val="bg1"/>
+                </a:solidFill>
+              </a:rPr>
+              <a:t>瀏覽大楷的頁面後，</a:t>
+            </a:r>
+            <a:endParaRPr lang="en-US" altLang="zh-TW" dirty="0">
+              <a:solidFill>
+                <a:schemeClr val="bg1"/>
+              </a:solidFill>
+            </a:endParaRPr>
+          </a:p>
+          <a:p>
+            <a:r>
+              <a:rPr lang="zh-TW" altLang="en-US" dirty="0">
+                <a:solidFill>
+                  <a:schemeClr val="bg1"/>
+                </a:solidFill>
+              </a:rPr>
+              <a:t>就會顯示在今日訪客</a:t>
             </a:r>
           </a:p>
         </p:txBody>

--- a/docs/ppt/xiong.pptx
+++ b/docs/ppt/xiong.pptx
@@ -5,10 +5,10 @@
     <p:sldMasterId id="2147483664" r:id="rId1"/>
   </p:sldMasterIdLst>
   <p:notesMasterIdLst>
-    <p:notesMasterId r:id="rId11"/>
+    <p:notesMasterId r:id="rId15"/>
   </p:notesMasterIdLst>
   <p:handoutMasterIdLst>
-    <p:handoutMasterId r:id="rId12"/>
+    <p:handoutMasterId r:id="rId16"/>
   </p:handoutMasterIdLst>
   <p:sldIdLst>
     <p:sldId id="264" r:id="rId2"/>
@@ -18,8 +18,12 @@
     <p:sldId id="280" r:id="rId6"/>
     <p:sldId id="277" r:id="rId7"/>
     <p:sldId id="279" r:id="rId8"/>
-    <p:sldId id="278" r:id="rId9"/>
-    <p:sldId id="260" r:id="rId10"/>
+    <p:sldId id="283" r:id="rId9"/>
+    <p:sldId id="284" r:id="rId10"/>
+    <p:sldId id="278" r:id="rId11"/>
+    <p:sldId id="281" r:id="rId12"/>
+    <p:sldId id="282" r:id="rId13"/>
+    <p:sldId id="260" r:id="rId14"/>
   </p:sldIdLst>
   <p:sldSz cx="9906000" cy="6858000" type="A4"/>
   <p:notesSz cx="6807200" cy="9939338"/>
@@ -149,34 +153,6 @@
 </p:cmAuthorLst>
 </file>
 
-<file path=ppt/comments/comment1.xml><?xml version="1.0" encoding="utf-8"?>
-<p:cmLst xmlns:a="http://schemas.openxmlformats.org/drawingml/2006/main" xmlns:r="http://schemas.openxmlformats.org/officeDocument/2006/relationships" xmlns:p="http://schemas.openxmlformats.org/presentationml/2006/main">
-  <p:cm authorId="1" dt="2025-03-28T11:58:36.109" idx="1">
-    <p:pos x="10" y="10"/>
-    <p:text/>
-    <p:extLst>
-      <p:ext uri="{C676402C-5697-4E1C-873F-D02D1690AC5C}">
-        <p15:threadingInfo xmlns:p15="http://schemas.microsoft.com/office/powerpoint/2012/main" timeZoneBias="-480"/>
-      </p:ext>
-    </p:extLst>
-  </p:cm>
-</p:cmLst>
-</file>
-
-<file path=ppt/comments/comment2.xml><?xml version="1.0" encoding="utf-8"?>
-<p:cmLst xmlns:a="http://schemas.openxmlformats.org/drawingml/2006/main" xmlns:r="http://schemas.openxmlformats.org/officeDocument/2006/relationships" xmlns:p="http://schemas.openxmlformats.org/presentationml/2006/main">
-  <p:cm authorId="1" dt="2025-03-28T11:58:36.109" idx="1">
-    <p:pos x="10" y="10"/>
-    <p:text/>
-    <p:extLst>
-      <p:ext uri="{C676402C-5697-4E1C-873F-D02D1690AC5C}">
-        <p15:threadingInfo xmlns:p15="http://schemas.microsoft.com/office/powerpoint/2012/main" timeZoneBias="-480"/>
-      </p:ext>
-    </p:extLst>
-  </p:cm>
-</p:cmLst>
-</file>
-
 <file path=ppt/handoutMasters/handoutMaster1.xml><?xml version="1.0" encoding="utf-8"?>
 <p:handoutMaster xmlns:a="http://schemas.openxmlformats.org/drawingml/2006/main" xmlns:r="http://schemas.openxmlformats.org/officeDocument/2006/relationships" xmlns:p="http://schemas.openxmlformats.org/presentationml/2006/main">
   <p:cSld>
@@ -260,7 +236,7 @@
             <a:fld id="{05BF5AB9-3463-4E65-AFD3-5431B79ADFDC}" type="datetimeFigureOut">
               <a:rPr lang="zh-TW" altLang="en-US" smtClean="0"/>
               <a:pPr/>
-              <a:t>2025/3/28</a:t>
+              <a:t>2025/3/30</a:t>
             </a:fld>
             <a:endParaRPr lang="zh-TW" altLang="en-US"/>
           </a:p>
@@ -427,7 +403,7 @@
             <a:fld id="{838FF680-7B6B-4655-B6A1-33A8AD0AE8B4}" type="datetimeFigureOut">
               <a:rPr lang="zh-TW" altLang="en-US" smtClean="0"/>
               <a:pPr/>
-              <a:t>2025/3/28</a:t>
+              <a:t>2025/3/30</a:t>
             </a:fld>
             <a:endParaRPr lang="zh-TW" altLang="en-US"/>
           </a:p>
@@ -3071,6 +3047,1394 @@
 </p:sld>
 </file>
 
+<file path=ppt/slides/slide10.xml><?xml version="1.0" encoding="utf-8"?>
+<p:sld xmlns:a="http://schemas.openxmlformats.org/drawingml/2006/main" xmlns:r="http://schemas.openxmlformats.org/officeDocument/2006/relationships" xmlns:p="http://schemas.openxmlformats.org/presentationml/2006/main">
+  <p:cSld>
+    <p:spTree>
+      <p:nvGrpSpPr>
+        <p:cNvPr id="1" name=""/>
+        <p:cNvGrpSpPr/>
+        <p:nvPr/>
+      </p:nvGrpSpPr>
+      <p:grpSpPr>
+        <a:xfrm>
+          <a:off x="0" y="0"/>
+          <a:ext cx="0" cy="0"/>
+          <a:chOff x="0" y="0"/>
+          <a:chExt cx="0" cy="0"/>
+        </a:xfrm>
+      </p:grpSpPr>
+      <p:sp>
+        <p:nvSpPr>
+          <p:cNvPr id="3" name="標題 2">
+            <a:extLst>
+              <a:ext uri="{FF2B5EF4-FFF2-40B4-BE49-F238E27FC236}">
+                <a16:creationId xmlns:a16="http://schemas.microsoft.com/office/drawing/2014/main" id="{E2F12E2F-52EE-CA77-FB53-4EFC2E0F43C3}"/>
+              </a:ext>
+            </a:extLst>
+          </p:cNvPr>
+          <p:cNvSpPr>
+            <a:spLocks noGrp="1"/>
+          </p:cNvSpPr>
+          <p:nvPr>
+            <p:ph type="title"/>
+          </p:nvPr>
+        </p:nvSpPr>
+        <p:spPr/>
+        <p:txBody>
+          <a:bodyPr/>
+          <a:lstStyle/>
+          <a:p>
+            <a:r>
+              <a:rPr lang="zh-TW" altLang="en-US" dirty="0"/>
+              <a:t>個人頁面</a:t>
+            </a:r>
+            <a:r>
+              <a:rPr lang="en-US" altLang="zh-TW" dirty="0"/>
+              <a:t>(</a:t>
+            </a:r>
+            <a:r>
+              <a:rPr lang="zh-TW" altLang="en-US" dirty="0"/>
+              <a:t>訪客功能</a:t>
+            </a:r>
+            <a:r>
+              <a:rPr lang="en-US" altLang="zh-TW" dirty="0"/>
+              <a:t>)</a:t>
+            </a:r>
+            <a:r>
+              <a:rPr lang="zh-TW" altLang="en-US" dirty="0"/>
+              <a:t>  </a:t>
+            </a:r>
+            <a:r>
+              <a:rPr lang="en-US" altLang="zh-TW" dirty="0"/>
+              <a:t>(Personal)</a:t>
+            </a:r>
+            <a:endParaRPr lang="zh-TW" altLang="en-US" dirty="0"/>
+          </a:p>
+        </p:txBody>
+      </p:sp>
+      <p:pic>
+        <p:nvPicPr>
+          <p:cNvPr id="11" name="圖片 10">
+            <a:extLst>
+              <a:ext uri="{FF2B5EF4-FFF2-40B4-BE49-F238E27FC236}">
+                <a16:creationId xmlns:a16="http://schemas.microsoft.com/office/drawing/2014/main" id="{D2AEB9ED-B030-49CE-BE9D-49EDA26A6722}"/>
+              </a:ext>
+            </a:extLst>
+          </p:cNvPr>
+          <p:cNvPicPr>
+            <a:picLocks noChangeAspect="1"/>
+          </p:cNvPicPr>
+          <p:nvPr/>
+        </p:nvPicPr>
+        <p:blipFill>
+          <a:blip r:embed="rId2"/>
+          <a:stretch>
+            <a:fillRect/>
+          </a:stretch>
+        </p:blipFill>
+        <p:spPr>
+          <a:xfrm>
+            <a:off x="799990" y="692293"/>
+            <a:ext cx="2262158" cy="2367375"/>
+          </a:xfrm>
+          <a:prstGeom prst="rect">
+            <a:avLst/>
+          </a:prstGeom>
+        </p:spPr>
+      </p:pic>
+      <p:sp>
+        <p:nvSpPr>
+          <p:cNvPr id="18" name="箭號: 向右 17">
+            <a:extLst>
+              <a:ext uri="{FF2B5EF4-FFF2-40B4-BE49-F238E27FC236}">
+                <a16:creationId xmlns:a16="http://schemas.microsoft.com/office/drawing/2014/main" id="{65BA97BF-424A-4D08-A239-C13E2ECAAC72}"/>
+              </a:ext>
+            </a:extLst>
+          </p:cNvPr>
+          <p:cNvSpPr/>
+          <p:nvPr/>
+        </p:nvSpPr>
+        <p:spPr>
+          <a:xfrm>
+            <a:off x="3838689" y="1558965"/>
+            <a:ext cx="1584176" cy="432048"/>
+          </a:xfrm>
+          <a:prstGeom prst="rightArrow">
+            <a:avLst/>
+          </a:prstGeom>
+          <a:ln/>
+        </p:spPr>
+        <p:style>
+          <a:lnRef idx="1">
+            <a:schemeClr val="accent4"/>
+          </a:lnRef>
+          <a:fillRef idx="3">
+            <a:schemeClr val="accent4"/>
+          </a:fillRef>
+          <a:effectRef idx="2">
+            <a:schemeClr val="accent4"/>
+          </a:effectRef>
+          <a:fontRef idx="minor">
+            <a:schemeClr val="lt1"/>
+          </a:fontRef>
+        </p:style>
+        <p:txBody>
+          <a:bodyPr rtlCol="0" anchor="ctr"/>
+          <a:lstStyle/>
+          <a:p>
+            <a:pPr algn="ctr"/>
+            <a:endParaRPr lang="zh-TW" altLang="en-US"/>
+          </a:p>
+        </p:txBody>
+      </p:sp>
+      <p:sp>
+        <p:nvSpPr>
+          <p:cNvPr id="19" name="文字方塊 18">
+            <a:extLst>
+              <a:ext uri="{FF2B5EF4-FFF2-40B4-BE49-F238E27FC236}">
+                <a16:creationId xmlns:a16="http://schemas.microsoft.com/office/drawing/2014/main" id="{A2DFB7A5-303C-42A8-BDAF-3A33830856C1}"/>
+              </a:ext>
+            </a:extLst>
+          </p:cNvPr>
+          <p:cNvSpPr txBox="1"/>
+          <p:nvPr/>
+        </p:nvSpPr>
+        <p:spPr>
+          <a:xfrm>
+            <a:off x="3591088" y="1178777"/>
+            <a:ext cx="2262158" cy="369332"/>
+          </a:xfrm>
+          <a:prstGeom prst="rect">
+            <a:avLst/>
+          </a:prstGeom>
+          <a:noFill/>
+        </p:spPr>
+        <p:txBody>
+          <a:bodyPr wrap="none" rtlCol="0">
+            <a:spAutoFit/>
+          </a:bodyPr>
+          <a:lstStyle/>
+          <a:p>
+            <a:r>
+              <a:rPr lang="zh-TW" altLang="en-US" dirty="0">
+                <a:solidFill>
+                  <a:schemeClr val="bg1"/>
+                </a:solidFill>
+              </a:rPr>
+              <a:t>瀏覽其他使用者頁面</a:t>
+            </a:r>
+            <a:endParaRPr lang="zh-TW" altLang="en-US" dirty="0">
+              <a:solidFill>
+                <a:schemeClr val="tx1">
+                  <a:lumMod val="75000"/>
+                </a:schemeClr>
+              </a:solidFill>
+            </a:endParaRPr>
+          </a:p>
+        </p:txBody>
+      </p:sp>
+      <p:pic>
+        <p:nvPicPr>
+          <p:cNvPr id="21" name="圖片 20">
+            <a:extLst>
+              <a:ext uri="{FF2B5EF4-FFF2-40B4-BE49-F238E27FC236}">
+                <a16:creationId xmlns:a16="http://schemas.microsoft.com/office/drawing/2014/main" id="{4C5E8014-EC91-453E-A4C8-F6CD3E526B6A}"/>
+              </a:ext>
+            </a:extLst>
+          </p:cNvPr>
+          <p:cNvPicPr>
+            <a:picLocks noChangeAspect="1"/>
+          </p:cNvPicPr>
+          <p:nvPr/>
+        </p:nvPicPr>
+        <p:blipFill>
+          <a:blip r:embed="rId3"/>
+          <a:stretch>
+            <a:fillRect/>
+          </a:stretch>
+        </p:blipFill>
+        <p:spPr>
+          <a:xfrm>
+            <a:off x="6314173" y="908720"/>
+            <a:ext cx="1950669" cy="2505483"/>
+          </a:xfrm>
+          <a:prstGeom prst="rect">
+            <a:avLst/>
+          </a:prstGeom>
+        </p:spPr>
+      </p:pic>
+      <p:sp>
+        <p:nvSpPr>
+          <p:cNvPr id="24" name="文字方塊 23">
+            <a:extLst>
+              <a:ext uri="{FF2B5EF4-FFF2-40B4-BE49-F238E27FC236}">
+                <a16:creationId xmlns:a16="http://schemas.microsoft.com/office/drawing/2014/main" id="{582A8950-6F49-46C0-8D20-5CE3EE99521F}"/>
+              </a:ext>
+            </a:extLst>
+          </p:cNvPr>
+          <p:cNvSpPr txBox="1"/>
+          <p:nvPr/>
+        </p:nvSpPr>
+        <p:spPr>
+          <a:xfrm>
+            <a:off x="3615114" y="2155198"/>
+            <a:ext cx="2031325" cy="369332"/>
+          </a:xfrm>
+          <a:prstGeom prst="rect">
+            <a:avLst/>
+          </a:prstGeom>
+          <a:noFill/>
+        </p:spPr>
+        <p:txBody>
+          <a:bodyPr wrap="none" rtlCol="0">
+            <a:spAutoFit/>
+          </a:bodyPr>
+          <a:lstStyle/>
+          <a:p>
+            <a:pPr algn="ctr"/>
+            <a:r>
+              <a:rPr lang="zh-TW" altLang="en-US" dirty="0">
+                <a:solidFill>
+                  <a:schemeClr val="bg1"/>
+                </a:solidFill>
+              </a:rPr>
+              <a:t>訪客紀錄僅限今日</a:t>
+            </a:r>
+            <a:endParaRPr lang="en-US" altLang="zh-TW" dirty="0">
+              <a:solidFill>
+                <a:schemeClr val="bg1"/>
+              </a:solidFill>
+            </a:endParaRPr>
+          </a:p>
+        </p:txBody>
+      </p:sp>
+      <p:pic>
+        <p:nvPicPr>
+          <p:cNvPr id="26" name="圖片 25">
+            <a:extLst>
+              <a:ext uri="{FF2B5EF4-FFF2-40B4-BE49-F238E27FC236}">
+                <a16:creationId xmlns:a16="http://schemas.microsoft.com/office/drawing/2014/main" id="{91C34CE2-1DB7-447A-8B07-54C3418DE09A}"/>
+              </a:ext>
+            </a:extLst>
+          </p:cNvPr>
+          <p:cNvPicPr>
+            <a:picLocks noChangeAspect="1"/>
+          </p:cNvPicPr>
+          <p:nvPr/>
+        </p:nvPicPr>
+        <p:blipFill>
+          <a:blip r:embed="rId4"/>
+          <a:stretch>
+            <a:fillRect/>
+          </a:stretch>
+        </p:blipFill>
+        <p:spPr>
+          <a:xfrm>
+            <a:off x="632520" y="3527427"/>
+            <a:ext cx="2162968" cy="2747989"/>
+          </a:xfrm>
+          <a:prstGeom prst="rect">
+            <a:avLst/>
+          </a:prstGeom>
+        </p:spPr>
+      </p:pic>
+      <p:sp>
+        <p:nvSpPr>
+          <p:cNvPr id="27" name="文字方塊 26">
+            <a:extLst>
+              <a:ext uri="{FF2B5EF4-FFF2-40B4-BE49-F238E27FC236}">
+                <a16:creationId xmlns:a16="http://schemas.microsoft.com/office/drawing/2014/main" id="{FDD2C4DE-C5F1-4E08-97A1-6654D7AF85FA}"/>
+              </a:ext>
+            </a:extLst>
+          </p:cNvPr>
+          <p:cNvSpPr txBox="1"/>
+          <p:nvPr/>
+        </p:nvSpPr>
+        <p:spPr>
+          <a:xfrm>
+            <a:off x="1064568" y="6275416"/>
+            <a:ext cx="1107996" cy="369332"/>
+          </a:xfrm>
+          <a:prstGeom prst="rect">
+            <a:avLst/>
+          </a:prstGeom>
+          <a:noFill/>
+        </p:spPr>
+        <p:txBody>
+          <a:bodyPr wrap="none" rtlCol="0">
+            <a:spAutoFit/>
+          </a:bodyPr>
+          <a:lstStyle/>
+          <a:p>
+            <a:r>
+              <a:rPr lang="zh-TW" altLang="en-US" dirty="0">
+                <a:solidFill>
+                  <a:schemeClr val="bg1"/>
+                </a:solidFill>
+              </a:rPr>
+              <a:t>小新視角</a:t>
+            </a:r>
+            <a:endParaRPr lang="zh-TW" altLang="en-US" dirty="0">
+              <a:solidFill>
+                <a:schemeClr val="tx1">
+                  <a:lumMod val="75000"/>
+                </a:schemeClr>
+              </a:solidFill>
+            </a:endParaRPr>
+          </a:p>
+        </p:txBody>
+      </p:sp>
+      <p:sp>
+        <p:nvSpPr>
+          <p:cNvPr id="29" name="箭號: 向右 28">
+            <a:extLst>
+              <a:ext uri="{FF2B5EF4-FFF2-40B4-BE49-F238E27FC236}">
+                <a16:creationId xmlns:a16="http://schemas.microsoft.com/office/drawing/2014/main" id="{421F988F-3D01-44EE-B9C9-5E5F08B2B12E}"/>
+              </a:ext>
+            </a:extLst>
+          </p:cNvPr>
+          <p:cNvSpPr/>
+          <p:nvPr/>
+        </p:nvSpPr>
+        <p:spPr>
+          <a:xfrm>
+            <a:off x="3368824" y="4797152"/>
+            <a:ext cx="1584176" cy="432048"/>
+          </a:xfrm>
+          <a:prstGeom prst="rightArrow">
+            <a:avLst/>
+          </a:prstGeom>
+          <a:ln/>
+        </p:spPr>
+        <p:style>
+          <a:lnRef idx="1">
+            <a:schemeClr val="accent4"/>
+          </a:lnRef>
+          <a:fillRef idx="3">
+            <a:schemeClr val="accent4"/>
+          </a:fillRef>
+          <a:effectRef idx="2">
+            <a:schemeClr val="accent4"/>
+          </a:effectRef>
+          <a:fontRef idx="minor">
+            <a:schemeClr val="lt1"/>
+          </a:fontRef>
+        </p:style>
+        <p:txBody>
+          <a:bodyPr rtlCol="0" anchor="ctr"/>
+          <a:lstStyle/>
+          <a:p>
+            <a:pPr algn="ctr"/>
+            <a:endParaRPr lang="zh-TW" altLang="en-US"/>
+          </a:p>
+        </p:txBody>
+      </p:sp>
+      <p:sp>
+        <p:nvSpPr>
+          <p:cNvPr id="30" name="文字方塊 29">
+            <a:extLst>
+              <a:ext uri="{FF2B5EF4-FFF2-40B4-BE49-F238E27FC236}">
+                <a16:creationId xmlns:a16="http://schemas.microsoft.com/office/drawing/2014/main" id="{FC794A2F-E507-4B3E-A381-5DBE4F055B63}"/>
+              </a:ext>
+            </a:extLst>
+          </p:cNvPr>
+          <p:cNvSpPr txBox="1"/>
+          <p:nvPr/>
+        </p:nvSpPr>
+        <p:spPr>
+          <a:xfrm>
+            <a:off x="3296816" y="4427820"/>
+            <a:ext cx="1569660" cy="369332"/>
+          </a:xfrm>
+          <a:prstGeom prst="rect">
+            <a:avLst/>
+          </a:prstGeom>
+          <a:noFill/>
+        </p:spPr>
+        <p:txBody>
+          <a:bodyPr wrap="none" rtlCol="0">
+            <a:spAutoFit/>
+          </a:bodyPr>
+          <a:lstStyle/>
+          <a:p>
+            <a:r>
+              <a:rPr lang="zh-TW" altLang="en-US" dirty="0">
+                <a:solidFill>
+                  <a:schemeClr val="bg1"/>
+                </a:solidFill>
+              </a:rPr>
+              <a:t>點擊訪客頭貼</a:t>
+            </a:r>
+            <a:endParaRPr lang="zh-TW" altLang="en-US" dirty="0">
+              <a:solidFill>
+                <a:schemeClr val="tx1">
+                  <a:lumMod val="75000"/>
+                </a:schemeClr>
+              </a:solidFill>
+            </a:endParaRPr>
+          </a:p>
+        </p:txBody>
+      </p:sp>
+      <p:pic>
+        <p:nvPicPr>
+          <p:cNvPr id="32" name="圖片 31">
+            <a:extLst>
+              <a:ext uri="{FF2B5EF4-FFF2-40B4-BE49-F238E27FC236}">
+                <a16:creationId xmlns:a16="http://schemas.microsoft.com/office/drawing/2014/main" id="{900EECFB-D9A4-4745-BB73-B49B0552B287}"/>
+              </a:ext>
+            </a:extLst>
+          </p:cNvPr>
+          <p:cNvPicPr>
+            <a:picLocks noChangeAspect="1"/>
+          </p:cNvPicPr>
+          <p:nvPr/>
+        </p:nvPicPr>
+        <p:blipFill>
+          <a:blip r:embed="rId5"/>
+          <a:stretch>
+            <a:fillRect/>
+          </a:stretch>
+        </p:blipFill>
+        <p:spPr>
+          <a:xfrm>
+            <a:off x="5857444" y="3754740"/>
+            <a:ext cx="1513179" cy="2747990"/>
+          </a:xfrm>
+          <a:prstGeom prst="rect">
+            <a:avLst/>
+          </a:prstGeom>
+        </p:spPr>
+      </p:pic>
+    </p:spTree>
+    <p:extLst>
+      <p:ext uri="{BB962C8B-B14F-4D97-AF65-F5344CB8AC3E}">
+        <p14:creationId xmlns:p14="http://schemas.microsoft.com/office/powerpoint/2010/main" val="227533501"/>
+      </p:ext>
+    </p:extLst>
+  </p:cSld>
+  <p:clrMapOvr>
+    <a:masterClrMapping/>
+  </p:clrMapOvr>
+</p:sld>
+</file>
+
+<file path=ppt/slides/slide11.xml><?xml version="1.0" encoding="utf-8"?>
+<p:sld xmlns:a="http://schemas.openxmlformats.org/drawingml/2006/main" xmlns:r="http://schemas.openxmlformats.org/officeDocument/2006/relationships" xmlns:p="http://schemas.openxmlformats.org/presentationml/2006/main">
+  <p:cSld>
+    <p:spTree>
+      <p:nvGrpSpPr>
+        <p:cNvPr id="1" name=""/>
+        <p:cNvGrpSpPr/>
+        <p:nvPr/>
+      </p:nvGrpSpPr>
+      <p:grpSpPr>
+        <a:xfrm>
+          <a:off x="0" y="0"/>
+          <a:ext cx="0" cy="0"/>
+          <a:chOff x="0" y="0"/>
+          <a:chExt cx="0" cy="0"/>
+        </a:xfrm>
+      </p:grpSpPr>
+      <p:sp>
+        <p:nvSpPr>
+          <p:cNvPr id="3" name="標題 2">
+            <a:extLst>
+              <a:ext uri="{FF2B5EF4-FFF2-40B4-BE49-F238E27FC236}">
+                <a16:creationId xmlns:a16="http://schemas.microsoft.com/office/drawing/2014/main" id="{E2F12E2F-52EE-CA77-FB53-4EFC2E0F43C3}"/>
+              </a:ext>
+            </a:extLst>
+          </p:cNvPr>
+          <p:cNvSpPr>
+            <a:spLocks noGrp="1"/>
+          </p:cNvSpPr>
+          <p:nvPr>
+            <p:ph type="title"/>
+          </p:nvPr>
+        </p:nvSpPr>
+        <p:spPr/>
+        <p:txBody>
+          <a:bodyPr/>
+          <a:lstStyle/>
+          <a:p>
+            <a:r>
+              <a:rPr lang="zh-TW" altLang="en-US" dirty="0"/>
+              <a:t>個人頁面</a:t>
+            </a:r>
+            <a:r>
+              <a:rPr lang="en-US" altLang="zh-TW" dirty="0"/>
+              <a:t>(</a:t>
+            </a:r>
+            <a:r>
+              <a:rPr lang="zh-TW" altLang="en-US" dirty="0"/>
+              <a:t>追蹤功能</a:t>
+            </a:r>
+            <a:r>
+              <a:rPr lang="en-US" altLang="zh-TW" dirty="0"/>
+              <a:t>)</a:t>
+            </a:r>
+            <a:r>
+              <a:rPr lang="zh-TW" altLang="en-US" dirty="0"/>
+              <a:t>  </a:t>
+            </a:r>
+            <a:r>
+              <a:rPr lang="en-US" altLang="zh-TW" dirty="0"/>
+              <a:t>(Personal)</a:t>
+            </a:r>
+            <a:endParaRPr lang="zh-TW" altLang="en-US" dirty="0"/>
+          </a:p>
+        </p:txBody>
+      </p:sp>
+      <p:pic>
+        <p:nvPicPr>
+          <p:cNvPr id="6" name="圖片 5">
+            <a:extLst>
+              <a:ext uri="{FF2B5EF4-FFF2-40B4-BE49-F238E27FC236}">
+                <a16:creationId xmlns:a16="http://schemas.microsoft.com/office/drawing/2014/main" id="{E89171E8-F91B-4D80-9705-D0BDAA32A896}"/>
+              </a:ext>
+            </a:extLst>
+          </p:cNvPr>
+          <p:cNvPicPr>
+            <a:picLocks noChangeAspect="1"/>
+          </p:cNvPicPr>
+          <p:nvPr/>
+        </p:nvPicPr>
+        <p:blipFill>
+          <a:blip r:embed="rId2"/>
+          <a:stretch>
+            <a:fillRect/>
+          </a:stretch>
+        </p:blipFill>
+        <p:spPr>
+          <a:xfrm>
+            <a:off x="200472" y="862812"/>
+            <a:ext cx="2400050" cy="1735855"/>
+          </a:xfrm>
+          <a:prstGeom prst="rect">
+            <a:avLst/>
+          </a:prstGeom>
+        </p:spPr>
+      </p:pic>
+      <p:pic>
+        <p:nvPicPr>
+          <p:cNvPr id="9" name="圖片 8">
+            <a:extLst>
+              <a:ext uri="{FF2B5EF4-FFF2-40B4-BE49-F238E27FC236}">
+                <a16:creationId xmlns:a16="http://schemas.microsoft.com/office/drawing/2014/main" id="{F87E6C07-7783-48A1-9826-1008C1F03267}"/>
+              </a:ext>
+            </a:extLst>
+          </p:cNvPr>
+          <p:cNvPicPr>
+            <a:picLocks noChangeAspect="1"/>
+          </p:cNvPicPr>
+          <p:nvPr/>
+        </p:nvPicPr>
+        <p:blipFill>
+          <a:blip r:embed="rId3"/>
+          <a:stretch>
+            <a:fillRect/>
+          </a:stretch>
+        </p:blipFill>
+        <p:spPr>
+          <a:xfrm>
+            <a:off x="4177386" y="939661"/>
+            <a:ext cx="5708316" cy="1500960"/>
+          </a:xfrm>
+          <a:prstGeom prst="rect">
+            <a:avLst/>
+          </a:prstGeom>
+        </p:spPr>
+      </p:pic>
+      <p:sp>
+        <p:nvSpPr>
+          <p:cNvPr id="10" name="箭號: 向右 9">
+            <a:extLst>
+              <a:ext uri="{FF2B5EF4-FFF2-40B4-BE49-F238E27FC236}">
+                <a16:creationId xmlns:a16="http://schemas.microsoft.com/office/drawing/2014/main" id="{F92BC9B9-2A83-4555-8DBB-43CF13C2C95F}"/>
+              </a:ext>
+            </a:extLst>
+          </p:cNvPr>
+          <p:cNvSpPr/>
+          <p:nvPr/>
+        </p:nvSpPr>
+        <p:spPr>
+          <a:xfrm>
+            <a:off x="2792760" y="1628800"/>
+            <a:ext cx="1080120" cy="514723"/>
+          </a:xfrm>
+          <a:prstGeom prst="rightArrow">
+            <a:avLst/>
+          </a:prstGeom>
+          <a:ln/>
+        </p:spPr>
+        <p:style>
+          <a:lnRef idx="1">
+            <a:schemeClr val="accent4"/>
+          </a:lnRef>
+          <a:fillRef idx="3">
+            <a:schemeClr val="accent4"/>
+          </a:fillRef>
+          <a:effectRef idx="2">
+            <a:schemeClr val="accent4"/>
+          </a:effectRef>
+          <a:fontRef idx="minor">
+            <a:schemeClr val="lt1"/>
+          </a:fontRef>
+        </p:style>
+        <p:txBody>
+          <a:bodyPr rtlCol="0" anchor="ctr"/>
+          <a:lstStyle/>
+          <a:p>
+            <a:pPr algn="ctr"/>
+            <a:endParaRPr lang="zh-TW" altLang="en-US"/>
+          </a:p>
+        </p:txBody>
+      </p:sp>
+      <p:sp>
+        <p:nvSpPr>
+          <p:cNvPr id="12" name="文字方塊 11">
+            <a:extLst>
+              <a:ext uri="{FF2B5EF4-FFF2-40B4-BE49-F238E27FC236}">
+                <a16:creationId xmlns:a16="http://schemas.microsoft.com/office/drawing/2014/main" id="{B625961B-B110-4066-9283-751D242B6131}"/>
+              </a:ext>
+            </a:extLst>
+          </p:cNvPr>
+          <p:cNvSpPr txBox="1"/>
+          <p:nvPr/>
+        </p:nvSpPr>
+        <p:spPr>
+          <a:xfrm>
+            <a:off x="2648744" y="862813"/>
+            <a:ext cx="1569660" cy="923330"/>
+          </a:xfrm>
+          <a:prstGeom prst="rect">
+            <a:avLst/>
+          </a:prstGeom>
+          <a:noFill/>
+        </p:spPr>
+        <p:txBody>
+          <a:bodyPr wrap="none" rtlCol="0">
+            <a:spAutoFit/>
+          </a:bodyPr>
+          <a:lstStyle/>
+          <a:p>
+            <a:endParaRPr lang="en-US" altLang="zh-TW" dirty="0">
+              <a:solidFill>
+                <a:schemeClr val="bg1"/>
+              </a:solidFill>
+            </a:endParaRPr>
+          </a:p>
+          <a:p>
+            <a:r>
+              <a:rPr lang="zh-TW" altLang="en-US" dirty="0">
+                <a:solidFill>
+                  <a:schemeClr val="bg1"/>
+                </a:solidFill>
+              </a:rPr>
+              <a:t>傳送好友請求</a:t>
+            </a:r>
+            <a:endParaRPr lang="en-US" altLang="zh-TW" dirty="0">
+              <a:solidFill>
+                <a:schemeClr val="bg1"/>
+              </a:solidFill>
+            </a:endParaRPr>
+          </a:p>
+          <a:p>
+            <a:r>
+              <a:rPr lang="zh-TW" altLang="en-US" dirty="0">
+                <a:solidFill>
+                  <a:schemeClr val="bg1"/>
+                </a:solidFill>
+              </a:rPr>
+              <a:t>及追蹤</a:t>
+            </a:r>
+          </a:p>
+        </p:txBody>
+      </p:sp>
+      <p:sp>
+        <p:nvSpPr>
+          <p:cNvPr id="13" name="箭號: 向下 12">
+            <a:extLst>
+              <a:ext uri="{FF2B5EF4-FFF2-40B4-BE49-F238E27FC236}">
+                <a16:creationId xmlns:a16="http://schemas.microsoft.com/office/drawing/2014/main" id="{66725166-027D-44E4-BCE8-5A27955A259F}"/>
+              </a:ext>
+            </a:extLst>
+          </p:cNvPr>
+          <p:cNvSpPr/>
+          <p:nvPr/>
+        </p:nvSpPr>
+        <p:spPr>
+          <a:xfrm>
+            <a:off x="6609184" y="2876624"/>
+            <a:ext cx="1107996" cy="966103"/>
+          </a:xfrm>
+          <a:prstGeom prst="downArrow">
+            <a:avLst/>
+          </a:prstGeom>
+          <a:ln/>
+        </p:spPr>
+        <p:style>
+          <a:lnRef idx="1">
+            <a:schemeClr val="accent4"/>
+          </a:lnRef>
+          <a:fillRef idx="3">
+            <a:schemeClr val="accent4"/>
+          </a:fillRef>
+          <a:effectRef idx="2">
+            <a:schemeClr val="accent4"/>
+          </a:effectRef>
+          <a:fontRef idx="minor">
+            <a:schemeClr val="lt1"/>
+          </a:fontRef>
+        </p:style>
+        <p:txBody>
+          <a:bodyPr rtlCol="0" anchor="ctr"/>
+          <a:lstStyle/>
+          <a:p>
+            <a:pPr algn="ctr"/>
+            <a:endParaRPr lang="zh-TW" altLang="en-US" dirty="0"/>
+          </a:p>
+        </p:txBody>
+      </p:sp>
+      <p:sp>
+        <p:nvSpPr>
+          <p:cNvPr id="20" name="文字方塊 19">
+            <a:extLst>
+              <a:ext uri="{FF2B5EF4-FFF2-40B4-BE49-F238E27FC236}">
+                <a16:creationId xmlns:a16="http://schemas.microsoft.com/office/drawing/2014/main" id="{55822B3C-9B72-47F0-9C0C-B1646668210B}"/>
+              </a:ext>
+            </a:extLst>
+          </p:cNvPr>
+          <p:cNvSpPr txBox="1"/>
+          <p:nvPr/>
+        </p:nvSpPr>
+        <p:spPr>
+          <a:xfrm>
+            <a:off x="5387622" y="3153819"/>
+            <a:ext cx="1107996" cy="369332"/>
+          </a:xfrm>
+          <a:prstGeom prst="rect">
+            <a:avLst/>
+          </a:prstGeom>
+          <a:noFill/>
+        </p:spPr>
+        <p:txBody>
+          <a:bodyPr wrap="none" rtlCol="0">
+            <a:spAutoFit/>
+          </a:bodyPr>
+          <a:lstStyle/>
+          <a:p>
+            <a:r>
+              <a:rPr lang="zh-TW" altLang="en-US" dirty="0">
+                <a:solidFill>
+                  <a:schemeClr val="bg1"/>
+                </a:solidFill>
+              </a:rPr>
+              <a:t>接受過後</a:t>
+            </a:r>
+          </a:p>
+        </p:txBody>
+      </p:sp>
+      <p:pic>
+        <p:nvPicPr>
+          <p:cNvPr id="16" name="圖片 15">
+            <a:extLst>
+              <a:ext uri="{FF2B5EF4-FFF2-40B4-BE49-F238E27FC236}">
+                <a16:creationId xmlns:a16="http://schemas.microsoft.com/office/drawing/2014/main" id="{0A67D370-E385-4CAD-9F3A-6022D482E387}"/>
+              </a:ext>
+            </a:extLst>
+          </p:cNvPr>
+          <p:cNvPicPr>
+            <a:picLocks noChangeAspect="1"/>
+          </p:cNvPicPr>
+          <p:nvPr/>
+        </p:nvPicPr>
+        <p:blipFill>
+          <a:blip r:embed="rId4"/>
+          <a:stretch>
+            <a:fillRect/>
+          </a:stretch>
+        </p:blipFill>
+        <p:spPr>
+          <a:xfrm>
+            <a:off x="2144688" y="4135754"/>
+            <a:ext cx="7593865" cy="1872208"/>
+          </a:xfrm>
+          <a:prstGeom prst="rect">
+            <a:avLst/>
+          </a:prstGeom>
+        </p:spPr>
+      </p:pic>
+      <p:sp>
+        <p:nvSpPr>
+          <p:cNvPr id="24" name="橢圓 23">
+            <a:extLst>
+              <a:ext uri="{FF2B5EF4-FFF2-40B4-BE49-F238E27FC236}">
+                <a16:creationId xmlns:a16="http://schemas.microsoft.com/office/drawing/2014/main" id="{FAD8C358-E7F3-422E-8DB6-C30AB0D590FE}"/>
+              </a:ext>
+            </a:extLst>
+          </p:cNvPr>
+          <p:cNvSpPr/>
+          <p:nvPr/>
+        </p:nvSpPr>
+        <p:spPr>
+          <a:xfrm>
+            <a:off x="4520952" y="1841922"/>
+            <a:ext cx="360040" cy="298699"/>
+          </a:xfrm>
+          <a:prstGeom prst="ellipse">
+            <a:avLst/>
+          </a:prstGeom>
+          <a:noFill/>
+          <a:ln w="38100"/>
+        </p:spPr>
+        <p:style>
+          <a:lnRef idx="2">
+            <a:schemeClr val="accent3"/>
+          </a:lnRef>
+          <a:fillRef idx="1">
+            <a:schemeClr val="lt1"/>
+          </a:fillRef>
+          <a:effectRef idx="0">
+            <a:schemeClr val="accent3"/>
+          </a:effectRef>
+          <a:fontRef idx="minor">
+            <a:schemeClr val="dk1"/>
+          </a:fontRef>
+        </p:style>
+        <p:txBody>
+          <a:bodyPr rtlCol="0" anchor="ctr"/>
+          <a:lstStyle/>
+          <a:p>
+            <a:pPr algn="ctr"/>
+            <a:endParaRPr lang="zh-TW" altLang="en-US"/>
+          </a:p>
+        </p:txBody>
+      </p:sp>
+      <p:sp>
+        <p:nvSpPr>
+          <p:cNvPr id="25" name="橢圓 24">
+            <a:extLst>
+              <a:ext uri="{FF2B5EF4-FFF2-40B4-BE49-F238E27FC236}">
+                <a16:creationId xmlns:a16="http://schemas.microsoft.com/office/drawing/2014/main" id="{3ACB4257-9B23-4E13-8039-11E70CDB8AFD}"/>
+              </a:ext>
+            </a:extLst>
+          </p:cNvPr>
+          <p:cNvSpPr/>
+          <p:nvPr/>
+        </p:nvSpPr>
+        <p:spPr>
+          <a:xfrm>
+            <a:off x="7753722" y="2085847"/>
+            <a:ext cx="439637" cy="298699"/>
+          </a:xfrm>
+          <a:prstGeom prst="ellipse">
+            <a:avLst/>
+          </a:prstGeom>
+          <a:noFill/>
+          <a:ln w="38100"/>
+        </p:spPr>
+        <p:style>
+          <a:lnRef idx="2">
+            <a:schemeClr val="accent3"/>
+          </a:lnRef>
+          <a:fillRef idx="1">
+            <a:schemeClr val="lt1"/>
+          </a:fillRef>
+          <a:effectRef idx="0">
+            <a:schemeClr val="accent3"/>
+          </a:effectRef>
+          <a:fontRef idx="minor">
+            <a:schemeClr val="dk1"/>
+          </a:fontRef>
+        </p:style>
+        <p:txBody>
+          <a:bodyPr rtlCol="0" anchor="ctr"/>
+          <a:lstStyle/>
+          <a:p>
+            <a:pPr algn="ctr"/>
+            <a:endParaRPr lang="zh-TW" altLang="en-US"/>
+          </a:p>
+        </p:txBody>
+      </p:sp>
+      <p:sp>
+        <p:nvSpPr>
+          <p:cNvPr id="26" name="橢圓 25">
+            <a:extLst>
+              <a:ext uri="{FF2B5EF4-FFF2-40B4-BE49-F238E27FC236}">
+                <a16:creationId xmlns:a16="http://schemas.microsoft.com/office/drawing/2014/main" id="{5C64295B-FA1C-4F9E-8079-7177CEB67BCB}"/>
+              </a:ext>
+            </a:extLst>
+          </p:cNvPr>
+          <p:cNvSpPr/>
+          <p:nvPr/>
+        </p:nvSpPr>
+        <p:spPr>
+          <a:xfrm>
+            <a:off x="452500" y="2299969"/>
+            <a:ext cx="540060" cy="298699"/>
+          </a:xfrm>
+          <a:prstGeom prst="ellipse">
+            <a:avLst/>
+          </a:prstGeom>
+          <a:noFill/>
+          <a:ln w="38100"/>
+        </p:spPr>
+        <p:style>
+          <a:lnRef idx="2">
+            <a:schemeClr val="accent3"/>
+          </a:lnRef>
+          <a:fillRef idx="1">
+            <a:schemeClr val="lt1"/>
+          </a:fillRef>
+          <a:effectRef idx="0">
+            <a:schemeClr val="accent3"/>
+          </a:effectRef>
+          <a:fontRef idx="minor">
+            <a:schemeClr val="dk1"/>
+          </a:fontRef>
+        </p:style>
+        <p:txBody>
+          <a:bodyPr rtlCol="0" anchor="ctr"/>
+          <a:lstStyle/>
+          <a:p>
+            <a:pPr algn="ctr"/>
+            <a:endParaRPr lang="zh-TW" altLang="en-US"/>
+          </a:p>
+        </p:txBody>
+      </p:sp>
+      <p:sp>
+        <p:nvSpPr>
+          <p:cNvPr id="27" name="橢圓 26">
+            <a:extLst>
+              <a:ext uri="{FF2B5EF4-FFF2-40B4-BE49-F238E27FC236}">
+                <a16:creationId xmlns:a16="http://schemas.microsoft.com/office/drawing/2014/main" id="{244D81EC-D164-4BBB-98B0-4200ED7BA7ED}"/>
+              </a:ext>
+            </a:extLst>
+          </p:cNvPr>
+          <p:cNvSpPr/>
+          <p:nvPr/>
+        </p:nvSpPr>
+        <p:spPr>
+          <a:xfrm>
+            <a:off x="2468724" y="5373216"/>
+            <a:ext cx="360040" cy="298699"/>
+          </a:xfrm>
+          <a:prstGeom prst="ellipse">
+            <a:avLst/>
+          </a:prstGeom>
+          <a:noFill/>
+          <a:ln w="38100"/>
+        </p:spPr>
+        <p:style>
+          <a:lnRef idx="2">
+            <a:schemeClr val="accent3"/>
+          </a:lnRef>
+          <a:fillRef idx="1">
+            <a:schemeClr val="lt1"/>
+          </a:fillRef>
+          <a:effectRef idx="0">
+            <a:schemeClr val="accent3"/>
+          </a:effectRef>
+          <a:fontRef idx="minor">
+            <a:schemeClr val="dk1"/>
+          </a:fontRef>
+        </p:style>
+        <p:txBody>
+          <a:bodyPr rtlCol="0" anchor="ctr"/>
+          <a:lstStyle/>
+          <a:p>
+            <a:pPr algn="ctr"/>
+            <a:endParaRPr lang="zh-TW" altLang="en-US"/>
+          </a:p>
+        </p:txBody>
+      </p:sp>
+    </p:spTree>
+    <p:extLst>
+      <p:ext uri="{BB962C8B-B14F-4D97-AF65-F5344CB8AC3E}">
+        <p14:creationId xmlns:p14="http://schemas.microsoft.com/office/powerpoint/2010/main" val="3369131912"/>
+      </p:ext>
+    </p:extLst>
+  </p:cSld>
+  <p:clrMapOvr>
+    <a:masterClrMapping/>
+  </p:clrMapOvr>
+</p:sld>
+</file>
+
+<file path=ppt/slides/slide12.xml><?xml version="1.0" encoding="utf-8"?>
+<p:sld xmlns:a="http://schemas.openxmlformats.org/drawingml/2006/main" xmlns:r="http://schemas.openxmlformats.org/officeDocument/2006/relationships" xmlns:p="http://schemas.openxmlformats.org/presentationml/2006/main">
+  <p:cSld>
+    <p:spTree>
+      <p:nvGrpSpPr>
+        <p:cNvPr id="1" name=""/>
+        <p:cNvGrpSpPr/>
+        <p:nvPr/>
+      </p:nvGrpSpPr>
+      <p:grpSpPr>
+        <a:xfrm>
+          <a:off x="0" y="0"/>
+          <a:ext cx="0" cy="0"/>
+          <a:chOff x="0" y="0"/>
+          <a:chExt cx="0" cy="0"/>
+        </a:xfrm>
+      </p:grpSpPr>
+      <p:sp>
+        <p:nvSpPr>
+          <p:cNvPr id="3" name="標題 2">
+            <a:extLst>
+              <a:ext uri="{FF2B5EF4-FFF2-40B4-BE49-F238E27FC236}">
+                <a16:creationId xmlns:a16="http://schemas.microsoft.com/office/drawing/2014/main" id="{E2F12E2F-52EE-CA77-FB53-4EFC2E0F43C3}"/>
+              </a:ext>
+            </a:extLst>
+          </p:cNvPr>
+          <p:cNvSpPr>
+            <a:spLocks noGrp="1"/>
+          </p:cNvSpPr>
+          <p:nvPr>
+            <p:ph type="title"/>
+          </p:nvPr>
+        </p:nvSpPr>
+        <p:spPr/>
+        <p:txBody>
+          <a:bodyPr/>
+          <a:lstStyle/>
+          <a:p>
+            <a:r>
+              <a:rPr lang="zh-TW" altLang="en-US" dirty="0"/>
+              <a:t>個人頁面</a:t>
+            </a:r>
+            <a:r>
+              <a:rPr lang="en-US" altLang="zh-TW" dirty="0"/>
+              <a:t>(</a:t>
+            </a:r>
+            <a:r>
+              <a:rPr lang="zh-TW" altLang="en-US" dirty="0"/>
+              <a:t>追蹤功能</a:t>
+            </a:r>
+            <a:r>
+              <a:rPr lang="en-US" altLang="zh-TW" dirty="0"/>
+              <a:t>)</a:t>
+            </a:r>
+            <a:r>
+              <a:rPr lang="zh-TW" altLang="en-US" dirty="0"/>
+              <a:t>  </a:t>
+            </a:r>
+            <a:r>
+              <a:rPr lang="en-US" altLang="zh-TW" dirty="0"/>
+              <a:t>(Personal)</a:t>
+            </a:r>
+            <a:endParaRPr lang="zh-TW" altLang="en-US" dirty="0"/>
+          </a:p>
+        </p:txBody>
+      </p:sp>
+      <p:pic>
+        <p:nvPicPr>
+          <p:cNvPr id="23" name="圖片 22">
+            <a:extLst>
+              <a:ext uri="{FF2B5EF4-FFF2-40B4-BE49-F238E27FC236}">
+                <a16:creationId xmlns:a16="http://schemas.microsoft.com/office/drawing/2014/main" id="{4AD7EF07-1D56-420C-8384-682739F72A4F}"/>
+              </a:ext>
+            </a:extLst>
+          </p:cNvPr>
+          <p:cNvPicPr>
+            <a:picLocks noChangeAspect="1"/>
+          </p:cNvPicPr>
+          <p:nvPr/>
+        </p:nvPicPr>
+        <p:blipFill>
+          <a:blip r:embed="rId2"/>
+          <a:stretch>
+            <a:fillRect/>
+          </a:stretch>
+        </p:blipFill>
+        <p:spPr>
+          <a:xfrm>
+            <a:off x="534499" y="908760"/>
+            <a:ext cx="8121352" cy="2363987"/>
+          </a:xfrm>
+          <a:prstGeom prst="rect">
+            <a:avLst/>
+          </a:prstGeom>
+        </p:spPr>
+      </p:pic>
+      <p:pic>
+        <p:nvPicPr>
+          <p:cNvPr id="27" name="圖片 26">
+            <a:extLst>
+              <a:ext uri="{FF2B5EF4-FFF2-40B4-BE49-F238E27FC236}">
+                <a16:creationId xmlns:a16="http://schemas.microsoft.com/office/drawing/2014/main" id="{65F825F5-8AF2-4797-B22E-32E7C3216338}"/>
+              </a:ext>
+            </a:extLst>
+          </p:cNvPr>
+          <p:cNvPicPr>
+            <a:picLocks noChangeAspect="1"/>
+          </p:cNvPicPr>
+          <p:nvPr/>
+        </p:nvPicPr>
+        <p:blipFill>
+          <a:blip r:embed="rId3"/>
+          <a:stretch>
+            <a:fillRect/>
+          </a:stretch>
+        </p:blipFill>
+        <p:spPr>
+          <a:xfrm>
+            <a:off x="632520" y="3612894"/>
+            <a:ext cx="8121352" cy="2491599"/>
+          </a:xfrm>
+          <a:prstGeom prst="rect">
+            <a:avLst/>
+          </a:prstGeom>
+        </p:spPr>
+      </p:pic>
+      <p:sp>
+        <p:nvSpPr>
+          <p:cNvPr id="28" name="橢圓 27">
+            <a:extLst>
+              <a:ext uri="{FF2B5EF4-FFF2-40B4-BE49-F238E27FC236}">
+                <a16:creationId xmlns:a16="http://schemas.microsoft.com/office/drawing/2014/main" id="{B61738F7-F7FE-4FEF-8F8C-A49F83791085}"/>
+              </a:ext>
+            </a:extLst>
+          </p:cNvPr>
+          <p:cNvSpPr/>
+          <p:nvPr/>
+        </p:nvSpPr>
+        <p:spPr>
+          <a:xfrm>
+            <a:off x="7689304" y="838240"/>
+            <a:ext cx="792088" cy="574536"/>
+          </a:xfrm>
+          <a:prstGeom prst="ellipse">
+            <a:avLst/>
+          </a:prstGeom>
+          <a:noFill/>
+          <a:ln w="38100">
+            <a:solidFill>
+              <a:srgbClr val="FF0000"/>
+            </a:solidFill>
+          </a:ln>
+        </p:spPr>
+        <p:style>
+          <a:lnRef idx="1">
+            <a:schemeClr val="accent4"/>
+          </a:lnRef>
+          <a:fillRef idx="3">
+            <a:schemeClr val="accent4"/>
+          </a:fillRef>
+          <a:effectRef idx="2">
+            <a:schemeClr val="accent4"/>
+          </a:effectRef>
+          <a:fontRef idx="minor">
+            <a:schemeClr val="lt1"/>
+          </a:fontRef>
+        </p:style>
+        <p:txBody>
+          <a:bodyPr rtlCol="0" anchor="ctr"/>
+          <a:lstStyle/>
+          <a:p>
+            <a:pPr algn="ctr"/>
+            <a:endParaRPr lang="zh-TW" altLang="en-US"/>
+          </a:p>
+        </p:txBody>
+      </p:sp>
+      <p:sp>
+        <p:nvSpPr>
+          <p:cNvPr id="29" name="橢圓 28">
+            <a:extLst>
+              <a:ext uri="{FF2B5EF4-FFF2-40B4-BE49-F238E27FC236}">
+                <a16:creationId xmlns:a16="http://schemas.microsoft.com/office/drawing/2014/main" id="{F604627F-C4F3-431C-9DFE-7D781B636C80}"/>
+              </a:ext>
+            </a:extLst>
+          </p:cNvPr>
+          <p:cNvSpPr/>
+          <p:nvPr/>
+        </p:nvSpPr>
+        <p:spPr>
+          <a:xfrm>
+            <a:off x="7689304" y="3549982"/>
+            <a:ext cx="792088" cy="574536"/>
+          </a:xfrm>
+          <a:prstGeom prst="ellipse">
+            <a:avLst/>
+          </a:prstGeom>
+          <a:noFill/>
+          <a:ln w="38100">
+            <a:solidFill>
+              <a:srgbClr val="FF0000"/>
+            </a:solidFill>
+          </a:ln>
+        </p:spPr>
+        <p:style>
+          <a:lnRef idx="1">
+            <a:schemeClr val="accent4"/>
+          </a:lnRef>
+          <a:fillRef idx="3">
+            <a:schemeClr val="accent4"/>
+          </a:fillRef>
+          <a:effectRef idx="2">
+            <a:schemeClr val="accent4"/>
+          </a:effectRef>
+          <a:fontRef idx="minor">
+            <a:schemeClr val="lt1"/>
+          </a:fontRef>
+        </p:style>
+        <p:txBody>
+          <a:bodyPr rtlCol="0" anchor="ctr"/>
+          <a:lstStyle/>
+          <a:p>
+            <a:pPr algn="ctr"/>
+            <a:endParaRPr lang="zh-TW" altLang="en-US"/>
+          </a:p>
+        </p:txBody>
+      </p:sp>
+    </p:spTree>
+    <p:extLst>
+      <p:ext uri="{BB962C8B-B14F-4D97-AF65-F5344CB8AC3E}">
+        <p14:creationId xmlns:p14="http://schemas.microsoft.com/office/powerpoint/2010/main" val="2754391614"/>
+      </p:ext>
+    </p:extLst>
+  </p:cSld>
+  <p:clrMapOvr>
+    <a:masterClrMapping/>
+  </p:clrMapOvr>
+</p:sld>
+</file>
+
+<file path=ppt/slides/slide13.xml><?xml version="1.0" encoding="utf-8"?>
+<p:sld xmlns:a="http://schemas.openxmlformats.org/drawingml/2006/main" xmlns:r="http://schemas.openxmlformats.org/officeDocument/2006/relationships" xmlns:p="http://schemas.openxmlformats.org/presentationml/2006/main">
+  <p:cSld>
+    <p:spTree>
+      <p:nvGrpSpPr>
+        <p:cNvPr id="1" name=""/>
+        <p:cNvGrpSpPr/>
+        <p:nvPr/>
+      </p:nvGrpSpPr>
+      <p:grpSpPr>
+        <a:xfrm>
+          <a:off x="0" y="0"/>
+          <a:ext cx="0" cy="0"/>
+          <a:chOff x="0" y="0"/>
+          <a:chExt cx="0" cy="0"/>
+        </a:xfrm>
+      </p:grpSpPr>
+      <p:sp>
+        <p:nvSpPr>
+          <p:cNvPr id="3" name="文字方塊 2"/>
+          <p:cNvSpPr txBox="1"/>
+          <p:nvPr/>
+        </p:nvSpPr>
+        <p:spPr>
+          <a:xfrm>
+            <a:off x="3512840" y="2996952"/>
+            <a:ext cx="2880320" cy="720080"/>
+          </a:xfrm>
+          <a:prstGeom prst="rect">
+            <a:avLst/>
+          </a:prstGeom>
+          <a:noFill/>
+        </p:spPr>
+        <p:txBody>
+          <a:bodyPr wrap="square" rtlCol="0">
+            <a:spAutoFit/>
+          </a:bodyPr>
+          <a:lstStyle/>
+          <a:p>
+            <a:r>
+              <a:rPr lang="en-US" altLang="zh-TW" sz="4000" dirty="0">
+                <a:solidFill>
+                  <a:schemeClr val="accent1"/>
+                </a:solidFill>
+              </a:rPr>
+              <a:t>T</a:t>
+            </a:r>
+            <a:r>
+              <a:rPr lang="en-US" altLang="zh-TW" sz="4000" dirty="0">
+                <a:solidFill>
+                  <a:schemeClr val="accent2"/>
+                </a:solidFill>
+              </a:rPr>
+              <a:t>h</a:t>
+            </a:r>
+            <a:r>
+              <a:rPr lang="en-US" altLang="zh-TW" sz="4000" dirty="0">
+                <a:solidFill>
+                  <a:schemeClr val="accent3"/>
+                </a:solidFill>
+              </a:rPr>
+              <a:t>a</a:t>
+            </a:r>
+            <a:r>
+              <a:rPr lang="en-US" altLang="zh-TW" sz="4000" dirty="0">
+                <a:solidFill>
+                  <a:schemeClr val="accent4"/>
+                </a:solidFill>
+              </a:rPr>
+              <a:t>n</a:t>
+            </a:r>
+            <a:r>
+              <a:rPr lang="en-US" altLang="zh-TW" sz="4000" dirty="0">
+                <a:solidFill>
+                  <a:schemeClr val="accent5"/>
+                </a:solidFill>
+              </a:rPr>
+              <a:t>k</a:t>
+            </a:r>
+            <a:r>
+              <a:rPr lang="en-US" altLang="zh-TW" sz="4000" dirty="0">
+                <a:solidFill>
+                  <a:schemeClr val="tx1">
+                    <a:lumMod val="75000"/>
+                  </a:schemeClr>
+                </a:solidFill>
+              </a:rPr>
+              <a:t> </a:t>
+            </a:r>
+            <a:r>
+              <a:rPr lang="en-US" altLang="zh-TW" sz="4000" dirty="0">
+                <a:solidFill>
+                  <a:schemeClr val="accent6"/>
+                </a:solidFill>
+              </a:rPr>
+              <a:t>y</a:t>
+            </a:r>
+            <a:r>
+              <a:rPr lang="en-US" altLang="zh-TW" sz="4000" dirty="0">
+                <a:solidFill>
+                  <a:schemeClr val="accent1"/>
+                </a:solidFill>
+              </a:rPr>
+              <a:t>o</a:t>
+            </a:r>
+            <a:r>
+              <a:rPr lang="en-US" altLang="zh-TW" sz="4000" dirty="0">
+                <a:solidFill>
+                  <a:schemeClr val="accent3"/>
+                </a:solidFill>
+              </a:rPr>
+              <a:t>u</a:t>
+            </a:r>
+            <a:endParaRPr lang="zh-TW" altLang="en-US" sz="4000" dirty="0" err="1">
+              <a:solidFill>
+                <a:schemeClr val="accent3"/>
+              </a:solidFill>
+            </a:endParaRPr>
+          </a:p>
+        </p:txBody>
+      </p:sp>
+    </p:spTree>
+    <p:extLst>
+      <p:ext uri="{BB962C8B-B14F-4D97-AF65-F5344CB8AC3E}">
+        <p14:creationId xmlns:p14="http://schemas.microsoft.com/office/powerpoint/2010/main" val="4034723819"/>
+      </p:ext>
+    </p:extLst>
+  </p:cSld>
+  <p:clrMapOvr>
+    <a:masterClrMapping/>
+  </p:clrMapOvr>
+</p:sld>
+</file>
+
 <file path=ppt/slides/slide2.xml><?xml version="1.0" encoding="utf-8"?>
 <p:sld xmlns:a="http://schemas.openxmlformats.org/drawingml/2006/main" xmlns:r="http://schemas.openxmlformats.org/officeDocument/2006/relationships" xmlns:p="http://schemas.openxmlformats.org/presentationml/2006/main">
   <p:cSld>
@@ -4142,108 +5506,14 @@
         </p:blipFill>
         <p:spPr>
           <a:xfrm>
-            <a:off x="2624120" y="838240"/>
-            <a:ext cx="3312368" cy="2446744"/>
+            <a:off x="1431670" y="851064"/>
+            <a:ext cx="3312368" cy="3454606"/>
           </a:xfrm>
           <a:prstGeom prst="rect">
             <a:avLst/>
           </a:prstGeom>
         </p:spPr>
       </p:pic>
-      <p:sp>
-        <p:nvSpPr>
-          <p:cNvPr id="31" name="文字方塊 30">
-            <a:extLst>
-              <a:ext uri="{FF2B5EF4-FFF2-40B4-BE49-F238E27FC236}">
-                <a16:creationId xmlns:a16="http://schemas.microsoft.com/office/drawing/2014/main" id="{AD4203E1-6E17-48F7-B96D-E869F8B620E7}"/>
-              </a:ext>
-            </a:extLst>
-          </p:cNvPr>
-          <p:cNvSpPr txBox="1"/>
-          <p:nvPr/>
-        </p:nvSpPr>
-        <p:spPr>
-          <a:xfrm>
-            <a:off x="6117371" y="1011148"/>
-            <a:ext cx="3382609" cy="646331"/>
-          </a:xfrm>
-          <a:prstGeom prst="rect">
-            <a:avLst/>
-          </a:prstGeom>
-          <a:noFill/>
-        </p:spPr>
-        <p:txBody>
-          <a:bodyPr wrap="square" rtlCol="0">
-            <a:spAutoFit/>
-          </a:bodyPr>
-          <a:lstStyle/>
-          <a:p>
-            <a:r>
-              <a:rPr lang="zh-TW" altLang="en-US" dirty="0">
-                <a:solidFill>
-                  <a:schemeClr val="bg1"/>
-                </a:solidFill>
-              </a:rPr>
-              <a:t>登入</a:t>
-            </a:r>
-            <a:r>
-              <a:rPr lang="en-US" altLang="zh-TW" dirty="0">
-                <a:solidFill>
-                  <a:schemeClr val="bg1"/>
-                </a:solidFill>
-              </a:rPr>
-              <a:t>/</a:t>
-            </a:r>
-            <a:r>
-              <a:rPr lang="zh-TW" altLang="en-US" dirty="0">
-                <a:solidFill>
-                  <a:schemeClr val="bg1"/>
-                </a:solidFill>
-              </a:rPr>
-              <a:t>註冊功能，輸入註冊過的帳號及密碼即可登入</a:t>
-            </a:r>
-          </a:p>
-        </p:txBody>
-      </p:sp>
-      <p:sp>
-        <p:nvSpPr>
-          <p:cNvPr id="32" name="文字方塊 31">
-            <a:extLst>
-              <a:ext uri="{FF2B5EF4-FFF2-40B4-BE49-F238E27FC236}">
-                <a16:creationId xmlns:a16="http://schemas.microsoft.com/office/drawing/2014/main" id="{319F6249-7257-4225-8DCD-C47206474CE7}"/>
-              </a:ext>
-            </a:extLst>
-          </p:cNvPr>
-          <p:cNvSpPr txBox="1"/>
-          <p:nvPr/>
-        </p:nvSpPr>
-        <p:spPr>
-          <a:xfrm>
-            <a:off x="6100685" y="1750362"/>
-            <a:ext cx="3672408" cy="646331"/>
-          </a:xfrm>
-          <a:prstGeom prst="rect">
-            <a:avLst/>
-          </a:prstGeom>
-          <a:noFill/>
-        </p:spPr>
-        <p:txBody>
-          <a:bodyPr wrap="square" rtlCol="0">
-            <a:spAutoFit/>
-          </a:bodyPr>
-          <a:lstStyle/>
-          <a:p>
-            <a:r>
-              <a:rPr lang="zh-TW" altLang="en-US" dirty="0">
-                <a:solidFill>
-                  <a:schemeClr val="bg1"/>
-                </a:solidFill>
-              </a:rPr>
-              <a:t>若點選保持登入狀態，既使瀏覽器關閉也會保持登入的狀態</a:t>
-            </a:r>
-          </a:p>
-        </p:txBody>
-      </p:sp>
       <p:pic>
         <p:nvPicPr>
           <p:cNvPr id="33" name="圖片 32">
@@ -4266,53 +5536,14 @@
         </p:blipFill>
         <p:spPr>
           <a:xfrm>
-            <a:off x="3730568" y="5089038"/>
-            <a:ext cx="2664296" cy="1495634"/>
+            <a:off x="1496616" y="4889098"/>
+            <a:ext cx="2181554" cy="1267220"/>
           </a:xfrm>
           <a:prstGeom prst="rect">
             <a:avLst/>
           </a:prstGeom>
         </p:spPr>
       </p:pic>
-      <p:sp>
-        <p:nvSpPr>
-          <p:cNvPr id="34" name="文字方塊 33">
-            <a:extLst>
-              <a:ext uri="{FF2B5EF4-FFF2-40B4-BE49-F238E27FC236}">
-                <a16:creationId xmlns:a16="http://schemas.microsoft.com/office/drawing/2014/main" id="{BC45A222-00A1-4791-B3FB-937B2C1FFCC5}"/>
-              </a:ext>
-            </a:extLst>
-          </p:cNvPr>
-          <p:cNvSpPr txBox="1"/>
-          <p:nvPr/>
-        </p:nvSpPr>
-        <p:spPr>
-          <a:xfrm>
-            <a:off x="177456" y="5317452"/>
-            <a:ext cx="3816424" cy="646331"/>
-          </a:xfrm>
-          <a:prstGeom prst="rect">
-            <a:avLst/>
-          </a:prstGeom>
-          <a:noFill/>
-        </p:spPr>
-        <p:txBody>
-          <a:bodyPr wrap="square" rtlCol="0">
-            <a:spAutoFit/>
-          </a:bodyPr>
-          <a:lstStyle/>
-          <a:p>
-            <a:r>
-              <a:rPr lang="zh-TW" altLang="en-US" dirty="0">
-                <a:solidFill>
-                  <a:schemeClr val="bg1"/>
-                </a:solidFill>
-              </a:rPr>
-              <a:t>若忘記密碼也可以點選忘記密碼，輸入自己的信箱，則會得到密碼</a:t>
-            </a:r>
-          </a:p>
-        </p:txBody>
-      </p:sp>
       <p:pic>
         <p:nvPicPr>
           <p:cNvPr id="41" name="圖片 40">
@@ -4335,7 +5566,7 @@
         </p:blipFill>
         <p:spPr>
           <a:xfrm>
-            <a:off x="270753" y="838240"/>
+            <a:off x="6078231" y="805191"/>
             <a:ext cx="2374478" cy="3500479"/>
           </a:xfrm>
           <a:prstGeom prst="rect">
@@ -4343,6 +5574,120 @@
           </a:prstGeom>
         </p:spPr>
       </p:pic>
+      <p:sp>
+        <p:nvSpPr>
+          <p:cNvPr id="2" name="箭號: 向右 1">
+            <a:extLst>
+              <a:ext uri="{FF2B5EF4-FFF2-40B4-BE49-F238E27FC236}">
+                <a16:creationId xmlns:a16="http://schemas.microsoft.com/office/drawing/2014/main" id="{69640178-77FF-4E64-AAD9-FA131DDF0B5B}"/>
+              </a:ext>
+            </a:extLst>
+          </p:cNvPr>
+          <p:cNvSpPr/>
+          <p:nvPr/>
+        </p:nvSpPr>
+        <p:spPr>
+          <a:xfrm>
+            <a:off x="3974582" y="5664473"/>
+            <a:ext cx="1908989" cy="288032"/>
+          </a:xfrm>
+          <a:prstGeom prst="rightArrow">
+            <a:avLst/>
+          </a:prstGeom>
+          <a:ln/>
+        </p:spPr>
+        <p:style>
+          <a:lnRef idx="1">
+            <a:schemeClr val="accent4"/>
+          </a:lnRef>
+          <a:fillRef idx="3">
+            <a:schemeClr val="accent4"/>
+          </a:fillRef>
+          <a:effectRef idx="2">
+            <a:schemeClr val="accent4"/>
+          </a:effectRef>
+          <a:fontRef idx="minor">
+            <a:schemeClr val="lt1"/>
+          </a:fontRef>
+        </p:style>
+        <p:txBody>
+          <a:bodyPr rtlCol="0" anchor="ctr"/>
+          <a:lstStyle/>
+          <a:p>
+            <a:pPr algn="ctr"/>
+            <a:endParaRPr lang="zh-TW" altLang="en-US"/>
+          </a:p>
+        </p:txBody>
+      </p:sp>
+      <p:pic>
+        <p:nvPicPr>
+          <p:cNvPr id="5" name="圖片 4">
+            <a:extLst>
+              <a:ext uri="{FF2B5EF4-FFF2-40B4-BE49-F238E27FC236}">
+                <a16:creationId xmlns:a16="http://schemas.microsoft.com/office/drawing/2014/main" id="{E16D1CB0-9D5D-4F6B-9EA1-A22CEAC64C7D}"/>
+              </a:ext>
+            </a:extLst>
+          </p:cNvPr>
+          <p:cNvPicPr>
+            <a:picLocks noChangeAspect="1"/>
+          </p:cNvPicPr>
+          <p:nvPr/>
+        </p:nvPicPr>
+        <p:blipFill>
+          <a:blip r:embed="rId5"/>
+          <a:stretch>
+            <a:fillRect/>
+          </a:stretch>
+        </p:blipFill>
+        <p:spPr>
+          <a:xfrm>
+            <a:off x="6078231" y="4793446"/>
+            <a:ext cx="2864768" cy="1742054"/>
+          </a:xfrm>
+          <a:prstGeom prst="rect">
+            <a:avLst/>
+          </a:prstGeom>
+        </p:spPr>
+      </p:pic>
+      <p:sp>
+        <p:nvSpPr>
+          <p:cNvPr id="6" name="文字方塊 5">
+            <a:extLst>
+              <a:ext uri="{FF2B5EF4-FFF2-40B4-BE49-F238E27FC236}">
+                <a16:creationId xmlns:a16="http://schemas.microsoft.com/office/drawing/2014/main" id="{D52D2F4B-F83B-4622-B223-D02616638682}"/>
+              </a:ext>
+            </a:extLst>
+          </p:cNvPr>
+          <p:cNvSpPr txBox="1"/>
+          <p:nvPr/>
+        </p:nvSpPr>
+        <p:spPr>
+          <a:xfrm>
+            <a:off x="4253554" y="5295141"/>
+            <a:ext cx="1107996" cy="369332"/>
+          </a:xfrm>
+          <a:prstGeom prst="rect">
+            <a:avLst/>
+          </a:prstGeom>
+          <a:noFill/>
+        </p:spPr>
+        <p:txBody>
+          <a:bodyPr wrap="none" rtlCol="0">
+            <a:spAutoFit/>
+          </a:bodyPr>
+          <a:lstStyle/>
+          <a:p>
+            <a:r>
+              <a:rPr lang="zh-TW" altLang="en-US" dirty="0">
+                <a:solidFill>
+                  <a:schemeClr val="bg1"/>
+                </a:solidFill>
+              </a:rPr>
+              <a:t>輸入正確</a:t>
+            </a:r>
+          </a:p>
+        </p:txBody>
+      </p:sp>
     </p:spTree>
     <p:extLst>
       <p:ext uri="{BB962C8B-B14F-4D97-AF65-F5344CB8AC3E}">
@@ -4436,7 +5781,7 @@
         </p:blipFill>
         <p:spPr>
           <a:xfrm>
-            <a:off x="200472" y="4563142"/>
+            <a:off x="200472" y="2989786"/>
             <a:ext cx="2160240" cy="1820428"/>
           </a:xfrm>
           <a:prstGeom prst="rect">
@@ -4466,7 +5811,7 @@
         </p:blipFill>
         <p:spPr>
           <a:xfrm>
-            <a:off x="2444230" y="4518691"/>
+            <a:off x="2444230" y="2945335"/>
             <a:ext cx="4669010" cy="1909065"/>
           </a:xfrm>
           <a:prstGeom prst="rect">
@@ -4496,7 +5841,7 @@
         </p:blipFill>
         <p:spPr>
           <a:xfrm>
-            <a:off x="7099361" y="4511071"/>
+            <a:off x="7005613" y="2898468"/>
             <a:ext cx="2843930" cy="2029835"/>
           </a:xfrm>
           <a:prstGeom prst="rect">
@@ -4504,45 +5849,6 @@
           </a:prstGeom>
         </p:spPr>
       </p:pic>
-      <p:sp>
-        <p:nvSpPr>
-          <p:cNvPr id="39" name="文字方塊 38">
-            <a:extLst>
-              <a:ext uri="{FF2B5EF4-FFF2-40B4-BE49-F238E27FC236}">
-                <a16:creationId xmlns:a16="http://schemas.microsoft.com/office/drawing/2014/main" id="{97CDFC6C-218B-45E5-99C3-06D6D3554BB3}"/>
-              </a:ext>
-            </a:extLst>
-          </p:cNvPr>
-          <p:cNvSpPr txBox="1"/>
-          <p:nvPr/>
-        </p:nvSpPr>
-        <p:spPr>
-          <a:xfrm>
-            <a:off x="171410" y="2411596"/>
-            <a:ext cx="9563180" cy="369332"/>
-          </a:xfrm>
-          <a:prstGeom prst="rect">
-            <a:avLst/>
-          </a:prstGeom>
-          <a:noFill/>
-        </p:spPr>
-        <p:txBody>
-          <a:bodyPr wrap="square" rtlCol="0">
-            <a:spAutoFit/>
-          </a:bodyPr>
-          <a:lstStyle/>
-          <a:p>
-            <a:r>
-              <a:rPr lang="zh-TW" altLang="en-US" dirty="0">
-                <a:solidFill>
-                  <a:schemeClr val="bg1"/>
-                </a:solidFill>
-              </a:rPr>
-              <a:t>而登入頁面下方則是我們點選三個外部登入系統所導向的頁面，會讓我們快速登入不用在註冊</a:t>
-            </a:r>
-          </a:p>
-        </p:txBody>
-      </p:sp>
       <p:sp>
         <p:nvSpPr>
           <p:cNvPr id="13" name="文字方塊 12">
@@ -4557,8 +5863,8 @@
         </p:nvSpPr>
         <p:spPr>
           <a:xfrm>
-            <a:off x="1064568" y="941350"/>
-            <a:ext cx="5270613" cy="646331"/>
+            <a:off x="2444230" y="5650428"/>
+            <a:ext cx="1195147" cy="369332"/>
           </a:xfrm>
           <a:prstGeom prst="rect">
             <a:avLst/>
@@ -4577,23 +5883,13 @@
                   <a:schemeClr val="bg1"/>
                 </a:solidFill>
               </a:rPr>
-              <a:t>登入過後，</a:t>
+              <a:t>登入過後</a:t>
             </a:r>
             <a:endParaRPr lang="en-US" altLang="zh-TW" dirty="0">
               <a:solidFill>
                 <a:schemeClr val="bg1"/>
               </a:solidFill>
             </a:endParaRPr>
-          </a:p>
-          <a:p>
-            <a:r>
-              <a:rPr lang="zh-TW" altLang="en-US" dirty="0">
-                <a:solidFill>
-                  <a:schemeClr val="bg1"/>
-                </a:solidFill>
-              </a:rPr>
-              <a:t>就可以在右上方看到我們登入的帳號暱稱</a:t>
-            </a:r>
           </a:p>
         </p:txBody>
       </p:sp>
@@ -4619,7 +5915,7 @@
         </p:blipFill>
         <p:spPr>
           <a:xfrm>
-            <a:off x="3002074" y="2909970"/>
+            <a:off x="3002074" y="1336614"/>
             <a:ext cx="3553321" cy="876422"/>
           </a:xfrm>
           <a:prstGeom prst="rect">
@@ -4643,7 +5939,7 @@
         </p:nvCxnSpPr>
         <p:spPr>
           <a:xfrm flipV="1">
-            <a:off x="26785" y="2102589"/>
+            <a:off x="-41427" y="5212194"/>
             <a:ext cx="9906000" cy="12827"/>
           </a:xfrm>
           <a:prstGeom prst="line">
@@ -4681,13 +5977,13 @@
         </p:nvCxnSpPr>
         <p:spPr>
           <a:xfrm flipH="1">
-            <a:off x="1712640" y="3513227"/>
+            <a:off x="1712640" y="1939871"/>
             <a:ext cx="1584177" cy="997844"/>
           </a:xfrm>
           <a:prstGeom prst="straightConnector1">
             <a:avLst/>
           </a:prstGeom>
-          <a:ln>
+          <a:ln w="38100">
             <a:tailEnd type="triangle"/>
           </a:ln>
         </p:spPr>
@@ -4722,13 +6018,13 @@
         </p:nvCxnSpPr>
         <p:spPr>
           <a:xfrm>
-            <a:off x="4664968" y="3573016"/>
+            <a:off x="4664968" y="1999660"/>
             <a:ext cx="0" cy="945675"/>
           </a:xfrm>
           <a:prstGeom prst="straightConnector1">
             <a:avLst/>
           </a:prstGeom>
-          <a:ln>
+          <a:ln w="38100">
             <a:tailEnd type="triangle"/>
           </a:ln>
         </p:spPr>
@@ -4763,13 +6059,13 @@
         </p:nvCxnSpPr>
         <p:spPr>
           <a:xfrm>
-            <a:off x="6033120" y="3513227"/>
+            <a:off x="6015961" y="1900624"/>
             <a:ext cx="1656184" cy="997844"/>
           </a:xfrm>
           <a:prstGeom prst="straightConnector1">
             <a:avLst/>
           </a:prstGeom>
-          <a:ln>
+          <a:ln w="38100">
             <a:tailEnd type="triangle"/>
           </a:ln>
         </p:spPr>
@@ -4810,7 +6106,7 @@
         </p:blipFill>
         <p:spPr>
           <a:xfrm>
-            <a:off x="6638818" y="838240"/>
+            <a:off x="3728864" y="5476830"/>
             <a:ext cx="2715004" cy="905001"/>
           </a:xfrm>
           <a:prstGeom prst="rect">
@@ -4818,6 +6114,51 @@
           </a:prstGeom>
         </p:spPr>
       </p:pic>
+      <p:sp>
+        <p:nvSpPr>
+          <p:cNvPr id="2" name="矩形 1">
+            <a:extLst>
+              <a:ext uri="{FF2B5EF4-FFF2-40B4-BE49-F238E27FC236}">
+                <a16:creationId xmlns:a16="http://schemas.microsoft.com/office/drawing/2014/main" id="{F128BA0C-ACA0-4D62-B40E-6F9B563A928B}"/>
+              </a:ext>
+            </a:extLst>
+          </p:cNvPr>
+          <p:cNvSpPr/>
+          <p:nvPr/>
+        </p:nvSpPr>
+        <p:spPr>
+          <a:xfrm>
+            <a:off x="4795104" y="3562002"/>
+            <a:ext cx="1901842" cy="216024"/>
+          </a:xfrm>
+          <a:prstGeom prst="rect">
+            <a:avLst/>
+          </a:prstGeom>
+          <a:ln/>
+        </p:spPr>
+        <p:style>
+          <a:lnRef idx="1">
+            <a:schemeClr val="dk1"/>
+          </a:lnRef>
+          <a:fillRef idx="3">
+            <a:schemeClr val="dk1"/>
+          </a:fillRef>
+          <a:effectRef idx="2">
+            <a:schemeClr val="dk1"/>
+          </a:effectRef>
+          <a:fontRef idx="minor">
+            <a:schemeClr val="lt1"/>
+          </a:fontRef>
+        </p:style>
+        <p:txBody>
+          <a:bodyPr rtlCol="0" anchor="ctr"/>
+          <a:lstStyle/>
+          <a:p>
+            <a:pPr algn="ctr"/>
+            <a:endParaRPr lang="zh-TW" altLang="en-US"/>
+          </a:p>
+        </p:txBody>
+      </p:sp>
     </p:spTree>
     <p:extLst>
       <p:ext uri="{BB962C8B-B14F-4D97-AF65-F5344CB8AC3E}">
@@ -4903,8 +6244,8 @@
         </p:blipFill>
         <p:spPr>
           <a:xfrm>
-            <a:off x="178711" y="1700808"/>
-            <a:ext cx="3240359" cy="2253088"/>
+            <a:off x="80589" y="1405114"/>
+            <a:ext cx="5175635" cy="2969180"/>
           </a:xfrm>
           <a:prstGeom prst="rect">
             <a:avLst/>
@@ -4933,7 +6274,7 @@
         </p:blipFill>
         <p:spPr>
           <a:xfrm>
-            <a:off x="272480" y="4841917"/>
+            <a:off x="264409" y="5430613"/>
             <a:ext cx="4969119" cy="800212"/>
           </a:xfrm>
           <a:prstGeom prst="rect">
@@ -4941,60 +6282,6 @@
           </a:prstGeom>
         </p:spPr>
       </p:pic>
-      <p:sp>
-        <p:nvSpPr>
-          <p:cNvPr id="14" name="文字方塊 13">
-            <a:extLst>
-              <a:ext uri="{FF2B5EF4-FFF2-40B4-BE49-F238E27FC236}">
-                <a16:creationId xmlns:a16="http://schemas.microsoft.com/office/drawing/2014/main" id="{D3753F3B-A4D1-4D7F-B42A-2D54A42D6D9B}"/>
-              </a:ext>
-            </a:extLst>
-          </p:cNvPr>
-          <p:cNvSpPr txBox="1"/>
-          <p:nvPr/>
-        </p:nvSpPr>
-        <p:spPr>
-          <a:xfrm>
-            <a:off x="2338365" y="5759846"/>
-            <a:ext cx="4394550" cy="646331"/>
-          </a:xfrm>
-          <a:prstGeom prst="rect">
-            <a:avLst/>
-          </a:prstGeom>
-          <a:noFill/>
-        </p:spPr>
-        <p:txBody>
-          <a:bodyPr wrap="square" rtlCol="0">
-            <a:spAutoFit/>
-          </a:bodyPr>
-          <a:lstStyle/>
-          <a:p>
-            <a:r>
-              <a:rPr lang="zh-TW" altLang="en-US" dirty="0">
-                <a:solidFill>
-                  <a:schemeClr val="bg1"/>
-                </a:solidFill>
-              </a:rPr>
-              <a:t>使用者可以修改自己的大頭貼、暱稱</a:t>
-            </a:r>
-            <a:endParaRPr lang="en-US" altLang="zh-TW" dirty="0">
-              <a:solidFill>
-                <a:schemeClr val="bg1"/>
-              </a:solidFill>
-            </a:endParaRPr>
-          </a:p>
-          <a:p>
-            <a:r>
-              <a:rPr lang="zh-TW" altLang="en-US" dirty="0">
-                <a:solidFill>
-                  <a:schemeClr val="bg1"/>
-                </a:solidFill>
-              </a:rPr>
-              <a:t>可以讓其他使用者知道自己不同的風格</a:t>
-            </a:r>
-          </a:p>
-        </p:txBody>
-      </p:sp>
       <p:pic>
         <p:nvPicPr>
           <p:cNvPr id="17" name="圖片 16">
@@ -5017,7 +6304,7 @@
         </p:blipFill>
         <p:spPr>
           <a:xfrm>
-            <a:off x="6443408" y="1749815"/>
+            <a:off x="6881664" y="1668032"/>
             <a:ext cx="3024336" cy="2253088"/>
           </a:xfrm>
           <a:prstGeom prst="rect">
@@ -5039,8 +6326,8 @@
         </p:nvSpPr>
         <p:spPr>
           <a:xfrm>
-            <a:off x="3707102" y="2729760"/>
-            <a:ext cx="2376264" cy="504056"/>
+            <a:off x="5529064" y="2740287"/>
+            <a:ext cx="1256308" cy="504056"/>
           </a:xfrm>
           <a:prstGeom prst="rightArrow">
             <a:avLst/>
@@ -5084,7 +6371,7 @@
         </p:nvSpPr>
         <p:spPr>
           <a:xfrm>
-            <a:off x="3886050" y="2406015"/>
+            <a:off x="5601072" y="2339876"/>
             <a:ext cx="1693260" cy="369332"/>
           </a:xfrm>
           <a:prstGeom prst="rect">
@@ -5123,8 +6410,8 @@
         </p:nvSpPr>
         <p:spPr>
           <a:xfrm>
-            <a:off x="1064568" y="864952"/>
-            <a:ext cx="7704971" cy="369332"/>
+            <a:off x="920552" y="838240"/>
+            <a:ext cx="7704971" cy="461665"/>
           </a:xfrm>
           <a:prstGeom prst="rect">
             <a:avLst/>
@@ -5137,13 +6424,14 @@
           </a:bodyPr>
           <a:lstStyle/>
           <a:p>
-            <a:r>
-              <a:rPr lang="zh-TW" altLang="en-US" dirty="0">
+            <a:pPr algn="ctr"/>
+            <a:r>
+              <a:rPr lang="zh-TW" altLang="en-US" sz="2400" b="1" dirty="0">
                 <a:solidFill>
                   <a:schemeClr val="bg1"/>
                 </a:solidFill>
               </a:rPr>
-              <a:t>若使用者想要編輯自己的個人資料及密碼就可以前往設定頁面</a:t>
+              <a:t>編輯個人資料</a:t>
             </a:r>
           </a:p>
         </p:txBody>
@@ -5162,7 +6450,7 @@
         </p:nvSpPr>
         <p:spPr>
           <a:xfrm>
-            <a:off x="2216696" y="4270823"/>
+            <a:off x="2175691" y="4629633"/>
             <a:ext cx="576064" cy="545641"/>
           </a:xfrm>
           <a:prstGeom prst="downArrow">
@@ -5207,7 +6495,7 @@
         </p:nvSpPr>
         <p:spPr>
           <a:xfrm>
-            <a:off x="2842380" y="4354868"/>
+            <a:off x="2792760" y="4748946"/>
             <a:ext cx="1693260" cy="369332"/>
           </a:xfrm>
           <a:prstGeom prst="rect">
@@ -5229,6 +6517,106 @@
               </a:rPr>
               <a:t>按下修改</a:t>
             </a:r>
+          </a:p>
+        </p:txBody>
+      </p:sp>
+      <p:sp>
+        <p:nvSpPr>
+          <p:cNvPr id="2" name="橢圓 1">
+            <a:extLst>
+              <a:ext uri="{FF2B5EF4-FFF2-40B4-BE49-F238E27FC236}">
+                <a16:creationId xmlns:a16="http://schemas.microsoft.com/office/drawing/2014/main" id="{A0B21F62-228A-4CC0-B470-CB7A7A853F27}"/>
+              </a:ext>
+            </a:extLst>
+          </p:cNvPr>
+          <p:cNvSpPr/>
+          <p:nvPr/>
+        </p:nvSpPr>
+        <p:spPr>
+          <a:xfrm>
+            <a:off x="704528" y="2309085"/>
+            <a:ext cx="432048" cy="255819"/>
+          </a:xfrm>
+          <a:prstGeom prst="ellipse">
+            <a:avLst/>
+          </a:prstGeom>
+          <a:noFill/>
+          <a:ln w="38100">
+            <a:solidFill>
+              <a:srgbClr val="FF0000"/>
+            </a:solidFill>
+          </a:ln>
+        </p:spPr>
+        <p:style>
+          <a:lnRef idx="1">
+            <a:schemeClr val="accent4"/>
+          </a:lnRef>
+          <a:fillRef idx="3">
+            <a:schemeClr val="accent4"/>
+          </a:fillRef>
+          <a:effectRef idx="2">
+            <a:schemeClr val="accent4"/>
+          </a:effectRef>
+          <a:fontRef idx="minor">
+            <a:schemeClr val="lt1"/>
+          </a:fontRef>
+        </p:style>
+        <p:txBody>
+          <a:bodyPr rtlCol="0" anchor="ctr"/>
+          <a:lstStyle/>
+          <a:p>
+            <a:pPr algn="ctr"/>
+            <a:endParaRPr lang="zh-TW" altLang="en-US"/>
+          </a:p>
+        </p:txBody>
+      </p:sp>
+      <p:sp>
+        <p:nvSpPr>
+          <p:cNvPr id="15" name="橢圓 14">
+            <a:extLst>
+              <a:ext uri="{FF2B5EF4-FFF2-40B4-BE49-F238E27FC236}">
+                <a16:creationId xmlns:a16="http://schemas.microsoft.com/office/drawing/2014/main" id="{053EE750-9AE8-44BC-8A3B-7EFA35EFE967}"/>
+              </a:ext>
+            </a:extLst>
+          </p:cNvPr>
+          <p:cNvSpPr/>
+          <p:nvPr/>
+        </p:nvSpPr>
+        <p:spPr>
+          <a:xfrm>
+            <a:off x="992560" y="1556792"/>
+            <a:ext cx="432048" cy="255819"/>
+          </a:xfrm>
+          <a:prstGeom prst="ellipse">
+            <a:avLst/>
+          </a:prstGeom>
+          <a:noFill/>
+          <a:ln w="38100">
+            <a:solidFill>
+              <a:srgbClr val="FF0000"/>
+            </a:solidFill>
+          </a:ln>
+        </p:spPr>
+        <p:style>
+          <a:lnRef idx="1">
+            <a:schemeClr val="accent4"/>
+          </a:lnRef>
+          <a:fillRef idx="3">
+            <a:schemeClr val="accent4"/>
+          </a:fillRef>
+          <a:effectRef idx="2">
+            <a:schemeClr val="accent4"/>
+          </a:effectRef>
+          <a:fontRef idx="minor">
+            <a:schemeClr val="lt1"/>
+          </a:fontRef>
+        </p:style>
+        <p:txBody>
+          <a:bodyPr rtlCol="0" anchor="ctr"/>
+          <a:lstStyle/>
+          <a:p>
+            <a:pPr algn="ctr"/>
+            <a:endParaRPr lang="zh-TW" altLang="en-US"/>
           </a:p>
         </p:txBody>
       </p:sp>
@@ -5311,75 +6699,6 @@
           </a:p>
         </p:txBody>
       </p:sp>
-      <p:sp>
-        <p:nvSpPr>
-          <p:cNvPr id="8" name="文字方塊 7">
-            <a:extLst>
-              <a:ext uri="{FF2B5EF4-FFF2-40B4-BE49-F238E27FC236}">
-                <a16:creationId xmlns:a16="http://schemas.microsoft.com/office/drawing/2014/main" id="{64D1215F-9670-4F4D-9D19-C9257F9A058A}"/>
-              </a:ext>
-            </a:extLst>
-          </p:cNvPr>
-          <p:cNvSpPr txBox="1"/>
-          <p:nvPr/>
-        </p:nvSpPr>
-        <p:spPr>
-          <a:xfrm>
-            <a:off x="128464" y="852302"/>
-            <a:ext cx="5638385" cy="923330"/>
-          </a:xfrm>
-          <a:prstGeom prst="rect">
-            <a:avLst/>
-          </a:prstGeom>
-          <a:noFill/>
-        </p:spPr>
-        <p:txBody>
-          <a:bodyPr wrap="square" rtlCol="0">
-            <a:spAutoFit/>
-          </a:bodyPr>
-          <a:lstStyle/>
-          <a:p>
-            <a:r>
-              <a:rPr lang="zh-TW" altLang="en-US" dirty="0">
-                <a:solidFill>
-                  <a:schemeClr val="bg1"/>
-                </a:solidFill>
-              </a:rPr>
-              <a:t>若想要更改密碼，我們會需要使用者舊密碼是否正確</a:t>
-            </a:r>
-            <a:endParaRPr lang="en-US" altLang="zh-TW" dirty="0">
-              <a:solidFill>
-                <a:schemeClr val="bg1"/>
-              </a:solidFill>
-            </a:endParaRPr>
-          </a:p>
-          <a:p>
-            <a:r>
-              <a:rPr lang="zh-TW" altLang="en-US" dirty="0">
-                <a:solidFill>
-                  <a:schemeClr val="bg1"/>
-                </a:solidFill>
-              </a:rPr>
-              <a:t>以及新密碼跟確認密碼都要一致才可以做更改，</a:t>
-            </a:r>
-            <a:endParaRPr lang="en-US" altLang="zh-TW" dirty="0">
-              <a:solidFill>
-                <a:schemeClr val="bg1"/>
-              </a:solidFill>
-            </a:endParaRPr>
-          </a:p>
-          <a:p>
-            <a:r>
-              <a:rPr lang="zh-TW" altLang="en-US" dirty="0">
-                <a:solidFill>
-                  <a:schemeClr val="bg1"/>
-                </a:solidFill>
-              </a:rPr>
-              <a:t>否則我們的修改密碼按鈕則會是失效的狀態。</a:t>
-            </a:r>
-          </a:p>
-        </p:txBody>
-      </p:sp>
       <p:pic>
         <p:nvPicPr>
           <p:cNvPr id="9" name="圖片 8">
@@ -5402,8 +6721,8 @@
         </p:blipFill>
         <p:spPr>
           <a:xfrm>
-            <a:off x="5533933" y="884402"/>
-            <a:ext cx="4372067" cy="1776827"/>
+            <a:off x="488504" y="1052736"/>
+            <a:ext cx="5040560" cy="1776827"/>
           </a:xfrm>
           <a:prstGeom prst="rect">
             <a:avLst/>
@@ -5432,7 +6751,7 @@
         </p:blipFill>
         <p:spPr>
           <a:xfrm>
-            <a:off x="128464" y="3212976"/>
+            <a:off x="4521433" y="3789040"/>
             <a:ext cx="5143345" cy="2057687"/>
           </a:xfrm>
           <a:prstGeom prst="rect">
@@ -5440,12 +6759,51 @@
           </a:prstGeom>
         </p:spPr>
       </p:pic>
+      <p:cxnSp>
+        <p:nvCxnSpPr>
+          <p:cNvPr id="4" name="直線單箭頭接點 3">
+            <a:extLst>
+              <a:ext uri="{FF2B5EF4-FFF2-40B4-BE49-F238E27FC236}">
+                <a16:creationId xmlns:a16="http://schemas.microsoft.com/office/drawing/2014/main" id="{0A56FE60-2FB8-4B2D-856D-3DF6884A4066}"/>
+              </a:ext>
+            </a:extLst>
+          </p:cNvPr>
+          <p:cNvCxnSpPr/>
+          <p:nvPr/>
+        </p:nvCxnSpPr>
+        <p:spPr>
+          <a:xfrm flipH="1">
+            <a:off x="5457056" y="2204864"/>
+            <a:ext cx="792088" cy="432048"/>
+          </a:xfrm>
+          <a:prstGeom prst="straightConnector1">
+            <a:avLst/>
+          </a:prstGeom>
+          <a:ln w="38100">
+            <a:tailEnd type="triangle"/>
+          </a:ln>
+        </p:spPr>
+        <p:style>
+          <a:lnRef idx="1">
+            <a:schemeClr val="accent3"/>
+          </a:lnRef>
+          <a:fillRef idx="0">
+            <a:schemeClr val="accent3"/>
+          </a:fillRef>
+          <a:effectRef idx="0">
+            <a:schemeClr val="accent3"/>
+          </a:effectRef>
+          <a:fontRef idx="minor">
+            <a:schemeClr val="tx1"/>
+          </a:fontRef>
+        </p:style>
+      </p:cxnSp>
       <p:sp>
         <p:nvSpPr>
-          <p:cNvPr id="11" name="文字方塊 10">
+          <p:cNvPr id="12" name="文字方塊 11">
             <a:extLst>
               <a:ext uri="{FF2B5EF4-FFF2-40B4-BE49-F238E27FC236}">
-                <a16:creationId xmlns:a16="http://schemas.microsoft.com/office/drawing/2014/main" id="{B69A965F-C109-477A-B220-73D4D65E11EE}"/>
+                <a16:creationId xmlns:a16="http://schemas.microsoft.com/office/drawing/2014/main" id="{42784702-E2B3-4CD8-A444-97315CCB8664}"/>
               </a:ext>
             </a:extLst>
           </p:cNvPr>
@@ -5454,8 +6812,8 @@
         </p:nvSpPr>
         <p:spPr>
           <a:xfrm>
-            <a:off x="5351350" y="3212976"/>
-            <a:ext cx="4426185" cy="1200329"/>
+            <a:off x="6262960" y="1604699"/>
+            <a:ext cx="4426185" cy="369332"/>
           </a:xfrm>
           <a:prstGeom prst="rect">
             <a:avLst/>
@@ -5474,14 +6832,38 @@
                   <a:schemeClr val="bg1"/>
                 </a:solidFill>
               </a:rPr>
-              <a:t>若使用者註冊過之後，想要跟第三方帳號綁定的話也可以在設定頁面的權限功能</a:t>
-            </a:r>
-            <a:endParaRPr lang="en-US" altLang="zh-TW" dirty="0">
-              <a:solidFill>
-                <a:schemeClr val="bg1"/>
-              </a:solidFill>
-            </a:endParaRPr>
-          </a:p>
+              <a:t>密碼沒填，按鈕不能按</a:t>
+            </a:r>
+          </a:p>
+        </p:txBody>
+      </p:sp>
+      <p:sp>
+        <p:nvSpPr>
+          <p:cNvPr id="13" name="文字方塊 12">
+            <a:extLst>
+              <a:ext uri="{FF2B5EF4-FFF2-40B4-BE49-F238E27FC236}">
+                <a16:creationId xmlns:a16="http://schemas.microsoft.com/office/drawing/2014/main" id="{D15EE65D-DDAE-4D29-97A4-FDF16E175521}"/>
+              </a:ext>
+            </a:extLst>
+          </p:cNvPr>
+          <p:cNvSpPr txBox="1"/>
+          <p:nvPr/>
+        </p:nvSpPr>
+        <p:spPr>
+          <a:xfrm>
+            <a:off x="1568624" y="4617477"/>
+            <a:ext cx="4426185" cy="369332"/>
+          </a:xfrm>
+          <a:prstGeom prst="rect">
+            <a:avLst/>
+          </a:prstGeom>
+          <a:noFill/>
+        </p:spPr>
+        <p:txBody>
+          <a:bodyPr wrap="square" rtlCol="0">
+            <a:spAutoFit/>
+          </a:bodyPr>
+          <a:lstStyle/>
           <a:p>
             <a:r>
               <a:rPr lang="zh-TW" altLang="en-US" dirty="0">
@@ -5489,22 +6871,7 @@
                   <a:schemeClr val="bg1"/>
                 </a:solidFill>
               </a:rPr>
-              <a:t>做綁定的動作，綁定完之後就可以使用</a:t>
-            </a:r>
-            <a:endParaRPr lang="en-US" altLang="zh-TW" dirty="0">
-              <a:solidFill>
-                <a:schemeClr val="bg1"/>
-              </a:solidFill>
-            </a:endParaRPr>
-          </a:p>
-          <a:p>
-            <a:r>
-              <a:rPr lang="zh-TW" altLang="en-US" dirty="0">
-                <a:solidFill>
-                  <a:schemeClr val="bg1"/>
-                </a:solidFill>
-              </a:rPr>
-              <a:t>第三方帳號快速登入了。</a:t>
+              <a:t>登入過後，仍可以綁定</a:t>
             </a:r>
           </a:p>
         </p:txBody>
@@ -5562,31 +6929,7 @@
           <a:p>
             <a:r>
               <a:rPr lang="zh-TW" altLang="en-US" dirty="0"/>
-              <a:t>個人頁面</a:t>
-            </a:r>
-            <a:r>
-              <a:rPr lang="en-US" altLang="zh-TW" dirty="0"/>
-              <a:t>(</a:t>
-            </a:r>
-            <a:r>
-              <a:rPr lang="zh-TW" altLang="en-US" dirty="0"/>
-              <a:t>訪客</a:t>
-            </a:r>
-            <a:r>
-              <a:rPr lang="en-US" altLang="zh-TW" dirty="0"/>
-              <a:t>/</a:t>
-            </a:r>
-            <a:r>
-              <a:rPr lang="zh-TW" altLang="en-US" dirty="0"/>
-              <a:t>好友功能</a:t>
-            </a:r>
-            <a:r>
-              <a:rPr lang="en-US" altLang="zh-TW" dirty="0"/>
-              <a:t>)</a:t>
-            </a:r>
-            <a:r>
-              <a:rPr lang="zh-TW" altLang="en-US" dirty="0"/>
-              <a:t>  </a:t>
+              <a:t>個人頁面  </a:t>
             </a:r>
             <a:r>
               <a:rPr lang="en-US" altLang="zh-TW" dirty="0"/>
@@ -5598,42 +6941,10 @@
       </p:sp>
       <p:pic>
         <p:nvPicPr>
-          <p:cNvPr id="5" name="內容版面配置區 4">
+          <p:cNvPr id="6" name="圖片 5">
             <a:extLst>
               <a:ext uri="{FF2B5EF4-FFF2-40B4-BE49-F238E27FC236}">
-                <a16:creationId xmlns:a16="http://schemas.microsoft.com/office/drawing/2014/main" id="{A8EAF4DC-C42B-4374-8B92-A2C61D4E81F1}"/>
-              </a:ext>
-            </a:extLst>
-          </p:cNvPr>
-          <p:cNvPicPr>
-            <a:picLocks noGrp="1" noChangeAspect="1"/>
-          </p:cNvPicPr>
-          <p:nvPr>
-            <p:ph idx="1"/>
-          </p:nvPr>
-        </p:nvPicPr>
-        <p:blipFill>
-          <a:blip r:embed="rId2"/>
-          <a:stretch>
-            <a:fillRect/>
-          </a:stretch>
-        </p:blipFill>
-        <p:spPr>
-          <a:xfrm>
-            <a:off x="417521" y="742329"/>
-            <a:ext cx="1971950" cy="2304256"/>
-          </a:xfrm>
-          <a:prstGeom prst="rect">
-            <a:avLst/>
-          </a:prstGeom>
-        </p:spPr>
-      </p:pic>
-      <p:pic>
-        <p:nvPicPr>
-          <p:cNvPr id="9" name="圖片 8">
-            <a:extLst>
-              <a:ext uri="{FF2B5EF4-FFF2-40B4-BE49-F238E27FC236}">
-                <a16:creationId xmlns:a16="http://schemas.microsoft.com/office/drawing/2014/main" id="{EC8DE6BB-381A-44A0-A157-C86974AB068D}"/>
+                <a16:creationId xmlns:a16="http://schemas.microsoft.com/office/drawing/2014/main" id="{2CE846B1-480A-4A6F-B3CB-237959317E32}"/>
               </a:ext>
             </a:extLst>
           </p:cNvPr>
@@ -5643,439 +6954,25 @@
           <p:nvPr/>
         </p:nvPicPr>
         <p:blipFill>
-          <a:blip r:embed="rId3"/>
+          <a:blip r:embed="rId2"/>
           <a:stretch>
             <a:fillRect/>
           </a:stretch>
         </p:blipFill>
         <p:spPr>
           <a:xfrm>
-            <a:off x="5697942" y="1356575"/>
-            <a:ext cx="1952898" cy="2304256"/>
+            <a:off x="387692" y="1412776"/>
+            <a:ext cx="9130616" cy="4392488"/>
           </a:xfrm>
           <a:prstGeom prst="rect">
             <a:avLst/>
           </a:prstGeom>
         </p:spPr>
       </p:pic>
-      <p:pic>
-        <p:nvPicPr>
-          <p:cNvPr id="10" name="圖片 9">
-            <a:extLst>
-              <a:ext uri="{FF2B5EF4-FFF2-40B4-BE49-F238E27FC236}">
-                <a16:creationId xmlns:a16="http://schemas.microsoft.com/office/drawing/2014/main" id="{9BAB6D66-5301-420B-A6F2-CC5772CAF5A9}"/>
-              </a:ext>
-            </a:extLst>
-          </p:cNvPr>
-          <p:cNvPicPr>
-            <a:picLocks noChangeAspect="1"/>
-          </p:cNvPicPr>
-          <p:nvPr/>
-        </p:nvPicPr>
-        <p:blipFill>
-          <a:blip r:embed="rId4"/>
-          <a:stretch>
-            <a:fillRect/>
-          </a:stretch>
-        </p:blipFill>
-        <p:spPr>
-          <a:xfrm>
-            <a:off x="201497" y="3385772"/>
-            <a:ext cx="5112568" cy="1565173"/>
-          </a:xfrm>
-          <a:prstGeom prst="rect">
-            <a:avLst/>
-          </a:prstGeom>
-        </p:spPr>
-      </p:pic>
-      <p:pic>
-        <p:nvPicPr>
-          <p:cNvPr id="12" name="圖片 11">
-            <a:extLst>
-              <a:ext uri="{FF2B5EF4-FFF2-40B4-BE49-F238E27FC236}">
-                <a16:creationId xmlns:a16="http://schemas.microsoft.com/office/drawing/2014/main" id="{70112348-9A78-4A09-BEE9-10396B986F74}"/>
-              </a:ext>
-            </a:extLst>
-          </p:cNvPr>
-          <p:cNvPicPr>
-            <a:picLocks noChangeAspect="1"/>
-          </p:cNvPicPr>
-          <p:nvPr/>
-        </p:nvPicPr>
-        <p:blipFill>
-          <a:blip r:embed="rId5"/>
-          <a:stretch>
-            <a:fillRect/>
-          </a:stretch>
-        </p:blipFill>
-        <p:spPr>
-          <a:xfrm>
-            <a:off x="4376936" y="5208332"/>
-            <a:ext cx="4248472" cy="1359315"/>
-          </a:xfrm>
-          <a:prstGeom prst="rect">
-            <a:avLst/>
-          </a:prstGeom>
-        </p:spPr>
-      </p:pic>
-      <p:sp>
-        <p:nvSpPr>
-          <p:cNvPr id="13" name="文字方塊 12">
-            <a:extLst>
-              <a:ext uri="{FF2B5EF4-FFF2-40B4-BE49-F238E27FC236}">
-                <a16:creationId xmlns:a16="http://schemas.microsoft.com/office/drawing/2014/main" id="{88FCF241-0E23-4CD0-869C-522CC730FD47}"/>
-              </a:ext>
-            </a:extLst>
-          </p:cNvPr>
-          <p:cNvSpPr txBox="1"/>
-          <p:nvPr/>
-        </p:nvSpPr>
-        <p:spPr>
-          <a:xfrm>
-            <a:off x="1223137" y="5652771"/>
-            <a:ext cx="4248472" cy="646331"/>
-          </a:xfrm>
-          <a:prstGeom prst="rect">
-            <a:avLst/>
-          </a:prstGeom>
-          <a:noFill/>
-        </p:spPr>
-        <p:txBody>
-          <a:bodyPr wrap="square" rtlCol="0">
-            <a:spAutoFit/>
-          </a:bodyPr>
-          <a:lstStyle/>
-          <a:p>
-            <a:r>
-              <a:rPr lang="zh-TW" altLang="en-US" dirty="0">
-                <a:solidFill>
-                  <a:schemeClr val="bg1"/>
-                </a:solidFill>
-              </a:rPr>
-              <a:t>在瀏覽其他人的頁面只會看到</a:t>
-            </a:r>
-            <a:endParaRPr lang="en-US" altLang="zh-TW" dirty="0">
-              <a:solidFill>
-                <a:schemeClr val="bg1"/>
-              </a:solidFill>
-            </a:endParaRPr>
-          </a:p>
-          <a:p>
-            <a:r>
-              <a:rPr lang="zh-TW" altLang="en-US" dirty="0">
-                <a:solidFill>
-                  <a:schemeClr val="bg1"/>
-                </a:solidFill>
-              </a:rPr>
-              <a:t>好友跟追蹤者</a:t>
-            </a:r>
-          </a:p>
-        </p:txBody>
-      </p:sp>
-      <p:sp>
-        <p:nvSpPr>
-          <p:cNvPr id="14" name="箭號: 向右 13">
-            <a:extLst>
-              <a:ext uri="{FF2B5EF4-FFF2-40B4-BE49-F238E27FC236}">
-                <a16:creationId xmlns:a16="http://schemas.microsoft.com/office/drawing/2014/main" id="{0FC40606-C6EC-4ECE-9414-ED6E741EC2AA}"/>
-              </a:ext>
-            </a:extLst>
-          </p:cNvPr>
-          <p:cNvSpPr/>
-          <p:nvPr/>
-        </p:nvSpPr>
-        <p:spPr>
-          <a:xfrm>
-            <a:off x="2497546" y="2256675"/>
-            <a:ext cx="3240360" cy="504056"/>
-          </a:xfrm>
-          <a:prstGeom prst="rightArrow">
-            <a:avLst/>
-          </a:prstGeom>
-          <a:ln/>
-        </p:spPr>
-        <p:style>
-          <a:lnRef idx="1">
-            <a:schemeClr val="accent4"/>
-          </a:lnRef>
-          <a:fillRef idx="3">
-            <a:schemeClr val="accent4"/>
-          </a:fillRef>
-          <a:effectRef idx="2">
-            <a:schemeClr val="accent4"/>
-          </a:effectRef>
-          <a:fontRef idx="minor">
-            <a:schemeClr val="lt1"/>
-          </a:fontRef>
-        </p:style>
-        <p:txBody>
-          <a:bodyPr rtlCol="0" anchor="ctr"/>
-          <a:lstStyle/>
-          <a:p>
-            <a:pPr algn="ctr"/>
-            <a:endParaRPr lang="zh-TW" altLang="en-US"/>
-          </a:p>
-        </p:txBody>
-      </p:sp>
-      <p:sp>
-        <p:nvSpPr>
-          <p:cNvPr id="15" name="文字方塊 14">
-            <a:extLst>
-              <a:ext uri="{FF2B5EF4-FFF2-40B4-BE49-F238E27FC236}">
-                <a16:creationId xmlns:a16="http://schemas.microsoft.com/office/drawing/2014/main" id="{93A386BA-E8BB-4A92-9621-D1A7F985AB72}"/>
-              </a:ext>
-            </a:extLst>
-          </p:cNvPr>
-          <p:cNvSpPr txBox="1"/>
-          <p:nvPr/>
-        </p:nvSpPr>
-        <p:spPr>
-          <a:xfrm>
-            <a:off x="2564090" y="1657630"/>
-            <a:ext cx="4248472" cy="646331"/>
-          </a:xfrm>
-          <a:prstGeom prst="rect">
-            <a:avLst/>
-          </a:prstGeom>
-          <a:noFill/>
-        </p:spPr>
-        <p:txBody>
-          <a:bodyPr wrap="square" rtlCol="0">
-            <a:spAutoFit/>
-          </a:bodyPr>
-          <a:lstStyle/>
-          <a:p>
-            <a:r>
-              <a:rPr lang="en-US" altLang="zh-TW" dirty="0">
-                <a:solidFill>
-                  <a:schemeClr val="bg1"/>
-                </a:solidFill>
-              </a:rPr>
-              <a:t>zzzz</a:t>
-            </a:r>
-            <a:r>
-              <a:rPr lang="zh-TW" altLang="en-US" dirty="0">
-                <a:solidFill>
-                  <a:schemeClr val="bg1"/>
-                </a:solidFill>
-              </a:rPr>
-              <a:t>發送好友請求及追蹤大楷</a:t>
-            </a:r>
-            <a:endParaRPr lang="en-US" altLang="zh-TW" dirty="0">
-              <a:solidFill>
-                <a:schemeClr val="bg1"/>
-              </a:solidFill>
-            </a:endParaRPr>
-          </a:p>
-          <a:p>
-            <a:r>
-              <a:rPr lang="zh-TW" altLang="en-US" dirty="0">
-                <a:solidFill>
-                  <a:schemeClr val="bg1"/>
-                </a:solidFill>
-              </a:rPr>
-              <a:t>以及瀏覽大楷的頁面</a:t>
-            </a:r>
-          </a:p>
-        </p:txBody>
-      </p:sp>
-      <p:sp>
-        <p:nvSpPr>
-          <p:cNvPr id="16" name="箭號: 上彎 15">
-            <a:extLst>
-              <a:ext uri="{FF2B5EF4-FFF2-40B4-BE49-F238E27FC236}">
-                <a16:creationId xmlns:a16="http://schemas.microsoft.com/office/drawing/2014/main" id="{F3F76EFD-E12A-4F36-83E5-A4D7705AC8C8}"/>
-              </a:ext>
-            </a:extLst>
-          </p:cNvPr>
-          <p:cNvSpPr/>
-          <p:nvPr/>
-        </p:nvSpPr>
-        <p:spPr>
-          <a:xfrm rot="16200000" flipH="1">
-            <a:off x="5962554" y="3662274"/>
-            <a:ext cx="811386" cy="1360260"/>
-          </a:xfrm>
-          <a:prstGeom prst="bentUpArrow">
-            <a:avLst/>
-          </a:prstGeom>
-          <a:ln/>
-        </p:spPr>
-        <p:style>
-          <a:lnRef idx="1">
-            <a:schemeClr val="accent4"/>
-          </a:lnRef>
-          <a:fillRef idx="3">
-            <a:schemeClr val="accent4"/>
-          </a:fillRef>
-          <a:effectRef idx="2">
-            <a:schemeClr val="accent4"/>
-          </a:effectRef>
-          <a:fontRef idx="minor">
-            <a:schemeClr val="lt1"/>
-          </a:fontRef>
-        </p:style>
-        <p:txBody>
-          <a:bodyPr rtlCol="0" anchor="ctr"/>
-          <a:lstStyle/>
-          <a:p>
-            <a:pPr algn="ctr"/>
-            <a:endParaRPr lang="zh-TW" altLang="en-US"/>
-          </a:p>
-        </p:txBody>
-      </p:sp>
-      <p:sp>
-        <p:nvSpPr>
-          <p:cNvPr id="17" name="文字方塊 16">
-            <a:extLst>
-              <a:ext uri="{FF2B5EF4-FFF2-40B4-BE49-F238E27FC236}">
-                <a16:creationId xmlns:a16="http://schemas.microsoft.com/office/drawing/2014/main" id="{E6B4E856-497E-426F-89CB-3337DA9A8B8D}"/>
-              </a:ext>
-            </a:extLst>
-          </p:cNvPr>
-          <p:cNvSpPr txBox="1"/>
-          <p:nvPr/>
-        </p:nvSpPr>
-        <p:spPr>
-          <a:xfrm>
-            <a:off x="7361877" y="4168358"/>
-            <a:ext cx="2512540" cy="369332"/>
-          </a:xfrm>
-          <a:prstGeom prst="rect">
-            <a:avLst/>
-          </a:prstGeom>
-          <a:noFill/>
-        </p:spPr>
-        <p:txBody>
-          <a:bodyPr wrap="square" rtlCol="0">
-            <a:spAutoFit/>
-          </a:bodyPr>
-          <a:lstStyle/>
-          <a:p>
-            <a:r>
-              <a:rPr lang="zh-TW" altLang="en-US" dirty="0">
-                <a:solidFill>
-                  <a:schemeClr val="bg1"/>
-                </a:solidFill>
-              </a:rPr>
-              <a:t>大楷看到</a:t>
-            </a:r>
-            <a:r>
-              <a:rPr lang="en-US" altLang="zh-TW" dirty="0">
-                <a:solidFill>
-                  <a:schemeClr val="bg1"/>
-                </a:solidFill>
-              </a:rPr>
-              <a:t>zzzz</a:t>
-            </a:r>
-            <a:r>
-              <a:rPr lang="zh-TW" altLang="en-US" dirty="0">
-                <a:solidFill>
-                  <a:schemeClr val="bg1"/>
-                </a:solidFill>
-              </a:rPr>
-              <a:t>發送好友</a:t>
-            </a:r>
-          </a:p>
-        </p:txBody>
-      </p:sp>
-      <p:cxnSp>
-        <p:nvCxnSpPr>
-          <p:cNvPr id="4" name="直線單箭頭接點 3">
-            <a:extLst>
-              <a:ext uri="{FF2B5EF4-FFF2-40B4-BE49-F238E27FC236}">
-                <a16:creationId xmlns:a16="http://schemas.microsoft.com/office/drawing/2014/main" id="{5544DF91-DB94-4FEB-BA4C-6A8AB136BB83}"/>
-              </a:ext>
-            </a:extLst>
-          </p:cNvPr>
-          <p:cNvCxnSpPr/>
-          <p:nvPr/>
-        </p:nvCxnSpPr>
-        <p:spPr>
-          <a:xfrm flipH="1">
-            <a:off x="7251007" y="2677403"/>
-            <a:ext cx="831483" cy="576064"/>
-          </a:xfrm>
-          <a:prstGeom prst="straightConnector1">
-            <a:avLst/>
-          </a:prstGeom>
-          <a:ln>
-            <a:tailEnd type="triangle"/>
-          </a:ln>
-        </p:spPr>
-        <p:style>
-          <a:lnRef idx="1">
-            <a:schemeClr val="accent3"/>
-          </a:lnRef>
-          <a:fillRef idx="0">
-            <a:schemeClr val="accent3"/>
-          </a:fillRef>
-          <a:effectRef idx="0">
-            <a:schemeClr val="accent3"/>
-          </a:effectRef>
-          <a:fontRef idx="minor">
-            <a:schemeClr val="tx1"/>
-          </a:fontRef>
-        </p:style>
-      </p:cxnSp>
-      <p:sp>
-        <p:nvSpPr>
-          <p:cNvPr id="6" name="文字方塊 5">
-            <a:extLst>
-              <a:ext uri="{FF2B5EF4-FFF2-40B4-BE49-F238E27FC236}">
-                <a16:creationId xmlns:a16="http://schemas.microsoft.com/office/drawing/2014/main" id="{4A69C9CE-DC31-4BD1-90C5-A7087563AFCF}"/>
-              </a:ext>
-            </a:extLst>
-          </p:cNvPr>
-          <p:cNvSpPr txBox="1"/>
-          <p:nvPr/>
-        </p:nvSpPr>
-        <p:spPr>
-          <a:xfrm>
-            <a:off x="7650840" y="1739410"/>
-            <a:ext cx="2262158" cy="646331"/>
-          </a:xfrm>
-          <a:prstGeom prst="rect">
-            <a:avLst/>
-          </a:prstGeom>
-          <a:noFill/>
-        </p:spPr>
-        <p:txBody>
-          <a:bodyPr wrap="none" rtlCol="0">
-            <a:spAutoFit/>
-          </a:bodyPr>
-          <a:lstStyle/>
-          <a:p>
-            <a:r>
-              <a:rPr lang="zh-TW" altLang="en-US" dirty="0">
-                <a:solidFill>
-                  <a:schemeClr val="bg1"/>
-                </a:solidFill>
-              </a:rPr>
-              <a:t>瀏覽大楷的頁面後，</a:t>
-            </a:r>
-            <a:endParaRPr lang="en-US" altLang="zh-TW" dirty="0">
-              <a:solidFill>
-                <a:schemeClr val="bg1"/>
-              </a:solidFill>
-            </a:endParaRPr>
-          </a:p>
-          <a:p>
-            <a:r>
-              <a:rPr lang="zh-TW" altLang="en-US" dirty="0">
-                <a:solidFill>
-                  <a:schemeClr val="bg1"/>
-                </a:solidFill>
-              </a:rPr>
-              <a:t>就會顯示在今日訪客</a:t>
-            </a:r>
-          </a:p>
-        </p:txBody>
-      </p:sp>
     </p:spTree>
     <p:extLst>
       <p:ext uri="{BB962C8B-B14F-4D97-AF65-F5344CB8AC3E}">
-        <p14:creationId xmlns:p14="http://schemas.microsoft.com/office/powerpoint/2010/main" val="227533501"/>
+        <p14:creationId xmlns:p14="http://schemas.microsoft.com/office/powerpoint/2010/main" val="2787918988"/>
       </p:ext>
     </p:extLst>
   </p:cSld>
@@ -6104,112 +7001,176 @@
       </p:grpSpPr>
       <p:sp>
         <p:nvSpPr>
-          <p:cNvPr id="3" name="文字方塊 2"/>
-          <p:cNvSpPr txBox="1"/>
+          <p:cNvPr id="3" name="標題 2">
+            <a:extLst>
+              <a:ext uri="{FF2B5EF4-FFF2-40B4-BE49-F238E27FC236}">
+                <a16:creationId xmlns:a16="http://schemas.microsoft.com/office/drawing/2014/main" id="{E2F12E2F-52EE-CA77-FB53-4EFC2E0F43C3}"/>
+              </a:ext>
+            </a:extLst>
+          </p:cNvPr>
+          <p:cNvSpPr>
+            <a:spLocks noGrp="1"/>
+          </p:cNvSpPr>
+          <p:nvPr>
+            <p:ph type="title"/>
+          </p:nvPr>
+        </p:nvSpPr>
+        <p:spPr/>
+        <p:txBody>
+          <a:bodyPr/>
+          <a:lstStyle/>
+          <a:p>
+            <a:r>
+              <a:rPr lang="zh-TW" altLang="en-US" dirty="0"/>
+              <a:t>個人頁面  </a:t>
+            </a:r>
+            <a:r>
+              <a:rPr lang="en-US" altLang="zh-TW" dirty="0"/>
+              <a:t>(Personal)</a:t>
+            </a:r>
+            <a:endParaRPr lang="zh-TW" altLang="en-US" dirty="0"/>
+          </a:p>
+        </p:txBody>
+      </p:sp>
+      <p:pic>
+        <p:nvPicPr>
+          <p:cNvPr id="7" name="圖片 6">
+            <a:extLst>
+              <a:ext uri="{FF2B5EF4-FFF2-40B4-BE49-F238E27FC236}">
+                <a16:creationId xmlns:a16="http://schemas.microsoft.com/office/drawing/2014/main" id="{79CBA89B-E009-441D-B92E-504FB9BE7FCC}"/>
+              </a:ext>
+            </a:extLst>
+          </p:cNvPr>
+          <p:cNvPicPr>
+            <a:picLocks noChangeAspect="1"/>
+          </p:cNvPicPr>
+          <p:nvPr/>
+        </p:nvPicPr>
+        <p:blipFill>
+          <a:blip r:embed="rId2"/>
+          <a:stretch>
+            <a:fillRect/>
+          </a:stretch>
+        </p:blipFill>
+        <p:spPr>
+          <a:xfrm>
+            <a:off x="348101" y="764704"/>
+            <a:ext cx="4334480" cy="3743847"/>
+          </a:xfrm>
+          <a:prstGeom prst="rect">
+            <a:avLst/>
+          </a:prstGeom>
+        </p:spPr>
+      </p:pic>
+      <p:pic>
+        <p:nvPicPr>
+          <p:cNvPr id="15" name="圖片 14">
+            <a:extLst>
+              <a:ext uri="{FF2B5EF4-FFF2-40B4-BE49-F238E27FC236}">
+                <a16:creationId xmlns:a16="http://schemas.microsoft.com/office/drawing/2014/main" id="{A09AF229-D36F-4A3E-BF0C-08EB78CCD048}"/>
+              </a:ext>
+            </a:extLst>
+          </p:cNvPr>
+          <p:cNvPicPr>
+            <a:picLocks noChangeAspect="1"/>
+          </p:cNvPicPr>
+          <p:nvPr/>
+        </p:nvPicPr>
+        <p:blipFill>
+          <a:blip r:embed="rId3"/>
+          <a:stretch>
+            <a:fillRect/>
+          </a:stretch>
+        </p:blipFill>
+        <p:spPr>
+          <a:xfrm>
+            <a:off x="632520" y="4743537"/>
+            <a:ext cx="8437104" cy="1555264"/>
+          </a:xfrm>
+          <a:prstGeom prst="rect">
+            <a:avLst/>
+          </a:prstGeom>
+        </p:spPr>
+      </p:pic>
+      <p:sp>
+        <p:nvSpPr>
+          <p:cNvPr id="17" name="箭號: 向下 16">
+            <a:extLst>
+              <a:ext uri="{FF2B5EF4-FFF2-40B4-BE49-F238E27FC236}">
+                <a16:creationId xmlns:a16="http://schemas.microsoft.com/office/drawing/2014/main" id="{CC3C5EC6-6BFC-47A5-9A07-6E81CD441C9A}"/>
+              </a:ext>
+            </a:extLst>
+          </p:cNvPr>
+          <p:cNvSpPr/>
           <p:nvPr/>
         </p:nvSpPr>
         <p:spPr>
           <a:xfrm>
-            <a:off x="3512840" y="2996952"/>
-            <a:ext cx="2880320" cy="720080"/>
-          </a:xfrm>
-          <a:prstGeom prst="rect">
-            <a:avLst/>
-          </a:prstGeom>
-          <a:noFill/>
-        </p:spPr>
+            <a:off x="2720752" y="4119881"/>
+            <a:ext cx="1512168" cy="1080689"/>
+          </a:xfrm>
+          <a:prstGeom prst="downArrow">
+            <a:avLst/>
+          </a:prstGeom>
+          <a:ln/>
+        </p:spPr>
+        <p:style>
+          <a:lnRef idx="1">
+            <a:schemeClr val="accent4"/>
+          </a:lnRef>
+          <a:fillRef idx="3">
+            <a:schemeClr val="accent4"/>
+          </a:fillRef>
+          <a:effectRef idx="2">
+            <a:schemeClr val="accent4"/>
+          </a:effectRef>
+          <a:fontRef idx="minor">
+            <a:schemeClr val="lt1"/>
+          </a:fontRef>
+        </p:style>
         <p:txBody>
-          <a:bodyPr wrap="square" rtlCol="0">
-            <a:spAutoFit/>
-          </a:bodyPr>
+          <a:bodyPr rtlCol="0" anchor="ctr"/>
           <a:lstStyle/>
           <a:p>
-            <a:r>
-              <a:rPr lang="en-US" altLang="zh-TW" sz="4000" dirty="0">
-                <a:solidFill>
-                  <a:schemeClr val="accent1"/>
-                </a:solidFill>
-              </a:rPr>
-              <a:t>T</a:t>
-            </a:r>
-            <a:r>
-              <a:rPr lang="en-US" altLang="zh-TW" sz="4000" dirty="0">
-                <a:solidFill>
-                  <a:schemeClr val="accent2"/>
-                </a:solidFill>
-              </a:rPr>
-              <a:t>h</a:t>
-            </a:r>
-            <a:r>
-              <a:rPr lang="en-US" altLang="zh-TW" sz="4000" dirty="0">
-                <a:solidFill>
-                  <a:schemeClr val="accent3"/>
-                </a:solidFill>
-              </a:rPr>
-              <a:t>a</a:t>
-            </a:r>
-            <a:r>
-              <a:rPr lang="en-US" altLang="zh-TW" sz="4000" dirty="0">
-                <a:solidFill>
-                  <a:schemeClr val="accent4"/>
-                </a:solidFill>
-              </a:rPr>
-              <a:t>n</a:t>
-            </a:r>
-            <a:r>
-              <a:rPr lang="en-US" altLang="zh-TW" sz="4000" dirty="0">
-                <a:solidFill>
-                  <a:schemeClr val="accent5"/>
-                </a:solidFill>
-              </a:rPr>
-              <a:t>k</a:t>
-            </a:r>
-            <a:r>
-              <a:rPr lang="en-US" altLang="zh-TW" sz="4000" dirty="0">
-                <a:solidFill>
-                  <a:schemeClr val="tx1">
-                    <a:lumMod val="75000"/>
-                  </a:schemeClr>
-                </a:solidFill>
-              </a:rPr>
-              <a:t> </a:t>
-            </a:r>
-            <a:r>
-              <a:rPr lang="en-US" altLang="zh-TW" sz="4000" dirty="0">
-                <a:solidFill>
-                  <a:schemeClr val="accent6"/>
-                </a:solidFill>
-              </a:rPr>
-              <a:t>y</a:t>
-            </a:r>
-            <a:r>
-              <a:rPr lang="en-US" altLang="zh-TW" sz="4000" dirty="0">
-                <a:solidFill>
-                  <a:schemeClr val="accent1"/>
-                </a:solidFill>
-              </a:rPr>
-              <a:t>o</a:t>
-            </a:r>
-            <a:r>
-              <a:rPr lang="en-US" altLang="zh-TW" sz="4000" dirty="0">
-                <a:solidFill>
-                  <a:schemeClr val="accent3"/>
-                </a:solidFill>
-              </a:rPr>
-              <a:t>u</a:t>
-            </a:r>
-            <a:endParaRPr lang="zh-TW" altLang="en-US" sz="4000" dirty="0" err="1">
-              <a:solidFill>
-                <a:schemeClr val="accent3"/>
-              </a:solidFill>
-            </a:endParaRPr>
+            <a:pPr algn="ctr"/>
+            <a:endParaRPr lang="zh-TW" altLang="en-US"/>
           </a:p>
         </p:txBody>
       </p:sp>
+      <p:pic>
+        <p:nvPicPr>
+          <p:cNvPr id="21" name="圖片 20">
+            <a:extLst>
+              <a:ext uri="{FF2B5EF4-FFF2-40B4-BE49-F238E27FC236}">
+                <a16:creationId xmlns:a16="http://schemas.microsoft.com/office/drawing/2014/main" id="{D7BA388C-C553-4BD9-A98C-2E014E00360D}"/>
+              </a:ext>
+            </a:extLst>
+          </p:cNvPr>
+          <p:cNvPicPr>
+            <a:picLocks noChangeAspect="1"/>
+          </p:cNvPicPr>
+          <p:nvPr/>
+        </p:nvPicPr>
+        <p:blipFill>
+          <a:blip r:embed="rId4"/>
+          <a:stretch>
+            <a:fillRect/>
+          </a:stretch>
+        </p:blipFill>
+        <p:spPr>
+          <a:xfrm>
+            <a:off x="4987282" y="764704"/>
+            <a:ext cx="4410691" cy="3713525"/>
+          </a:xfrm>
+          <a:prstGeom prst="rect">
+            <a:avLst/>
+          </a:prstGeom>
+        </p:spPr>
+      </p:pic>
     </p:spTree>
     <p:extLst>
       <p:ext uri="{BB962C8B-B14F-4D97-AF65-F5344CB8AC3E}">
-        <p14:creationId xmlns:p14="http://schemas.microsoft.com/office/powerpoint/2010/main" val="4034723819"/>
+        <p14:creationId xmlns:p14="http://schemas.microsoft.com/office/powerpoint/2010/main" val="1436161825"/>
       </p:ext>
     </p:extLst>
   </p:cSld>

--- a/docs/ppt/xiong.pptx
+++ b/docs/ppt/xiong.pptx
@@ -236,7 +236,7 @@
             <a:fld id="{05BF5AB9-3463-4E65-AFD3-5431B79ADFDC}" type="datetimeFigureOut">
               <a:rPr lang="zh-TW" altLang="en-US" smtClean="0"/>
               <a:pPr/>
-              <a:t>2025/3/30</a:t>
+              <a:t>2025/3/31</a:t>
             </a:fld>
             <a:endParaRPr lang="zh-TW" altLang="en-US"/>
           </a:p>
@@ -403,7 +403,7 @@
             <a:fld id="{838FF680-7B6B-4655-B6A1-33A8AD0AE8B4}" type="datetimeFigureOut">
               <a:rPr lang="zh-TW" altLang="en-US" smtClean="0"/>
               <a:pPr/>
-              <a:t>2025/3/30</a:t>
+              <a:t>2025/3/31</a:t>
             </a:fld>
             <a:endParaRPr lang="zh-TW" altLang="en-US"/>
           </a:p>
@@ -6222,12 +6222,52 @@
           </a:p>
         </p:txBody>
       </p:sp>
+      <p:sp>
+        <p:nvSpPr>
+          <p:cNvPr id="21" name="文字方塊 20">
+            <a:extLst>
+              <a:ext uri="{FF2B5EF4-FFF2-40B4-BE49-F238E27FC236}">
+                <a16:creationId xmlns:a16="http://schemas.microsoft.com/office/drawing/2014/main" id="{BE67703A-8A69-4A1F-8667-BEA4E122A600}"/>
+              </a:ext>
+            </a:extLst>
+          </p:cNvPr>
+          <p:cNvSpPr txBox="1"/>
+          <p:nvPr/>
+        </p:nvSpPr>
+        <p:spPr>
+          <a:xfrm>
+            <a:off x="920552" y="838240"/>
+            <a:ext cx="7704971" cy="461665"/>
+          </a:xfrm>
+          <a:prstGeom prst="rect">
+            <a:avLst/>
+          </a:prstGeom>
+          <a:noFill/>
+        </p:spPr>
+        <p:txBody>
+          <a:bodyPr wrap="square" rtlCol="0">
+            <a:spAutoFit/>
+          </a:bodyPr>
+          <a:lstStyle/>
+          <a:p>
+            <a:pPr algn="ctr"/>
+            <a:r>
+              <a:rPr lang="zh-TW" altLang="en-US" sz="2400" b="1" dirty="0">
+                <a:solidFill>
+                  <a:schemeClr val="bg1"/>
+                </a:solidFill>
+              </a:rPr>
+              <a:t>編輯個人資料</a:t>
+            </a:r>
+          </a:p>
+        </p:txBody>
+      </p:sp>
       <p:pic>
         <p:nvPicPr>
-          <p:cNvPr id="8" name="圖片 7">
+          <p:cNvPr id="4" name="圖片 3">
             <a:extLst>
               <a:ext uri="{FF2B5EF4-FFF2-40B4-BE49-F238E27FC236}">
-                <a16:creationId xmlns:a16="http://schemas.microsoft.com/office/drawing/2014/main" id="{85C4AF78-B09C-496A-A056-EF52582E09A6}"/>
+                <a16:creationId xmlns:a16="http://schemas.microsoft.com/office/drawing/2014/main" id="{499C9D15-2930-4FF9-838D-E45CF56B21A4}"/>
               </a:ext>
             </a:extLst>
           </p:cNvPr>
@@ -6244,8 +6284,8 @@
         </p:blipFill>
         <p:spPr>
           <a:xfrm>
-            <a:off x="80589" y="1405114"/>
-            <a:ext cx="5175635" cy="2969180"/>
+            <a:off x="133448" y="1268760"/>
+            <a:ext cx="5755656" cy="5225439"/>
           </a:xfrm>
           <a:prstGeom prst="rect">
             <a:avLst/>
@@ -6254,10 +6294,10 @@
       </p:pic>
       <p:pic>
         <p:nvPicPr>
-          <p:cNvPr id="13" name="圖片 12">
+          <p:cNvPr id="5" name="圖片 4">
             <a:extLst>
               <a:ext uri="{FF2B5EF4-FFF2-40B4-BE49-F238E27FC236}">
-                <a16:creationId xmlns:a16="http://schemas.microsoft.com/office/drawing/2014/main" id="{7C897DF1-4FD3-49C3-8032-CF110C7EB81B}"/>
+                <a16:creationId xmlns:a16="http://schemas.microsoft.com/office/drawing/2014/main" id="{18A25ECD-BB06-489C-98C7-828350603E66}"/>
               </a:ext>
             </a:extLst>
           </p:cNvPr>
@@ -6274,8 +6314,8 @@
         </p:blipFill>
         <p:spPr>
           <a:xfrm>
-            <a:off x="264409" y="5430613"/>
-            <a:ext cx="4969119" cy="800212"/>
+            <a:off x="6323019" y="1828671"/>
+            <a:ext cx="3168352" cy="575713"/>
           </a:xfrm>
           <a:prstGeom prst="rect">
             <a:avLst/>
@@ -6284,10 +6324,10 @@
       </p:pic>
       <p:pic>
         <p:nvPicPr>
-          <p:cNvPr id="17" name="圖片 16">
+          <p:cNvPr id="6" name="圖片 5">
             <a:extLst>
               <a:ext uri="{FF2B5EF4-FFF2-40B4-BE49-F238E27FC236}">
-                <a16:creationId xmlns:a16="http://schemas.microsoft.com/office/drawing/2014/main" id="{DDD8B790-28DE-48D6-AA1F-8738EDB6A7F2}"/>
+                <a16:creationId xmlns:a16="http://schemas.microsoft.com/office/drawing/2014/main" id="{0B798301-3666-41B4-97DB-C6D7474742EF}"/>
               </a:ext>
             </a:extLst>
           </p:cNvPr>
@@ -6304,20 +6344,98 @@
         </p:blipFill>
         <p:spPr>
           <a:xfrm>
-            <a:off x="6881664" y="1668032"/>
-            <a:ext cx="3024336" cy="2253088"/>
+            <a:off x="6006759" y="2924944"/>
+            <a:ext cx="3800872" cy="1601273"/>
           </a:xfrm>
           <a:prstGeom prst="rect">
             <a:avLst/>
           </a:prstGeom>
         </p:spPr>
       </p:pic>
+      <p:cxnSp>
+        <p:nvCxnSpPr>
+          <p:cNvPr id="9" name="直線單箭頭接點 8">
+            <a:extLst>
+              <a:ext uri="{FF2B5EF4-FFF2-40B4-BE49-F238E27FC236}">
+                <a16:creationId xmlns:a16="http://schemas.microsoft.com/office/drawing/2014/main" id="{CA08C4E3-A00D-4326-9CE6-4F5844323677}"/>
+              </a:ext>
+            </a:extLst>
+          </p:cNvPr>
+          <p:cNvCxnSpPr/>
+          <p:nvPr/>
+        </p:nvCxnSpPr>
+        <p:spPr>
+          <a:xfrm flipH="1">
+            <a:off x="4520952" y="6093296"/>
+            <a:ext cx="1728192" cy="288032"/>
+          </a:xfrm>
+          <a:prstGeom prst="straightConnector1">
+            <a:avLst/>
+          </a:prstGeom>
+          <a:ln w="38100">
+            <a:tailEnd type="triangle"/>
+          </a:ln>
+        </p:spPr>
+        <p:style>
+          <a:lnRef idx="1">
+            <a:schemeClr val="accent3"/>
+          </a:lnRef>
+          <a:fillRef idx="0">
+            <a:schemeClr val="accent3"/>
+          </a:fillRef>
+          <a:effectRef idx="0">
+            <a:schemeClr val="accent3"/>
+          </a:effectRef>
+          <a:fontRef idx="minor">
+            <a:schemeClr val="tx1"/>
+          </a:fontRef>
+        </p:style>
+      </p:cxnSp>
       <p:sp>
         <p:nvSpPr>
-          <p:cNvPr id="19" name="箭號: 向右 18">
+          <p:cNvPr id="10" name="文字方塊 9">
             <a:extLst>
               <a:ext uri="{FF2B5EF4-FFF2-40B4-BE49-F238E27FC236}">
-                <a16:creationId xmlns:a16="http://schemas.microsoft.com/office/drawing/2014/main" id="{23B2159F-FFC1-4BA3-8444-86E8DF7A0B28}"/>
+                <a16:creationId xmlns:a16="http://schemas.microsoft.com/office/drawing/2014/main" id="{08F6256C-0821-41A6-A225-E13F03AB729E}"/>
+              </a:ext>
+            </a:extLst>
+          </p:cNvPr>
+          <p:cNvSpPr txBox="1"/>
+          <p:nvPr/>
+        </p:nvSpPr>
+        <p:spPr>
+          <a:xfrm>
+            <a:off x="6249144" y="5966590"/>
+            <a:ext cx="2726567" cy="369332"/>
+          </a:xfrm>
+          <a:prstGeom prst="rect">
+            <a:avLst/>
+          </a:prstGeom>
+          <a:noFill/>
+        </p:spPr>
+        <p:txBody>
+          <a:bodyPr wrap="square" rtlCol="0">
+            <a:spAutoFit/>
+          </a:bodyPr>
+          <a:lstStyle/>
+          <a:p>
+            <a:r>
+              <a:rPr lang="zh-TW" altLang="en-US" dirty="0">
+                <a:solidFill>
+                  <a:schemeClr val="bg1"/>
+                </a:solidFill>
+              </a:rPr>
+              <a:t>密碼填入前，按鈕不能按</a:t>
+            </a:r>
+          </a:p>
+        </p:txBody>
+      </p:sp>
+      <p:sp>
+        <p:nvSpPr>
+          <p:cNvPr id="11" name="箭號: 向右 10">
+            <a:extLst>
+              <a:ext uri="{FF2B5EF4-FFF2-40B4-BE49-F238E27FC236}">
+                <a16:creationId xmlns:a16="http://schemas.microsoft.com/office/drawing/2014/main" id="{A8038F47-7289-458C-8107-4CCA5A67643F}"/>
               </a:ext>
             </a:extLst>
           </p:cNvPr>
@@ -6326,8 +6444,8 @@
         </p:nvSpPr>
         <p:spPr>
           <a:xfrm>
-            <a:off x="5529064" y="2740287"/>
-            <a:ext cx="1256308" cy="504056"/>
+            <a:off x="3800872" y="3429000"/>
+            <a:ext cx="2088232" cy="576064"/>
           </a:xfrm>
           <a:prstGeom prst="rightArrow">
             <a:avLst/>
@@ -6359,89 +6477,10 @@
       </p:sp>
       <p:sp>
         <p:nvSpPr>
-          <p:cNvPr id="20" name="文字方塊 19">
+          <p:cNvPr id="12" name="箭號: 向右 11">
             <a:extLst>
               <a:ext uri="{FF2B5EF4-FFF2-40B4-BE49-F238E27FC236}">
-                <a16:creationId xmlns:a16="http://schemas.microsoft.com/office/drawing/2014/main" id="{879A7DC7-593E-4C75-A57A-9EA1B7D368D5}"/>
-              </a:ext>
-            </a:extLst>
-          </p:cNvPr>
-          <p:cNvSpPr txBox="1"/>
-          <p:nvPr/>
-        </p:nvSpPr>
-        <p:spPr>
-          <a:xfrm>
-            <a:off x="5601072" y="2339876"/>
-            <a:ext cx="1693260" cy="369332"/>
-          </a:xfrm>
-          <a:prstGeom prst="rect">
-            <a:avLst/>
-          </a:prstGeom>
-          <a:noFill/>
-        </p:spPr>
-        <p:txBody>
-          <a:bodyPr wrap="square" rtlCol="0">
-            <a:spAutoFit/>
-          </a:bodyPr>
-          <a:lstStyle/>
-          <a:p>
-            <a:r>
-              <a:rPr lang="zh-TW" altLang="en-US" dirty="0">
-                <a:solidFill>
-                  <a:schemeClr val="bg1"/>
-                </a:solidFill>
-              </a:rPr>
-              <a:t>按下編輯</a:t>
-            </a:r>
-          </a:p>
-        </p:txBody>
-      </p:sp>
-      <p:sp>
-        <p:nvSpPr>
-          <p:cNvPr id="21" name="文字方塊 20">
-            <a:extLst>
-              <a:ext uri="{FF2B5EF4-FFF2-40B4-BE49-F238E27FC236}">
-                <a16:creationId xmlns:a16="http://schemas.microsoft.com/office/drawing/2014/main" id="{BE67703A-8A69-4A1F-8667-BEA4E122A600}"/>
-              </a:ext>
-            </a:extLst>
-          </p:cNvPr>
-          <p:cNvSpPr txBox="1"/>
-          <p:nvPr/>
-        </p:nvSpPr>
-        <p:spPr>
-          <a:xfrm>
-            <a:off x="920552" y="838240"/>
-            <a:ext cx="7704971" cy="461665"/>
-          </a:xfrm>
-          <a:prstGeom prst="rect">
-            <a:avLst/>
-          </a:prstGeom>
-          <a:noFill/>
-        </p:spPr>
-        <p:txBody>
-          <a:bodyPr wrap="square" rtlCol="0">
-            <a:spAutoFit/>
-          </a:bodyPr>
-          <a:lstStyle/>
-          <a:p>
-            <a:pPr algn="ctr"/>
-            <a:r>
-              <a:rPr lang="zh-TW" altLang="en-US" sz="2400" b="1" dirty="0">
-                <a:solidFill>
-                  <a:schemeClr val="bg1"/>
-                </a:solidFill>
-              </a:rPr>
-              <a:t>編輯個人資料</a:t>
-            </a:r>
-          </a:p>
-        </p:txBody>
-      </p:sp>
-      <p:sp>
-        <p:nvSpPr>
-          <p:cNvPr id="22" name="箭號: 向下 21">
-            <a:extLst>
-              <a:ext uri="{FF2B5EF4-FFF2-40B4-BE49-F238E27FC236}">
-                <a16:creationId xmlns:a16="http://schemas.microsoft.com/office/drawing/2014/main" id="{2C561535-B956-4654-923C-B991CDC82151}"/>
+                <a16:creationId xmlns:a16="http://schemas.microsoft.com/office/drawing/2014/main" id="{B82F9304-7346-4C9B-8C47-FCA9B9B84403}"/>
               </a:ext>
             </a:extLst>
           </p:cNvPr>
@@ -6450,10 +6489,10 @@
         </p:nvSpPr>
         <p:spPr>
           <a:xfrm>
-            <a:off x="2175691" y="4629633"/>
-            <a:ext cx="576064" cy="545641"/>
-          </a:xfrm>
-          <a:prstGeom prst="downArrow">
+            <a:off x="4034436" y="1882355"/>
+            <a:ext cx="2088232" cy="461665"/>
+          </a:xfrm>
+          <a:prstGeom prst="rightArrow">
             <a:avLst/>
           </a:prstGeom>
           <a:ln/>
@@ -6483,49 +6522,10 @@
       </p:sp>
       <p:sp>
         <p:nvSpPr>
-          <p:cNvPr id="24" name="文字方塊 23">
+          <p:cNvPr id="14" name="橢圓 13">
             <a:extLst>
               <a:ext uri="{FF2B5EF4-FFF2-40B4-BE49-F238E27FC236}">
-                <a16:creationId xmlns:a16="http://schemas.microsoft.com/office/drawing/2014/main" id="{DCCFBB33-FEDD-4CD2-A1E0-1B093C0FED78}"/>
-              </a:ext>
-            </a:extLst>
-          </p:cNvPr>
-          <p:cNvSpPr txBox="1"/>
-          <p:nvPr/>
-        </p:nvSpPr>
-        <p:spPr>
-          <a:xfrm>
-            <a:off x="2792760" y="4748946"/>
-            <a:ext cx="1693260" cy="369332"/>
-          </a:xfrm>
-          <a:prstGeom prst="rect">
-            <a:avLst/>
-          </a:prstGeom>
-          <a:noFill/>
-        </p:spPr>
-        <p:txBody>
-          <a:bodyPr wrap="square" rtlCol="0">
-            <a:spAutoFit/>
-          </a:bodyPr>
-          <a:lstStyle/>
-          <a:p>
-            <a:r>
-              <a:rPr lang="zh-TW" altLang="en-US" dirty="0">
-                <a:solidFill>
-                  <a:schemeClr val="bg1"/>
-                </a:solidFill>
-              </a:rPr>
-              <a:t>按下修改</a:t>
-            </a:r>
-          </a:p>
-        </p:txBody>
-      </p:sp>
-      <p:sp>
-        <p:nvSpPr>
-          <p:cNvPr id="2" name="橢圓 1">
-            <a:extLst>
-              <a:ext uri="{FF2B5EF4-FFF2-40B4-BE49-F238E27FC236}">
-                <a16:creationId xmlns:a16="http://schemas.microsoft.com/office/drawing/2014/main" id="{A0B21F62-228A-4CC0-B470-CB7A7A853F27}"/>
+                <a16:creationId xmlns:a16="http://schemas.microsoft.com/office/drawing/2014/main" id="{18783044-42DB-4D47-9D86-5962991E5FCF}"/>
               </a:ext>
             </a:extLst>
           </p:cNvPr>
@@ -6534,14 +6534,14 @@
         </p:nvSpPr>
         <p:spPr>
           <a:xfrm>
-            <a:off x="704528" y="2309085"/>
-            <a:ext cx="432048" cy="255819"/>
+            <a:off x="1961154" y="2193953"/>
+            <a:ext cx="216024" cy="139156"/>
           </a:xfrm>
           <a:prstGeom prst="ellipse">
             <a:avLst/>
           </a:prstGeom>
           <a:noFill/>
-          <a:ln w="38100">
+          <a:ln w="19050">
             <a:solidFill>
               <a:srgbClr val="FF0000"/>
             </a:solidFill>
@@ -6572,10 +6572,10 @@
       </p:sp>
       <p:sp>
         <p:nvSpPr>
-          <p:cNvPr id="15" name="橢圓 14">
+          <p:cNvPr id="23" name="橢圓 22">
             <a:extLst>
               <a:ext uri="{FF2B5EF4-FFF2-40B4-BE49-F238E27FC236}">
-                <a16:creationId xmlns:a16="http://schemas.microsoft.com/office/drawing/2014/main" id="{053EE750-9AE8-44BC-8A3B-7EFA35EFE967}"/>
+                <a16:creationId xmlns:a16="http://schemas.microsoft.com/office/drawing/2014/main" id="{1C837AF7-D422-47D4-811A-29615B900AA0}"/>
               </a:ext>
             </a:extLst>
           </p:cNvPr>
@@ -6584,14 +6584,14 @@
         </p:nvSpPr>
         <p:spPr>
           <a:xfrm>
-            <a:off x="992560" y="1556792"/>
-            <a:ext cx="432048" cy="255819"/>
+            <a:off x="1784648" y="2857796"/>
+            <a:ext cx="216024" cy="139156"/>
           </a:xfrm>
           <a:prstGeom prst="ellipse">
             <a:avLst/>
           </a:prstGeom>
           <a:noFill/>
-          <a:ln w="38100">
+          <a:ln w="19050">
             <a:solidFill>
               <a:srgbClr val="FF0000"/>
             </a:solidFill>
@@ -6699,12 +6699,51 @@
           </a:p>
         </p:txBody>
       </p:sp>
+      <p:sp>
+        <p:nvSpPr>
+          <p:cNvPr id="13" name="文字方塊 12">
+            <a:extLst>
+              <a:ext uri="{FF2B5EF4-FFF2-40B4-BE49-F238E27FC236}">
+                <a16:creationId xmlns:a16="http://schemas.microsoft.com/office/drawing/2014/main" id="{D15EE65D-DDAE-4D29-97A4-FDF16E175521}"/>
+              </a:ext>
+            </a:extLst>
+          </p:cNvPr>
+          <p:cNvSpPr txBox="1"/>
+          <p:nvPr/>
+        </p:nvSpPr>
+        <p:spPr>
+          <a:xfrm>
+            <a:off x="3368824" y="1844824"/>
+            <a:ext cx="4426185" cy="369332"/>
+          </a:xfrm>
+          <a:prstGeom prst="rect">
+            <a:avLst/>
+          </a:prstGeom>
+          <a:noFill/>
+        </p:spPr>
+        <p:txBody>
+          <a:bodyPr wrap="square" rtlCol="0">
+            <a:spAutoFit/>
+          </a:bodyPr>
+          <a:lstStyle/>
+          <a:p>
+            <a:r>
+              <a:rPr lang="zh-TW" altLang="en-US" dirty="0">
+                <a:solidFill>
+                  <a:schemeClr val="bg1"/>
+                </a:solidFill>
+              </a:rPr>
+              <a:t>登入過後，仍可以綁定</a:t>
+            </a:r>
+          </a:p>
+        </p:txBody>
+      </p:sp>
       <p:pic>
         <p:nvPicPr>
-          <p:cNvPr id="9" name="圖片 8">
+          <p:cNvPr id="2" name="圖片 1">
             <a:extLst>
               <a:ext uri="{FF2B5EF4-FFF2-40B4-BE49-F238E27FC236}">
-                <a16:creationId xmlns:a16="http://schemas.microsoft.com/office/drawing/2014/main" id="{CCB410AE-471E-462F-B8E9-69BA8F254734}"/>
+                <a16:creationId xmlns:a16="http://schemas.microsoft.com/office/drawing/2014/main" id="{A81902C5-9764-418E-952A-18003AE0604B}"/>
               </a:ext>
             </a:extLst>
           </p:cNvPr>
@@ -6721,161 +6760,14 @@
         </p:blipFill>
         <p:spPr>
           <a:xfrm>
-            <a:off x="488504" y="1052736"/>
-            <a:ext cx="5040560" cy="1776827"/>
+            <a:off x="-4894" y="2479290"/>
+            <a:ext cx="9906000" cy="1899420"/>
           </a:xfrm>
           <a:prstGeom prst="rect">
             <a:avLst/>
           </a:prstGeom>
         </p:spPr>
       </p:pic>
-      <p:pic>
-        <p:nvPicPr>
-          <p:cNvPr id="10" name="圖片 9">
-            <a:extLst>
-              <a:ext uri="{FF2B5EF4-FFF2-40B4-BE49-F238E27FC236}">
-                <a16:creationId xmlns:a16="http://schemas.microsoft.com/office/drawing/2014/main" id="{9A422E04-A06E-4241-8F08-F03C4D79B5DF}"/>
-              </a:ext>
-            </a:extLst>
-          </p:cNvPr>
-          <p:cNvPicPr>
-            <a:picLocks noChangeAspect="1"/>
-          </p:cNvPicPr>
-          <p:nvPr/>
-        </p:nvPicPr>
-        <p:blipFill>
-          <a:blip r:embed="rId3"/>
-          <a:stretch>
-            <a:fillRect/>
-          </a:stretch>
-        </p:blipFill>
-        <p:spPr>
-          <a:xfrm>
-            <a:off x="4521433" y="3789040"/>
-            <a:ext cx="5143345" cy="2057687"/>
-          </a:xfrm>
-          <a:prstGeom prst="rect">
-            <a:avLst/>
-          </a:prstGeom>
-        </p:spPr>
-      </p:pic>
-      <p:cxnSp>
-        <p:nvCxnSpPr>
-          <p:cNvPr id="4" name="直線單箭頭接點 3">
-            <a:extLst>
-              <a:ext uri="{FF2B5EF4-FFF2-40B4-BE49-F238E27FC236}">
-                <a16:creationId xmlns:a16="http://schemas.microsoft.com/office/drawing/2014/main" id="{0A56FE60-2FB8-4B2D-856D-3DF6884A4066}"/>
-              </a:ext>
-            </a:extLst>
-          </p:cNvPr>
-          <p:cNvCxnSpPr/>
-          <p:nvPr/>
-        </p:nvCxnSpPr>
-        <p:spPr>
-          <a:xfrm flipH="1">
-            <a:off x="5457056" y="2204864"/>
-            <a:ext cx="792088" cy="432048"/>
-          </a:xfrm>
-          <a:prstGeom prst="straightConnector1">
-            <a:avLst/>
-          </a:prstGeom>
-          <a:ln w="38100">
-            <a:tailEnd type="triangle"/>
-          </a:ln>
-        </p:spPr>
-        <p:style>
-          <a:lnRef idx="1">
-            <a:schemeClr val="accent3"/>
-          </a:lnRef>
-          <a:fillRef idx="0">
-            <a:schemeClr val="accent3"/>
-          </a:fillRef>
-          <a:effectRef idx="0">
-            <a:schemeClr val="accent3"/>
-          </a:effectRef>
-          <a:fontRef idx="minor">
-            <a:schemeClr val="tx1"/>
-          </a:fontRef>
-        </p:style>
-      </p:cxnSp>
-      <p:sp>
-        <p:nvSpPr>
-          <p:cNvPr id="12" name="文字方塊 11">
-            <a:extLst>
-              <a:ext uri="{FF2B5EF4-FFF2-40B4-BE49-F238E27FC236}">
-                <a16:creationId xmlns:a16="http://schemas.microsoft.com/office/drawing/2014/main" id="{42784702-E2B3-4CD8-A444-97315CCB8664}"/>
-              </a:ext>
-            </a:extLst>
-          </p:cNvPr>
-          <p:cNvSpPr txBox="1"/>
-          <p:nvPr/>
-        </p:nvSpPr>
-        <p:spPr>
-          <a:xfrm>
-            <a:off x="6262960" y="1604699"/>
-            <a:ext cx="4426185" cy="369332"/>
-          </a:xfrm>
-          <a:prstGeom prst="rect">
-            <a:avLst/>
-          </a:prstGeom>
-          <a:noFill/>
-        </p:spPr>
-        <p:txBody>
-          <a:bodyPr wrap="square" rtlCol="0">
-            <a:spAutoFit/>
-          </a:bodyPr>
-          <a:lstStyle/>
-          <a:p>
-            <a:r>
-              <a:rPr lang="zh-TW" altLang="en-US" dirty="0">
-                <a:solidFill>
-                  <a:schemeClr val="bg1"/>
-                </a:solidFill>
-              </a:rPr>
-              <a:t>密碼沒填，按鈕不能按</a:t>
-            </a:r>
-          </a:p>
-        </p:txBody>
-      </p:sp>
-      <p:sp>
-        <p:nvSpPr>
-          <p:cNvPr id="13" name="文字方塊 12">
-            <a:extLst>
-              <a:ext uri="{FF2B5EF4-FFF2-40B4-BE49-F238E27FC236}">
-                <a16:creationId xmlns:a16="http://schemas.microsoft.com/office/drawing/2014/main" id="{D15EE65D-DDAE-4D29-97A4-FDF16E175521}"/>
-              </a:ext>
-            </a:extLst>
-          </p:cNvPr>
-          <p:cNvSpPr txBox="1"/>
-          <p:nvPr/>
-        </p:nvSpPr>
-        <p:spPr>
-          <a:xfrm>
-            <a:off x="1568624" y="4617477"/>
-            <a:ext cx="4426185" cy="369332"/>
-          </a:xfrm>
-          <a:prstGeom prst="rect">
-            <a:avLst/>
-          </a:prstGeom>
-          <a:noFill/>
-        </p:spPr>
-        <p:txBody>
-          <a:bodyPr wrap="square" rtlCol="0">
-            <a:spAutoFit/>
-          </a:bodyPr>
-          <a:lstStyle/>
-          <a:p>
-            <a:r>
-              <a:rPr lang="zh-TW" altLang="en-US" dirty="0">
-                <a:solidFill>
-                  <a:schemeClr val="bg1"/>
-                </a:solidFill>
-              </a:rPr>
-              <a:t>登入過後，仍可以綁定</a:t>
-            </a:r>
-          </a:p>
-        </p:txBody>
-      </p:sp>
     </p:spTree>
     <p:extLst>
       <p:ext uri="{BB962C8B-B14F-4D97-AF65-F5344CB8AC3E}">
